--- a/Ethereum 101.pptx
+++ b/Ethereum 101.pptx
@@ -5,7 +5,7 @@
     <p:sldMasterId id="2147483648" r:id="rId1"/>
   </p:sldMasterIdLst>
   <p:notesMasterIdLst>
-    <p:notesMasterId r:id="rId146"/>
+    <p:notesMasterId r:id="rId161"/>
   </p:notesMasterIdLst>
   <p:sldIdLst>
     <p:sldId id="256" r:id="rId2"/>
@@ -107,51 +107,66 @@
     <p:sldId id="350" r:id="rId98"/>
     <p:sldId id="351" r:id="rId99"/>
     <p:sldId id="352" r:id="rId100"/>
-    <p:sldId id="353" r:id="rId101"/>
-    <p:sldId id="354" r:id="rId102"/>
-    <p:sldId id="356" r:id="rId103"/>
-    <p:sldId id="355" r:id="rId104"/>
-    <p:sldId id="357" r:id="rId105"/>
-    <p:sldId id="358" r:id="rId106"/>
-    <p:sldId id="359" r:id="rId107"/>
-    <p:sldId id="360" r:id="rId108"/>
-    <p:sldId id="361" r:id="rId109"/>
-    <p:sldId id="362" r:id="rId110"/>
-    <p:sldId id="363" r:id="rId111"/>
-    <p:sldId id="364" r:id="rId112"/>
-    <p:sldId id="365" r:id="rId113"/>
-    <p:sldId id="366" r:id="rId114"/>
-    <p:sldId id="367" r:id="rId115"/>
-    <p:sldId id="368" r:id="rId116"/>
-    <p:sldId id="369" r:id="rId117"/>
-    <p:sldId id="370" r:id="rId118"/>
-    <p:sldId id="371" r:id="rId119"/>
-    <p:sldId id="372" r:id="rId120"/>
-    <p:sldId id="373" r:id="rId121"/>
-    <p:sldId id="374" r:id="rId122"/>
-    <p:sldId id="375" r:id="rId123"/>
-    <p:sldId id="376" r:id="rId124"/>
-    <p:sldId id="377" r:id="rId125"/>
-    <p:sldId id="378" r:id="rId126"/>
-    <p:sldId id="379" r:id="rId127"/>
-    <p:sldId id="380" r:id="rId128"/>
-    <p:sldId id="381" r:id="rId129"/>
-    <p:sldId id="382" r:id="rId130"/>
-    <p:sldId id="383" r:id="rId131"/>
-    <p:sldId id="384" r:id="rId132"/>
-    <p:sldId id="385" r:id="rId133"/>
-    <p:sldId id="386" r:id="rId134"/>
-    <p:sldId id="387" r:id="rId135"/>
-    <p:sldId id="389" r:id="rId136"/>
-    <p:sldId id="388" r:id="rId137"/>
-    <p:sldId id="390" r:id="rId138"/>
-    <p:sldId id="391" r:id="rId139"/>
-    <p:sldId id="392" r:id="rId140"/>
-    <p:sldId id="393" r:id="rId141"/>
-    <p:sldId id="394" r:id="rId142"/>
-    <p:sldId id="395" r:id="rId143"/>
-    <p:sldId id="396" r:id="rId144"/>
-    <p:sldId id="397" r:id="rId145"/>
+    <p:sldId id="400" r:id="rId101"/>
+    <p:sldId id="353" r:id="rId102"/>
+    <p:sldId id="354" r:id="rId103"/>
+    <p:sldId id="356" r:id="rId104"/>
+    <p:sldId id="355" r:id="rId105"/>
+    <p:sldId id="357" r:id="rId106"/>
+    <p:sldId id="358" r:id="rId107"/>
+    <p:sldId id="359" r:id="rId108"/>
+    <p:sldId id="360" r:id="rId109"/>
+    <p:sldId id="361" r:id="rId110"/>
+    <p:sldId id="362" r:id="rId111"/>
+    <p:sldId id="363" r:id="rId112"/>
+    <p:sldId id="401" r:id="rId113"/>
+    <p:sldId id="402" r:id="rId114"/>
+    <p:sldId id="403" r:id="rId115"/>
+    <p:sldId id="364" r:id="rId116"/>
+    <p:sldId id="365" r:id="rId117"/>
+    <p:sldId id="366" r:id="rId118"/>
+    <p:sldId id="367" r:id="rId119"/>
+    <p:sldId id="368" r:id="rId120"/>
+    <p:sldId id="369" r:id="rId121"/>
+    <p:sldId id="370" r:id="rId122"/>
+    <p:sldId id="371" r:id="rId123"/>
+    <p:sldId id="372" r:id="rId124"/>
+    <p:sldId id="373" r:id="rId125"/>
+    <p:sldId id="374" r:id="rId126"/>
+    <p:sldId id="375" r:id="rId127"/>
+    <p:sldId id="376" r:id="rId128"/>
+    <p:sldId id="377" r:id="rId129"/>
+    <p:sldId id="378" r:id="rId130"/>
+    <p:sldId id="379" r:id="rId131"/>
+    <p:sldId id="380" r:id="rId132"/>
+    <p:sldId id="381" r:id="rId133"/>
+    <p:sldId id="404" r:id="rId134"/>
+    <p:sldId id="405" r:id="rId135"/>
+    <p:sldId id="382" r:id="rId136"/>
+    <p:sldId id="406" r:id="rId137"/>
+    <p:sldId id="407" r:id="rId138"/>
+    <p:sldId id="383" r:id="rId139"/>
+    <p:sldId id="384" r:id="rId140"/>
+    <p:sldId id="408" r:id="rId141"/>
+    <p:sldId id="409" r:id="rId142"/>
+    <p:sldId id="410" r:id="rId143"/>
+    <p:sldId id="411" r:id="rId144"/>
+    <p:sldId id="412" r:id="rId145"/>
+    <p:sldId id="413" r:id="rId146"/>
+    <p:sldId id="385" r:id="rId147"/>
+    <p:sldId id="386" r:id="rId148"/>
+    <p:sldId id="387" r:id="rId149"/>
+    <p:sldId id="389" r:id="rId150"/>
+    <p:sldId id="388" r:id="rId151"/>
+    <p:sldId id="390" r:id="rId152"/>
+    <p:sldId id="391" r:id="rId153"/>
+    <p:sldId id="392" r:id="rId154"/>
+    <p:sldId id="393" r:id="rId155"/>
+    <p:sldId id="394" r:id="rId156"/>
+    <p:sldId id="395" r:id="rId157"/>
+    <p:sldId id="396" r:id="rId158"/>
+    <p:sldId id="397" r:id="rId159"/>
+    <p:sldId id="415" r:id="rId160"/>
   </p:sldIdLst>
   <p:sldSz cx="12192000" cy="6858000"/>
   <p:notesSz cx="6858000" cy="9144000"/>
@@ -340,7 +355,7 @@
           <a:p>
             <a:fld id="{D056F5B0-763F-471D-AE43-90B0A7D0F7A0}" type="datetimeFigureOut">
               <a:rPr lang="en-US" smtClean="0"/>
-              <a:t>3/26/2020</a:t>
+              <a:t>4/15/2020</a:t>
             </a:fld>
             <a:endParaRPr lang="en-US" dirty="0"/>
           </a:p>
@@ -1809,7 +1824,7 @@
             <a:fld id="{B61BEF0D-F0BB-DE4B-95CE-6DB70DBA9567}" type="datetimeFigureOut">
               <a:rPr lang="en-US" dirty="0"/>
               <a:pPr/>
-              <a:t>3/26/2020</a:t>
+              <a:t>4/15/2020</a:t>
             </a:fld>
             <a:endParaRPr lang="en-US" dirty="0"/>
           </a:p>
@@ -2144,7 +2159,7 @@
             <a:fld id="{B61BEF0D-F0BB-DE4B-95CE-6DB70DBA9567}" type="datetimeFigureOut">
               <a:rPr lang="en-US" dirty="0"/>
               <a:pPr/>
-              <a:t>3/26/2020</a:t>
+              <a:t>4/15/2020</a:t>
             </a:fld>
             <a:endParaRPr lang="en-US" dirty="0"/>
           </a:p>
@@ -2542,7 +2557,7 @@
             <a:fld id="{B61BEF0D-F0BB-DE4B-95CE-6DB70DBA9567}" type="datetimeFigureOut">
               <a:rPr lang="en-US" dirty="0"/>
               <a:pPr/>
-              <a:t>3/26/2020</a:t>
+              <a:t>4/15/2020</a:t>
             </a:fld>
             <a:endParaRPr lang="en-US" dirty="0"/>
           </a:p>
@@ -2875,7 +2890,7 @@
             <a:fld id="{B61BEF0D-F0BB-DE4B-95CE-6DB70DBA9567}" type="datetimeFigureOut">
               <a:rPr lang="en-US" dirty="0"/>
               <a:pPr/>
-              <a:t>3/26/2020</a:t>
+              <a:t>4/15/2020</a:t>
             </a:fld>
             <a:endParaRPr lang="en-US" dirty="0"/>
           </a:p>
@@ -3192,7 +3207,7 @@
             <a:fld id="{B61BEF0D-F0BB-DE4B-95CE-6DB70DBA9567}" type="datetimeFigureOut">
               <a:rPr lang="en-US" dirty="0"/>
               <a:pPr/>
-              <a:t>3/26/2020</a:t>
+              <a:t>4/15/2020</a:t>
             </a:fld>
             <a:endParaRPr lang="en-US" dirty="0"/>
           </a:p>
@@ -3585,7 +3600,7 @@
             <a:fld id="{B61BEF0D-F0BB-DE4B-95CE-6DB70DBA9567}" type="datetimeFigureOut">
               <a:rPr lang="en-US" dirty="0"/>
               <a:pPr/>
-              <a:t>3/26/2020</a:t>
+              <a:t>4/15/2020</a:t>
             </a:fld>
             <a:endParaRPr lang="en-US" dirty="0"/>
           </a:p>
@@ -3839,7 +3854,7 @@
             <a:fld id="{B61BEF0D-F0BB-DE4B-95CE-6DB70DBA9567}" type="datetimeFigureOut">
               <a:rPr lang="en-US" dirty="0"/>
               <a:pPr/>
-              <a:t>3/26/2020</a:t>
+              <a:t>4/15/2020</a:t>
             </a:fld>
             <a:endParaRPr lang="en-US" dirty="0"/>
           </a:p>
@@ -4098,7 +4113,7 @@
             <a:fld id="{B61BEF0D-F0BB-DE4B-95CE-6DB70DBA9567}" type="datetimeFigureOut">
               <a:rPr lang="en-US" dirty="0"/>
               <a:pPr/>
-              <a:t>3/26/2020</a:t>
+              <a:t>4/15/2020</a:t>
             </a:fld>
             <a:endParaRPr lang="en-US" dirty="0"/>
           </a:p>
@@ -4357,7 +4372,7 @@
             <a:fld id="{B61BEF0D-F0BB-DE4B-95CE-6DB70DBA9567}" type="datetimeFigureOut">
               <a:rPr lang="en-US" dirty="0"/>
               <a:pPr/>
-              <a:t>3/26/2020</a:t>
+              <a:t>4/15/2020</a:t>
             </a:fld>
             <a:endParaRPr lang="en-US" dirty="0"/>
           </a:p>
@@ -4683,7 +4698,7 @@
             <a:fld id="{B61BEF0D-F0BB-DE4B-95CE-6DB70DBA9567}" type="datetimeFigureOut">
               <a:rPr lang="en-US" dirty="0"/>
               <a:pPr/>
-              <a:t>3/26/2020</a:t>
+              <a:t>4/15/2020</a:t>
             </a:fld>
             <a:endParaRPr lang="en-US" dirty="0"/>
           </a:p>
@@ -5003,7 +5018,7 @@
             <a:fld id="{B61BEF0D-F0BB-DE4B-95CE-6DB70DBA9567}" type="datetimeFigureOut">
               <a:rPr lang="en-US" dirty="0"/>
               <a:pPr/>
-              <a:t>3/26/2020</a:t>
+              <a:t>4/15/2020</a:t>
             </a:fld>
             <a:endParaRPr lang="en-US" dirty="0"/>
           </a:p>
@@ -5457,7 +5472,7 @@
             <a:fld id="{B61BEF0D-F0BB-DE4B-95CE-6DB70DBA9567}" type="datetimeFigureOut">
               <a:rPr lang="en-US" dirty="0"/>
               <a:pPr/>
-              <a:t>3/26/2020</a:t>
+              <a:t>4/15/2020</a:t>
             </a:fld>
             <a:endParaRPr lang="en-US" dirty="0"/>
           </a:p>
@@ -5659,7 +5674,7 @@
             <a:fld id="{B61BEF0D-F0BB-DE4B-95CE-6DB70DBA9567}" type="datetimeFigureOut">
               <a:rPr lang="en-US" dirty="0"/>
               <a:pPr/>
-              <a:t>3/26/2020</a:t>
+              <a:t>4/15/2020</a:t>
             </a:fld>
             <a:endParaRPr lang="en-US" dirty="0"/>
           </a:p>
@@ -5833,7 +5848,7 @@
             <a:fld id="{B61BEF0D-F0BB-DE4B-95CE-6DB70DBA9567}" type="datetimeFigureOut">
               <a:rPr lang="en-US" dirty="0"/>
               <a:pPr/>
-              <a:t>3/26/2020</a:t>
+              <a:t>4/15/2020</a:t>
             </a:fld>
             <a:endParaRPr lang="en-US" dirty="0"/>
           </a:p>
@@ -6163,7 +6178,7 @@
             <a:fld id="{B61BEF0D-F0BB-DE4B-95CE-6DB70DBA9567}" type="datetimeFigureOut">
               <a:rPr lang="en-US" dirty="0"/>
               <a:pPr/>
-              <a:t>3/26/2020</a:t>
+              <a:t>4/15/2020</a:t>
             </a:fld>
             <a:endParaRPr lang="en-US" dirty="0"/>
           </a:p>
@@ -6504,7 +6519,7 @@
             <a:fld id="{B61BEF0D-F0BB-DE4B-95CE-6DB70DBA9567}" type="datetimeFigureOut">
               <a:rPr lang="en-US" dirty="0"/>
               <a:pPr/>
-              <a:t>3/26/2020</a:t>
+              <a:t>4/15/2020</a:t>
             </a:fld>
             <a:endParaRPr lang="en-US" dirty="0"/>
           </a:p>
@@ -8618,7 +8633,7 @@
             <a:fld id="{B61BEF0D-F0BB-DE4B-95CE-6DB70DBA9567}" type="datetimeFigureOut">
               <a:rPr lang="en-US" dirty="0"/>
               <a:pPr/>
-              <a:t>3/26/2020</a:t>
+              <a:t>4/15/2020</a:t>
             </a:fld>
             <a:endParaRPr lang="en-US" dirty="0"/>
           </a:p>
@@ -9333,6 +9348,141 @@
       </p:grpSpPr>
       <p:sp>
         <p:nvSpPr>
+          <p:cNvPr id="2" name="Title 1">
+            <a:extLst>
+              <a:ext uri="{FF2B5EF4-FFF2-40B4-BE49-F238E27FC236}">
+                <a16:creationId xmlns:a16="http://schemas.microsoft.com/office/drawing/2014/main" id="{BA9002F4-EE0B-4F41-9606-C01CEF49419E}"/>
+              </a:ext>
+            </a:extLst>
+          </p:cNvPr>
+          <p:cNvSpPr>
+            <a:spLocks noGrp="1"/>
+          </p:cNvSpPr>
+          <p:nvPr>
+            <p:ph type="title"/>
+          </p:nvPr>
+        </p:nvSpPr>
+        <p:spPr>
+          <a:xfrm>
+            <a:off x="2047015" y="160086"/>
+            <a:ext cx="8911687" cy="1280890"/>
+          </a:xfrm>
+        </p:spPr>
+        <p:txBody>
+          <a:bodyPr/>
+          <a:lstStyle/>
+          <a:p>
+            <a:r>
+              <a:rPr lang="en-US" b="1" dirty="0"/>
+              <a:t>Bloom Filter</a:t>
+            </a:r>
+            <a:endParaRPr lang="en-US" dirty="0"/>
+          </a:p>
+        </p:txBody>
+      </p:sp>
+      <p:sp>
+        <p:nvSpPr>
+          <p:cNvPr id="3" name="Content Placeholder 2">
+            <a:extLst>
+              <a:ext uri="{FF2B5EF4-FFF2-40B4-BE49-F238E27FC236}">
+                <a16:creationId xmlns:a16="http://schemas.microsoft.com/office/drawing/2014/main" id="{1F280EDA-9CDA-4204-8078-4A86BBC7A457}"/>
+              </a:ext>
+            </a:extLst>
+          </p:cNvPr>
+          <p:cNvSpPr>
+            <a:spLocks noGrp="1"/>
+          </p:cNvSpPr>
+          <p:nvPr>
+            <p:ph idx="1"/>
+          </p:nvPr>
+        </p:nvSpPr>
+        <p:spPr>
+          <a:xfrm>
+            <a:off x="1501821" y="800531"/>
+            <a:ext cx="9730285" cy="3777622"/>
+          </a:xfrm>
+        </p:spPr>
+        <p:txBody>
+          <a:bodyPr>
+            <a:normAutofit/>
+          </a:bodyPr>
+          <a:lstStyle/>
+          <a:p>
+            <a:r>
+              <a:rPr lang="en-US" sz="2400" dirty="0"/>
+              <a:t>Bloom filter is a space-efficient probabilistic data structure that is used to test whether an element is a member of a set. </a:t>
+            </a:r>
+          </a:p>
+          <a:p>
+            <a:r>
+              <a:rPr lang="en-US" sz="2400" dirty="0"/>
+              <a:t>For example, checking availability of username is set membership problem, where the set is the list of all registered username. </a:t>
+            </a:r>
+          </a:p>
+        </p:txBody>
+      </p:sp>
+      <p:pic>
+        <p:nvPicPr>
+          <p:cNvPr id="4" name="Picture 3">
+            <a:extLst>
+              <a:ext uri="{FF2B5EF4-FFF2-40B4-BE49-F238E27FC236}">
+                <a16:creationId xmlns:a16="http://schemas.microsoft.com/office/drawing/2014/main" id="{8DD86181-A430-430F-8265-63196DAF1646}"/>
+              </a:ext>
+            </a:extLst>
+          </p:cNvPr>
+          <p:cNvPicPr>
+            <a:picLocks noChangeAspect="1"/>
+          </p:cNvPicPr>
+          <p:nvPr/>
+        </p:nvPicPr>
+        <p:blipFill>
+          <a:blip r:embed="rId2"/>
+          <a:stretch>
+            <a:fillRect/>
+          </a:stretch>
+        </p:blipFill>
+        <p:spPr>
+          <a:xfrm>
+            <a:off x="2047016" y="2796977"/>
+            <a:ext cx="7520066" cy="3971275"/>
+          </a:xfrm>
+          <a:prstGeom prst="rect">
+            <a:avLst/>
+          </a:prstGeom>
+        </p:spPr>
+      </p:pic>
+    </p:spTree>
+    <p:extLst>
+      <p:ext uri="{BB962C8B-B14F-4D97-AF65-F5344CB8AC3E}">
+        <p14:creationId xmlns:p14="http://schemas.microsoft.com/office/powerpoint/2010/main" val="2943011821"/>
+      </p:ext>
+    </p:extLst>
+  </p:cSld>
+  <p:clrMapOvr>
+    <a:masterClrMapping/>
+  </p:clrMapOvr>
+</p:sld>
+</file>
+
+<file path=ppt/slides/slide101.xml><?xml version="1.0" encoding="utf-8"?>
+<p:sld xmlns:a="http://schemas.openxmlformats.org/drawingml/2006/main" xmlns:r="http://schemas.openxmlformats.org/officeDocument/2006/relationships" xmlns:p="http://schemas.openxmlformats.org/presentationml/2006/main">
+  <p:cSld>
+    <p:spTree>
+      <p:nvGrpSpPr>
+        <p:cNvPr id="1" name=""/>
+        <p:cNvGrpSpPr/>
+        <p:nvPr/>
+      </p:nvGrpSpPr>
+      <p:grpSpPr>
+        <a:xfrm>
+          <a:off x="0" y="0"/>
+          <a:ext cx="0" cy="0"/>
+          <a:chOff x="0" y="0"/>
+          <a:chExt cx="0" cy="0"/>
+        </a:xfrm>
+      </p:grpSpPr>
+      <p:sp>
+        <p:nvSpPr>
           <p:cNvPr id="2" name="Title 1"/>
           <p:cNvSpPr>
             <a:spLocks noGrp="1"/>
@@ -9406,123 +9556,6 @@
 </p:sld>
 </file>
 
-<file path=ppt/slides/slide101.xml><?xml version="1.0" encoding="utf-8"?>
-<p:sld xmlns:a="http://schemas.openxmlformats.org/drawingml/2006/main" xmlns:r="http://schemas.openxmlformats.org/officeDocument/2006/relationships" xmlns:p="http://schemas.openxmlformats.org/presentationml/2006/main">
-  <p:cSld>
-    <p:spTree>
-      <p:nvGrpSpPr>
-        <p:cNvPr id="1" name=""/>
-        <p:cNvGrpSpPr/>
-        <p:nvPr/>
-      </p:nvGrpSpPr>
-      <p:grpSpPr>
-        <a:xfrm>
-          <a:off x="0" y="0"/>
-          <a:ext cx="0" cy="0"/>
-          <a:chOff x="0" y="0"/>
-          <a:chExt cx="0" cy="0"/>
-        </a:xfrm>
-      </p:grpSpPr>
-      <p:sp>
-        <p:nvSpPr>
-          <p:cNvPr id="2" name="Title 1"/>
-          <p:cNvSpPr>
-            <a:spLocks noGrp="1"/>
-          </p:cNvSpPr>
-          <p:nvPr>
-            <p:ph type="title"/>
-          </p:nvPr>
-        </p:nvSpPr>
-        <p:spPr/>
-        <p:txBody>
-          <a:bodyPr/>
-          <a:lstStyle/>
-          <a:p>
-            <a:r>
-              <a:rPr lang="en-US" dirty="0"/>
-              <a:t>Transaction validation and execution</a:t>
-            </a:r>
-          </a:p>
-        </p:txBody>
-      </p:sp>
-      <p:sp>
-        <p:nvSpPr>
-          <p:cNvPr id="3" name="Content Placeholder 2"/>
-          <p:cNvSpPr>
-            <a:spLocks noGrp="1"/>
-          </p:cNvSpPr>
-          <p:nvPr>
-            <p:ph idx="1"/>
-          </p:nvPr>
-        </p:nvSpPr>
-        <p:spPr/>
-        <p:txBody>
-          <a:bodyPr>
-            <a:noAutofit/>
-          </a:bodyPr>
-          <a:lstStyle/>
-          <a:p>
-            <a:r>
-              <a:rPr lang="en-US" sz="2400" dirty="0"/>
-              <a:t>Transactions are executed after verifying the transactions for validity.</a:t>
-            </a:r>
-          </a:p>
-          <a:p>
-            <a:r>
-              <a:rPr lang="en-US" sz="2400" dirty="0"/>
-              <a:t> Initial tests are</a:t>
-            </a:r>
-          </a:p>
-          <a:p>
-            <a:pPr lvl="1"/>
-            <a:r>
-              <a:rPr lang="en-US" sz="2000" dirty="0"/>
-              <a:t>A transaction must be well-formed and RLP-encoded without any additional trailing bytes</a:t>
-            </a:r>
-          </a:p>
-          <a:p>
-            <a:pPr lvl="1"/>
-            <a:r>
-              <a:rPr lang="en-US" sz="2000" dirty="0"/>
-              <a:t>The digital signature used to sign the transaction is valid</a:t>
-            </a:r>
-          </a:p>
-          <a:p>
-            <a:pPr lvl="1"/>
-            <a:r>
-              <a:rPr lang="en-US" sz="2000" dirty="0"/>
-              <a:t>Transaction nonce must be equal to the sender's account's current nonce</a:t>
-            </a:r>
-          </a:p>
-          <a:p>
-            <a:pPr lvl="1"/>
-            <a:r>
-              <a:rPr lang="en-US" sz="2000" dirty="0"/>
-              <a:t>Gas limit must not be less than the gas used by the transaction</a:t>
-            </a:r>
-          </a:p>
-          <a:p>
-            <a:pPr lvl="1"/>
-            <a:r>
-              <a:rPr lang="en-US" sz="2000" dirty="0"/>
-              <a:t>The sender's account contains enough balance to cover the execution cost</a:t>
-            </a:r>
-          </a:p>
-        </p:txBody>
-      </p:sp>
-    </p:spTree>
-    <p:extLst>
-      <p:ext uri="{BB962C8B-B14F-4D97-AF65-F5344CB8AC3E}">
-        <p14:creationId xmlns:p14="http://schemas.microsoft.com/office/powerpoint/2010/main" val="3662856737"/>
-      </p:ext>
-    </p:extLst>
-  </p:cSld>
-  <p:clrMapOvr>
-    <a:masterClrMapping/>
-  </p:clrMapOvr>
-</p:sld>
-</file>
-
 <file path=ppt/slides/slide102.xml><?xml version="1.0" encoding="utf-8"?>
 <p:sld xmlns:a="http://schemas.openxmlformats.org/drawingml/2006/main" xmlns:r="http://schemas.openxmlformats.org/officeDocument/2006/relationships" xmlns:p="http://schemas.openxmlformats.org/presentationml/2006/main">
   <p:cSld>
@@ -9550,113 +9583,97 @@
             <p:ph type="title"/>
           </p:nvPr>
         </p:nvSpPr>
-        <p:spPr/>
+        <p:spPr>
+          <a:xfrm>
+            <a:off x="1888391" y="132790"/>
+            <a:ext cx="8911687" cy="1280890"/>
+          </a:xfrm>
+        </p:spPr>
+        <p:txBody>
+          <a:bodyPr/>
+          <a:lstStyle/>
+          <a:p>
+            <a:r>
+              <a:rPr lang="en-US" dirty="0"/>
+              <a:t>Transaction validation and execution</a:t>
+            </a:r>
+          </a:p>
+        </p:txBody>
+      </p:sp>
+      <p:sp>
+        <p:nvSpPr>
+          <p:cNvPr id="3" name="Content Placeholder 2"/>
+          <p:cNvSpPr>
+            <a:spLocks noGrp="1"/>
+          </p:cNvSpPr>
+          <p:nvPr>
+            <p:ph idx="1"/>
+          </p:nvPr>
+        </p:nvSpPr>
+        <p:spPr>
+          <a:xfrm>
+            <a:off x="1638300" y="1264556"/>
+            <a:ext cx="9470978" cy="5149892"/>
+          </a:xfrm>
+        </p:spPr>
         <p:txBody>
           <a:bodyPr>
-            <a:normAutofit fontScale="90000"/>
+            <a:noAutofit/>
           </a:bodyPr>
           <a:lstStyle/>
           <a:p>
             <a:r>
-              <a:rPr lang="en-US" dirty="0"/>
-              <a:t>Why RLP (</a:t>
-            </a:r>
-            <a:r>
-              <a:rPr lang="en-US" u="sng" dirty="0">
-                <a:solidFill>
-                  <a:schemeClr val="tx1"/>
-                </a:solidFill>
-                <a:hlinkClick r:id="rId2"/>
-              </a:rPr>
-              <a:t>Recursive Length Prefix</a:t>
-            </a:r>
-            <a:r>
-              <a:rPr lang="en-US" u="sng" dirty="0">
-                <a:solidFill>
-                  <a:schemeClr val="tx1"/>
-                </a:solidFill>
-              </a:rPr>
-              <a:t>)</a:t>
-            </a:r>
-            <a:br>
-              <a:rPr lang="en-US" u="sng" dirty="0">
-                <a:solidFill>
-                  <a:schemeClr val="tx1"/>
-                </a:solidFill>
-              </a:rPr>
-            </a:br>
-            <a:r>
-              <a:rPr lang="en-US" dirty="0"/>
-              <a:t> is used by </a:t>
-            </a:r>
-            <a:r>
-              <a:rPr lang="en-US" dirty="0" err="1"/>
-              <a:t>Etherum</a:t>
-            </a:r>
-            <a:r>
-              <a:rPr lang="en-US" dirty="0"/>
-              <a:t>?</a:t>
-            </a:r>
-            <a:br>
-              <a:rPr lang="en-US" dirty="0"/>
-            </a:br>
-            <a:r>
-              <a:rPr lang="en-US" dirty="0"/>
-              <a:t> </a:t>
-            </a:r>
-            <a:br>
-              <a:rPr lang="en-US" dirty="0"/>
-            </a:br>
-            <a:endParaRPr lang="en-US" dirty="0"/>
-          </a:p>
-        </p:txBody>
-      </p:sp>
-      <p:sp>
-        <p:nvSpPr>
-          <p:cNvPr id="3" name="Content Placeholder 2"/>
-          <p:cNvSpPr>
-            <a:spLocks noGrp="1"/>
-          </p:cNvSpPr>
-          <p:nvPr>
-            <p:ph idx="1"/>
-          </p:nvPr>
-        </p:nvSpPr>
-        <p:spPr/>
-        <p:txBody>
-          <a:bodyPr>
-            <a:normAutofit/>
-          </a:bodyPr>
-          <a:lstStyle/>
-          <a:p>
-            <a:r>
-              <a:rPr lang="en-US" sz="2400" dirty="0"/>
-              <a:t>RLP is intended to be a highly minimalistic serialization format, its purpose is to store nested arrays of bytes.</a:t>
-            </a:r>
-          </a:p>
-          <a:p>
-            <a:r>
-              <a:rPr lang="en-US" sz="2400" dirty="0"/>
-              <a:t>It only encodes the structure of the data which it encodes, it doesn't know anything about what kind of object it was before you encoded it.</a:t>
-            </a:r>
-          </a:p>
-          <a:p>
-            <a:r>
-              <a:rPr lang="en-US" sz="2400" dirty="0"/>
-              <a:t> This reduces the overall size of the encoding but does require the decoder of the bytes to know what kind of object it is looking for.</a:t>
-            </a:r>
-          </a:p>
-          <a:p>
-            <a:pPr marL="0" indent="0">
-              <a:buNone/>
-            </a:pPr>
-            <a:endParaRPr lang="en-US" sz="2400" dirty="0"/>
+              <a:rPr lang="en-US" sz="2800" dirty="0"/>
+              <a:t>Transactions are executed after verifying the transactions for validity.</a:t>
+            </a:r>
+          </a:p>
+          <a:p>
+            <a:r>
+              <a:rPr lang="en-US" sz="2800" dirty="0"/>
+              <a:t> Initial tests are</a:t>
+            </a:r>
+          </a:p>
+          <a:p>
+            <a:pPr lvl="1"/>
+            <a:r>
+              <a:rPr lang="en-US" sz="2400" dirty="0"/>
+              <a:t>Transaction must be well-formed and RLP-encoded without any additional trailing bytes</a:t>
+            </a:r>
+          </a:p>
+          <a:p>
+            <a:pPr lvl="1"/>
+            <a:r>
+              <a:rPr lang="en-US" sz="2400" dirty="0"/>
+              <a:t>Digital signature used to sign the transaction is valid</a:t>
+            </a:r>
+          </a:p>
+          <a:p>
+            <a:pPr lvl="1"/>
+            <a:r>
+              <a:rPr lang="en-US" sz="2400" dirty="0"/>
+              <a:t>Transaction nonce must be equal to the sender's account's current nonce</a:t>
+            </a:r>
+          </a:p>
+          <a:p>
+            <a:pPr lvl="1"/>
+            <a:r>
+              <a:rPr lang="en-US" sz="2400" dirty="0"/>
+              <a:t>Gas limit must not be less than the gas used by the transaction</a:t>
+            </a:r>
+          </a:p>
+          <a:p>
+            <a:pPr lvl="1"/>
+            <a:r>
+              <a:rPr lang="en-US" sz="2400" dirty="0"/>
+              <a:t>Sender's account contains enough balance to cover the execution cost</a:t>
+            </a:r>
           </a:p>
         </p:txBody>
       </p:sp>
     </p:spTree>
     <p:extLst>
       <p:ext uri="{BB962C8B-B14F-4D97-AF65-F5344CB8AC3E}">
-        <p14:creationId xmlns:p14="http://schemas.microsoft.com/office/powerpoint/2010/main" val="269538781"/>
+        <p14:creationId xmlns:p14="http://schemas.microsoft.com/office/powerpoint/2010/main" val="3662856737"/>
       </p:ext>
     </p:extLst>
   </p:cSld>
@@ -9693,112 +9710,125 @@
             <p:ph type="title"/>
           </p:nvPr>
         </p:nvSpPr>
+        <p:spPr/>
+        <p:txBody>
+          <a:bodyPr>
+            <a:normAutofit fontScale="90000"/>
+          </a:bodyPr>
+          <a:lstStyle/>
+          <a:p>
+            <a:r>
+              <a:rPr lang="en-US" dirty="0"/>
+              <a:t>Why RLP (</a:t>
+            </a:r>
+            <a:r>
+              <a:rPr lang="en-US" u="sng" dirty="0">
+                <a:solidFill>
+                  <a:schemeClr val="tx1"/>
+                </a:solidFill>
+                <a:hlinkClick r:id="rId2"/>
+              </a:rPr>
+              <a:t>Recursive Length Prefix</a:t>
+            </a:r>
+            <a:r>
+              <a:rPr lang="en-US" u="sng" dirty="0">
+                <a:solidFill>
+                  <a:schemeClr val="tx1"/>
+                </a:solidFill>
+              </a:rPr>
+              <a:t>)</a:t>
+            </a:r>
+            <a:br>
+              <a:rPr lang="en-US" u="sng" dirty="0">
+                <a:solidFill>
+                  <a:schemeClr val="tx1"/>
+                </a:solidFill>
+              </a:rPr>
+            </a:br>
+            <a:r>
+              <a:rPr lang="en-US" dirty="0"/>
+              <a:t> is used by </a:t>
+            </a:r>
+            <a:r>
+              <a:rPr lang="en-US" dirty="0" err="1"/>
+              <a:t>Etherum</a:t>
+            </a:r>
+            <a:r>
+              <a:rPr lang="en-US" dirty="0"/>
+              <a:t>?</a:t>
+            </a:r>
+            <a:br>
+              <a:rPr lang="en-US" dirty="0"/>
+            </a:br>
+            <a:r>
+              <a:rPr lang="en-US" dirty="0"/>
+              <a:t> </a:t>
+            </a:r>
+            <a:br>
+              <a:rPr lang="en-US" dirty="0"/>
+            </a:br>
+            <a:endParaRPr lang="en-US" dirty="0"/>
+          </a:p>
+        </p:txBody>
+      </p:sp>
+      <p:sp>
+        <p:nvSpPr>
+          <p:cNvPr id="3" name="Content Placeholder 2"/>
+          <p:cNvSpPr>
+            <a:spLocks noGrp="1"/>
+          </p:cNvSpPr>
+          <p:nvPr>
+            <p:ph idx="1"/>
+          </p:nvPr>
+        </p:nvSpPr>
         <p:spPr>
           <a:xfrm>
-            <a:off x="2360913" y="0"/>
-            <a:ext cx="8911687" cy="1280890"/>
+            <a:off x="2248017" y="1905000"/>
+            <a:ext cx="9120567" cy="4328890"/>
           </a:xfrm>
         </p:spPr>
         <p:txBody>
-          <a:bodyPr/>
-          <a:lstStyle/>
-          <a:p>
-            <a:r>
-              <a:rPr lang="en-US" dirty="0"/>
-              <a:t>The transaction sub state</a:t>
-            </a:r>
-          </a:p>
-        </p:txBody>
-      </p:sp>
-      <p:sp>
-        <p:nvSpPr>
-          <p:cNvPr id="3" name="Content Placeholder 2"/>
-          <p:cNvSpPr>
-            <a:spLocks noGrp="1"/>
-          </p:cNvSpPr>
-          <p:nvPr>
-            <p:ph idx="1"/>
-          </p:nvPr>
-        </p:nvSpPr>
-        <p:spPr>
-          <a:xfrm>
-            <a:off x="1579278" y="841474"/>
-            <a:ext cx="8915400" cy="3777622"/>
-          </a:xfrm>
-        </p:spPr>
-        <p:txBody>
           <a:bodyPr>
-            <a:noAutofit/>
+            <a:normAutofit lnSpcReduction="10000"/>
           </a:bodyPr>
           <a:lstStyle/>
           <a:p>
             <a:r>
-              <a:rPr lang="en-US" sz="2000" dirty="0"/>
-              <a:t>A transaction sub-state is created during the execution of the transaction that is processed immediately after the execution completes. </a:t>
-            </a:r>
-          </a:p>
-          <a:p>
-            <a:r>
-              <a:rPr lang="en-US" sz="2000" dirty="0"/>
-              <a:t>This transaction sub-state is a tuple that is composed of three items</a:t>
-            </a:r>
-          </a:p>
-          <a:p>
-            <a:pPr lvl="1"/>
-            <a:r>
-              <a:rPr lang="en-US" sz="2000" b="1" dirty="0"/>
-              <a:t>Suicide set</a:t>
-            </a:r>
-          </a:p>
-          <a:p>
-            <a:pPr lvl="2"/>
-            <a:r>
-              <a:rPr lang="en-US" sz="2000" dirty="0"/>
-              <a:t>This element contains the list of accounts that are disposed of after the transaction is executed.</a:t>
-            </a:r>
-          </a:p>
-          <a:p>
-            <a:pPr lvl="1"/>
-            <a:r>
-              <a:rPr lang="en-US" sz="2000" b="1" dirty="0"/>
-              <a:t>Log series</a:t>
-            </a:r>
-          </a:p>
-          <a:p>
-            <a:pPr lvl="2"/>
-            <a:r>
-              <a:rPr lang="en-US" sz="2000" dirty="0"/>
-              <a:t>This is an indexed series of checkpoints that allow the monitoring and notification of contract calls to the entities external to the </a:t>
-            </a:r>
-            <a:r>
-              <a:rPr lang="en-US" sz="2000" dirty="0" err="1"/>
-              <a:t>Ethereum</a:t>
-            </a:r>
-            <a:r>
-              <a:rPr lang="en-US" sz="2000" dirty="0"/>
-              <a:t> environment, such as application frontends. </a:t>
-            </a:r>
-          </a:p>
-          <a:p>
-            <a:pPr lvl="2"/>
-            <a:r>
-              <a:rPr lang="en-US" sz="2000" dirty="0"/>
-              <a:t>It works like a trigger mechanism that is executed every time a specific function is invoked or a specific event occurs. </a:t>
-            </a:r>
-          </a:p>
-          <a:p>
-            <a:pPr lvl="2"/>
-            <a:r>
-              <a:rPr lang="en-US" sz="2000" dirty="0"/>
-              <a:t>Logs are created in response to events occurring in the smart contract.</a:t>
-            </a:r>
+              <a:rPr lang="en-US" sz="2400" dirty="0"/>
+              <a:t>RLP (Recursive Length Prefix) is to encode arbitrarily nested arrays of binary data, and RLP is the main encoding method used to serialize objects in Ethereum.</a:t>
+            </a:r>
+            <a:endParaRPr lang="en-US" sz="3200" dirty="0"/>
+          </a:p>
+          <a:p>
+            <a:r>
+              <a:rPr lang="en-US" sz="2400" dirty="0"/>
+              <a:t>RLP is intended to be a highly minimalistic serialization format, its purpose is to store nested arrays of bytes.</a:t>
+            </a:r>
+          </a:p>
+          <a:p>
+            <a:r>
+              <a:rPr lang="en-US" sz="2400" dirty="0"/>
+              <a:t>It only encodes the structure of the data which it encodes, it doesn't know anything about what kind of object it was before you encoded it.</a:t>
+            </a:r>
+          </a:p>
+          <a:p>
+            <a:r>
+              <a:rPr lang="en-US" sz="2400" dirty="0"/>
+              <a:t> This reduces the overall size of the encoding but does require the decoder of the bytes to know what kind of object it is looking for.</a:t>
+            </a:r>
+          </a:p>
+          <a:p>
+            <a:pPr marL="0" indent="0">
+              <a:buNone/>
+            </a:pPr>
+            <a:endParaRPr lang="en-US" sz="2400" dirty="0"/>
           </a:p>
         </p:txBody>
       </p:sp>
     </p:spTree>
     <p:extLst>
       <p:ext uri="{BB962C8B-B14F-4D97-AF65-F5344CB8AC3E}">
-        <p14:creationId xmlns:p14="http://schemas.microsoft.com/office/powerpoint/2010/main" val="1568825771"/>
+        <p14:creationId xmlns:p14="http://schemas.microsoft.com/office/powerpoint/2010/main" val="269538781"/>
       </p:ext>
     </p:extLst>
   </p:cSld>
@@ -9827,75 +9857,132 @@
       </p:grpSpPr>
       <p:sp>
         <p:nvSpPr>
-          <p:cNvPr id="3" name="Content Placeholder 2"/>
-          <p:cNvSpPr>
-            <a:spLocks noGrp="1"/>
-          </p:cNvSpPr>
-          <p:nvPr>
-            <p:ph idx="1"/>
+          <p:cNvPr id="2" name="Title 1"/>
+          <p:cNvSpPr>
+            <a:spLocks noGrp="1"/>
+          </p:cNvSpPr>
+          <p:nvPr>
+            <p:ph type="title"/>
           </p:nvPr>
         </p:nvSpPr>
         <p:spPr>
           <a:xfrm>
-            <a:off x="2248018" y="918949"/>
-            <a:ext cx="8915400" cy="3777622"/>
+            <a:off x="2360913" y="0"/>
+            <a:ext cx="8911687" cy="1280890"/>
           </a:xfrm>
         </p:spPr>
         <p:txBody>
-          <a:bodyPr>
-            <a:normAutofit/>
-          </a:bodyPr>
-          <a:lstStyle/>
-          <a:p>
-            <a:r>
-              <a:rPr lang="en-US" sz="2000" b="1" dirty="0"/>
-              <a:t>Refund balance</a:t>
-            </a:r>
-          </a:p>
-          <a:p>
-            <a:pPr lvl="1"/>
-            <a:r>
-              <a:rPr lang="en-US" sz="2000" dirty="0"/>
-              <a:t>This is the total price of gas in the transaction that initiated the execution. </a:t>
-            </a:r>
-          </a:p>
-          <a:p>
-            <a:pPr lvl="1"/>
-            <a:r>
-              <a:rPr lang="en-US" sz="2000" dirty="0"/>
-              <a:t>Refunds are not immediately executed; instead, they are used to partially offset the total execution cost.</a:t>
-            </a:r>
-          </a:p>
-        </p:txBody>
-      </p:sp>
-      <p:pic>
-        <p:nvPicPr>
-          <p:cNvPr id="4" name="Picture 3"/>
-          <p:cNvPicPr>
-            <a:picLocks noChangeAspect="1"/>
-          </p:cNvPicPr>
-          <p:nvPr/>
-        </p:nvPicPr>
-        <p:blipFill>
-          <a:blip r:embed="rId2"/>
-          <a:stretch>
-            <a:fillRect/>
-          </a:stretch>
-        </p:blipFill>
+          <a:bodyPr/>
+          <a:lstStyle/>
+          <a:p>
+            <a:r>
+              <a:rPr lang="en-US" dirty="0"/>
+              <a:t>Transaction sub state</a:t>
+            </a:r>
+          </a:p>
+        </p:txBody>
+      </p:sp>
+      <p:sp>
+        <p:nvSpPr>
+          <p:cNvPr id="3" name="Content Placeholder 2"/>
+          <p:cNvSpPr>
+            <a:spLocks noGrp="1"/>
+          </p:cNvSpPr>
+          <p:nvPr>
+            <p:ph idx="1"/>
+          </p:nvPr>
+        </p:nvSpPr>
         <p:spPr>
           <a:xfrm>
-            <a:off x="3765125" y="2941093"/>
-            <a:ext cx="3405104" cy="3510955"/>
+            <a:off x="1579278" y="841473"/>
+            <a:ext cx="10212388" cy="5818633"/>
           </a:xfrm>
-          <a:prstGeom prst="rect">
-            <a:avLst/>
-          </a:prstGeom>
         </p:spPr>
-      </p:pic>
+        <p:txBody>
+          <a:bodyPr>
+            <a:noAutofit/>
+          </a:bodyPr>
+          <a:lstStyle/>
+          <a:p>
+            <a:r>
+              <a:rPr lang="en-US" sz="2200" b="1" dirty="0"/>
+              <a:t>Transaction sub-state</a:t>
+            </a:r>
+            <a:r>
+              <a:rPr lang="en-US" sz="2200" dirty="0"/>
+              <a:t> is created during the execution of the transaction that is processed immediately after the execution completes. </a:t>
+            </a:r>
+          </a:p>
+          <a:p>
+            <a:r>
+              <a:rPr lang="en-US" sz="2200" dirty="0"/>
+              <a:t>Transaction sub-state is a tuple that is composed of three items</a:t>
+            </a:r>
+          </a:p>
+          <a:p>
+            <a:pPr lvl="1"/>
+            <a:r>
+              <a:rPr lang="en-US" sz="2200" b="1" dirty="0"/>
+              <a:t>Suicide set</a:t>
+            </a:r>
+          </a:p>
+          <a:p>
+            <a:pPr lvl="2"/>
+            <a:r>
+              <a:rPr lang="en-US" sz="2200" dirty="0"/>
+              <a:t>This element contains the list of accounts that are disposed of after the transaction is executed.</a:t>
+            </a:r>
+          </a:p>
+          <a:p>
+            <a:pPr lvl="1"/>
+            <a:r>
+              <a:rPr lang="en-US" sz="2200" b="1" dirty="0"/>
+              <a:t>Log series</a:t>
+            </a:r>
+          </a:p>
+          <a:p>
+            <a:pPr lvl="2"/>
+            <a:r>
+              <a:rPr lang="en-US" sz="2200" dirty="0"/>
+              <a:t>This is an </a:t>
+            </a:r>
+            <a:r>
+              <a:rPr lang="en-US" sz="2200" b="1" dirty="0"/>
+              <a:t>indexed series of checkpoints </a:t>
+            </a:r>
+            <a:r>
+              <a:rPr lang="en-US" sz="2200" dirty="0"/>
+              <a:t>that allow the monitoring and notification of contract calls to the entities external to the Ethereum environment</a:t>
+            </a:r>
+          </a:p>
+          <a:p>
+            <a:pPr lvl="2"/>
+            <a:r>
+              <a:rPr lang="en-US" sz="2200" dirty="0"/>
+              <a:t>It works like a </a:t>
+            </a:r>
+            <a:r>
+              <a:rPr lang="en-US" sz="2200" b="1" dirty="0"/>
+              <a:t>trigger mechanism </a:t>
+            </a:r>
+            <a:r>
+              <a:rPr lang="en-US" sz="2200" dirty="0"/>
+              <a:t>that is executed every time a specific function is invoked or a specific event occurs. </a:t>
+            </a:r>
+          </a:p>
+          <a:p>
+            <a:pPr lvl="2"/>
+            <a:r>
+              <a:rPr lang="en-US" sz="2200" dirty="0"/>
+              <a:t>Logs are created in response to events occurring in the smart contract.</a:t>
+            </a:r>
+          </a:p>
+        </p:txBody>
+      </p:sp>
     </p:spTree>
     <p:extLst>
       <p:ext uri="{BB962C8B-B14F-4D97-AF65-F5344CB8AC3E}">
-        <p14:creationId xmlns:p14="http://schemas.microsoft.com/office/powerpoint/2010/main" val="1255713024"/>
+        <p14:creationId xmlns:p14="http://schemas.microsoft.com/office/powerpoint/2010/main" val="1568825771"/>
       </p:ext>
     </p:extLst>
   </p:cSld>
@@ -9924,134 +10011,75 @@
       </p:grpSpPr>
       <p:sp>
         <p:nvSpPr>
-          <p:cNvPr id="2" name="Title 1"/>
-          <p:cNvSpPr>
-            <a:spLocks noGrp="1"/>
-          </p:cNvSpPr>
-          <p:nvPr>
-            <p:ph type="title"/>
+          <p:cNvPr id="3" name="Content Placeholder 2"/>
+          <p:cNvSpPr>
+            <a:spLocks noGrp="1"/>
+          </p:cNvSpPr>
+          <p:nvPr>
+            <p:ph idx="1"/>
           </p:nvPr>
         </p:nvSpPr>
         <p:spPr>
           <a:xfrm>
-            <a:off x="2253291" y="173441"/>
-            <a:ext cx="8911687" cy="1280890"/>
+            <a:off x="2070597" y="796120"/>
+            <a:ext cx="8915400" cy="3777622"/>
           </a:xfrm>
         </p:spPr>
         <p:txBody>
-          <a:bodyPr/>
-          <a:lstStyle/>
-          <a:p>
-            <a:r>
-              <a:rPr lang="en-US" b="1" dirty="0"/>
-              <a:t>The block validation mechanism</a:t>
-            </a:r>
-            <a:endParaRPr lang="en-US" dirty="0"/>
-          </a:p>
-        </p:txBody>
-      </p:sp>
-      <p:sp>
-        <p:nvSpPr>
-          <p:cNvPr id="3" name="Content Placeholder 2"/>
-          <p:cNvSpPr>
-            <a:spLocks noGrp="1"/>
-          </p:cNvSpPr>
-          <p:nvPr>
-            <p:ph idx="1"/>
-          </p:nvPr>
-        </p:nvSpPr>
+          <a:bodyPr>
+            <a:normAutofit/>
+          </a:bodyPr>
+          <a:lstStyle/>
+          <a:p>
+            <a:r>
+              <a:rPr lang="en-US" sz="2400" b="1" dirty="0"/>
+              <a:t>Refund balance</a:t>
+            </a:r>
+          </a:p>
+          <a:p>
+            <a:pPr lvl="1"/>
+            <a:r>
+              <a:rPr lang="en-US" sz="2400" dirty="0"/>
+              <a:t>This is the total price of gas in the transaction that initiated the execution. </a:t>
+            </a:r>
+          </a:p>
+          <a:p>
+            <a:pPr lvl="1"/>
+            <a:r>
+              <a:rPr lang="en-US" sz="2400" dirty="0"/>
+              <a:t>Refunds are not immediately executed; instead, they are used to partially offset the total execution cost.</a:t>
+            </a:r>
+          </a:p>
+        </p:txBody>
+      </p:sp>
+      <p:pic>
+        <p:nvPicPr>
+          <p:cNvPr id="4" name="Picture 3"/>
+          <p:cNvPicPr>
+            <a:picLocks noChangeAspect="1"/>
+          </p:cNvPicPr>
+          <p:nvPr/>
+        </p:nvPicPr>
+        <p:blipFill>
+          <a:blip r:embed="rId2"/>
+          <a:stretch>
+            <a:fillRect/>
+          </a:stretch>
+        </p:blipFill>
         <p:spPr>
           <a:xfrm>
-            <a:off x="1515292" y="813886"/>
-            <a:ext cx="9649686" cy="3777622"/>
+            <a:off x="3778773" y="3132162"/>
+            <a:ext cx="3405104" cy="3510955"/>
           </a:xfrm>
+          <a:prstGeom prst="rect">
+            <a:avLst/>
+          </a:prstGeom>
         </p:spPr>
-        <p:txBody>
-          <a:bodyPr>
-            <a:noAutofit/>
-          </a:bodyPr>
-          <a:lstStyle/>
-          <a:p>
-            <a:r>
-              <a:rPr lang="en-US" sz="2400" dirty="0" err="1"/>
-              <a:t>Ethereum</a:t>
-            </a:r>
-            <a:r>
-              <a:rPr lang="en-US" sz="2400" dirty="0"/>
-              <a:t> block is considered valid if it passes the following checks:</a:t>
-            </a:r>
-          </a:p>
-          <a:p>
-            <a:pPr lvl="1"/>
-            <a:r>
-              <a:rPr lang="en-US" sz="2400" dirty="0"/>
-              <a:t>Consistent with Uncles and transactions. </a:t>
-            </a:r>
-          </a:p>
-          <a:p>
-            <a:pPr lvl="2"/>
-            <a:r>
-              <a:rPr lang="en-US" sz="2400" dirty="0"/>
-              <a:t>This means that all </a:t>
-            </a:r>
-            <a:r>
-              <a:rPr lang="en-US" sz="2400" dirty="0" err="1"/>
-              <a:t>Ommers</a:t>
-            </a:r>
-            <a:r>
-              <a:rPr lang="en-US" sz="2400" dirty="0"/>
-              <a:t> (Uncles) satisfy the property that they are indeed Uncles and also if the Proof of Work for Uncles is valid.</a:t>
-            </a:r>
-          </a:p>
-          <a:p>
-            <a:pPr lvl="1"/>
-            <a:r>
-              <a:rPr lang="en-US" sz="2400" dirty="0"/>
-              <a:t>If the previous block (parent) exists and is valid.</a:t>
-            </a:r>
-          </a:p>
-          <a:p>
-            <a:pPr lvl="1"/>
-            <a:r>
-              <a:rPr lang="en-US" sz="2400" dirty="0"/>
-              <a:t>If the timestamp of the block is valid. </a:t>
-            </a:r>
-          </a:p>
-          <a:p>
-            <a:pPr lvl="2"/>
-            <a:r>
-              <a:rPr lang="en-US" sz="2400" dirty="0"/>
-              <a:t>This basically means that the current block's timestamp must be higher than the parent block's timestamp. </a:t>
-            </a:r>
-          </a:p>
-          <a:p>
-            <a:pPr lvl="2"/>
-            <a:r>
-              <a:rPr lang="en-US" sz="2400" dirty="0"/>
-              <a:t>It should be less than 15 minutes into the future. </a:t>
-            </a:r>
-          </a:p>
-          <a:p>
-            <a:pPr lvl="2"/>
-            <a:r>
-              <a:rPr lang="en-US" sz="2400" dirty="0"/>
-              <a:t>All block times are calculated in epoch time</a:t>
-            </a:r>
-          </a:p>
-          <a:p>
-            <a:pPr lvl="1"/>
-            <a:r>
-              <a:rPr lang="en-US" sz="2400" dirty="0"/>
-              <a:t>If any of these checks fails, the block will be rejected</a:t>
-            </a:r>
-            <a:endParaRPr lang="en-US" sz="3600" dirty="0"/>
-          </a:p>
-        </p:txBody>
-      </p:sp>
+      </p:pic>
     </p:spTree>
     <p:extLst>
       <p:ext uri="{BB962C8B-B14F-4D97-AF65-F5344CB8AC3E}">
-        <p14:creationId xmlns:p14="http://schemas.microsoft.com/office/powerpoint/2010/main" val="4106915993"/>
+        <p14:creationId xmlns:p14="http://schemas.microsoft.com/office/powerpoint/2010/main" val="1255713024"/>
       </p:ext>
     </p:extLst>
   </p:cSld>
@@ -10088,33 +10116,38 @@
             <p:ph type="title"/>
           </p:nvPr>
         </p:nvSpPr>
-        <p:spPr/>
-        <p:txBody>
-          <a:bodyPr/>
-          <a:lstStyle/>
-          <a:p>
-            <a:r>
-              <a:rPr lang="en-US" b="1" dirty="0"/>
-              <a:t>Block finalization</a:t>
-            </a:r>
-            <a:endParaRPr lang="en-US" dirty="0"/>
-          </a:p>
-        </p:txBody>
-      </p:sp>
-      <p:sp>
-        <p:nvSpPr>
-          <p:cNvPr id="3" name="Content Placeholder 2"/>
-          <p:cNvSpPr>
-            <a:spLocks noGrp="1"/>
-          </p:cNvSpPr>
-          <p:nvPr>
-            <p:ph idx="1"/>
-          </p:nvPr>
-        </p:nvSpPr>
         <p:spPr>
           <a:xfrm>
-            <a:off x="2354081" y="1264555"/>
-            <a:ext cx="8915400" cy="3777622"/>
+            <a:off x="2253291" y="173441"/>
+            <a:ext cx="8911687" cy="1280890"/>
+          </a:xfrm>
+        </p:spPr>
+        <p:txBody>
+          <a:bodyPr/>
+          <a:lstStyle/>
+          <a:p>
+            <a:r>
+              <a:rPr lang="en-US" b="1" dirty="0"/>
+              <a:t>The block validation mechanism</a:t>
+            </a:r>
+            <a:endParaRPr lang="en-US" dirty="0"/>
+          </a:p>
+        </p:txBody>
+      </p:sp>
+      <p:sp>
+        <p:nvSpPr>
+          <p:cNvPr id="3" name="Content Placeholder 2"/>
+          <p:cNvSpPr>
+            <a:spLocks noGrp="1"/>
+          </p:cNvSpPr>
+          <p:nvPr>
+            <p:ph idx="1"/>
+          </p:nvPr>
+        </p:nvSpPr>
+        <p:spPr>
+          <a:xfrm>
+            <a:off x="1515292" y="813886"/>
+            <a:ext cx="9649686" cy="3777622"/>
           </a:xfrm>
         </p:spPr>
         <p:txBody>
@@ -10124,97 +10157,93 @@
           <a:lstStyle/>
           <a:p>
             <a:r>
-              <a:rPr lang="en-US" sz="2400" dirty="0"/>
-              <a:t>Block finalization is a process that is run by miners in order to validate the contents of the block and apply rewards.</a:t>
-            </a:r>
-          </a:p>
-          <a:p>
-            <a:r>
-              <a:rPr lang="en-US" sz="2400" dirty="0"/>
-              <a:t> It results in four steps being executed</a:t>
-            </a:r>
-          </a:p>
-          <a:p>
-            <a:r>
-              <a:rPr lang="en-US" sz="2400" b="1" dirty="0" err="1"/>
+              <a:rPr lang="en-US" sz="2400" dirty="0" err="1"/>
+              <a:t>Ethereum</a:t>
+            </a:r>
+            <a:r>
+              <a:rPr lang="en-US" sz="2400" dirty="0"/>
+              <a:t> block is considered valid if it passes the following checks:</a:t>
+            </a:r>
+          </a:p>
+          <a:p>
+            <a:pPr lvl="1"/>
+            <a:r>
+              <a:rPr lang="en-US" sz="2400" dirty="0"/>
+              <a:t>Consistent with Uncles and transactions. </a:t>
+            </a:r>
+          </a:p>
+          <a:p>
+            <a:pPr lvl="2"/>
+            <a:r>
+              <a:rPr lang="en-US" sz="2400" dirty="0"/>
+              <a:t>This means that all </a:t>
+            </a:r>
+            <a:r>
+              <a:rPr lang="en-US" sz="2400" dirty="0" err="1"/>
               <a:t>Ommers</a:t>
             </a:r>
             <a:r>
+              <a:rPr lang="en-US" sz="2400" dirty="0"/>
+              <a:t> (Uncles) satisfy the property that they are indeed Uncles and also if the </a:t>
+            </a:r>
+            <a:r>
               <a:rPr lang="en-US" sz="2400" b="1" dirty="0"/>
-              <a:t> validation</a:t>
+              <a:t>Proof of Work for Uncles is valid</a:t>
+            </a:r>
+            <a:r>
+              <a:rPr lang="en-US" sz="2400" dirty="0"/>
+              <a:t>.</a:t>
             </a:r>
           </a:p>
           <a:p>
             <a:pPr lvl="1"/>
             <a:r>
-              <a:rPr lang="en-US" sz="2000" dirty="0"/>
-              <a:t>Validate </a:t>
-            </a:r>
-            <a:r>
-              <a:rPr lang="en-US" sz="2000" dirty="0" err="1"/>
-              <a:t>Ommers</a:t>
-            </a:r>
-            <a:r>
-              <a:rPr lang="en-US" sz="2000" dirty="0"/>
-              <a:t> (stale blocks also called Uncles). </a:t>
+              <a:rPr lang="en-US" sz="2400" dirty="0"/>
+              <a:t>If the previous block (parent) exists and is valid.</a:t>
             </a:r>
           </a:p>
           <a:p>
             <a:pPr lvl="1"/>
             <a:r>
-              <a:rPr lang="en-US" sz="2000" dirty="0"/>
-              <a:t>In the case of mining, determine </a:t>
-            </a:r>
-            <a:r>
-              <a:rPr lang="en-US" sz="2000" dirty="0" err="1"/>
-              <a:t>Ommers</a:t>
-            </a:r>
-            <a:r>
-              <a:rPr lang="en-US" sz="2000" dirty="0"/>
-              <a:t>. </a:t>
+              <a:rPr lang="en-US" sz="2400" dirty="0"/>
+              <a:t>If the timestamp of the block is valid. </a:t>
+            </a:r>
+          </a:p>
+          <a:p>
+            <a:pPr lvl="2"/>
+            <a:r>
+              <a:rPr lang="en-US" sz="2400" dirty="0"/>
+              <a:t>current block's timestamp must be higher than the parent block's timestamp. </a:t>
+            </a:r>
+          </a:p>
+          <a:p>
+            <a:pPr lvl="2"/>
+            <a:r>
+              <a:rPr lang="en-US" sz="2400" dirty="0"/>
+              <a:t>It should be less than 15 minutes into the future. </a:t>
+            </a:r>
+          </a:p>
+          <a:p>
+            <a:pPr lvl="2"/>
+            <a:r>
+              <a:rPr lang="en-US" sz="2400" dirty="0"/>
+              <a:t>All block times are calculated in epoch time</a:t>
             </a:r>
           </a:p>
           <a:p>
             <a:pPr lvl="1"/>
             <a:r>
-              <a:rPr lang="en-US" sz="2000" dirty="0"/>
-              <a:t>The validation process of the headers of stale blocks checks whether the header is valid and the relationship of the Uncle with the current block satisfies the maximum depth of six blocks. </a:t>
-            </a:r>
-          </a:p>
-          <a:p>
-            <a:pPr lvl="1"/>
-            <a:r>
-              <a:rPr lang="en-US" sz="2000" dirty="0"/>
-              <a:t>A block can contain a maximum of two Uncles.</a:t>
-            </a:r>
-          </a:p>
-          <a:p>
-            <a:r>
-              <a:rPr lang="en-US" b="1" dirty="0"/>
-              <a:t>State and nonce validation</a:t>
-            </a:r>
-          </a:p>
-          <a:p>
-            <a:pPr lvl="1"/>
-            <a:r>
-              <a:rPr lang="en-US" dirty="0"/>
-              <a:t>Verify the state and nonce.</a:t>
-            </a:r>
-          </a:p>
-          <a:p>
-            <a:pPr lvl="1"/>
-            <a:r>
-              <a:rPr lang="en-US" dirty="0"/>
-              <a:t> In the case of mining, compute a valid state and nonce.</a:t>
-            </a:r>
-            <a:endParaRPr lang="en-US" sz="2000" dirty="0"/>
+              <a:rPr lang="en-US" sz="2400" b="1" dirty="0"/>
+              <a:t>If any of these checks fails, the block will be rejected</a:t>
+            </a:r>
+            <a:endParaRPr lang="en-US" sz="3600" b="1" dirty="0"/>
           </a:p>
         </p:txBody>
       </p:sp>
     </p:spTree>
     <p:extLst>
       <p:ext uri="{BB962C8B-B14F-4D97-AF65-F5344CB8AC3E}">
-        <p14:creationId xmlns:p14="http://schemas.microsoft.com/office/powerpoint/2010/main" val="15902388"/>
+        <p14:creationId xmlns:p14="http://schemas.microsoft.com/office/powerpoint/2010/main" val="4106915993"/>
       </p:ext>
     </p:extLst>
   </p:cSld>
@@ -10251,7 +10280,12 @@
             <p:ph type="title"/>
           </p:nvPr>
         </p:nvSpPr>
-        <p:spPr/>
+        <p:spPr>
+          <a:xfrm>
+            <a:off x="1391922" y="173735"/>
+            <a:ext cx="8911687" cy="817865"/>
+          </a:xfrm>
+        </p:spPr>
         <p:txBody>
           <a:bodyPr/>
           <a:lstStyle/>
@@ -10276,7 +10310,7 @@
         </p:nvSpPr>
         <p:spPr>
           <a:xfrm>
-            <a:off x="2079761" y="1598023"/>
+            <a:off x="1780875" y="991600"/>
             <a:ext cx="8915400" cy="3777622"/>
           </a:xfrm>
         </p:spPr>
@@ -10287,79 +10321,105 @@
           <a:lstStyle/>
           <a:p>
             <a:r>
+              <a:rPr lang="en-US" sz="2400" dirty="0"/>
+              <a:t>Block finalization is a </a:t>
+            </a:r>
+            <a:r>
+              <a:rPr lang="en-US" sz="2400" b="1" dirty="0"/>
+              <a:t>process that is run by miners </a:t>
+            </a:r>
+            <a:r>
+              <a:rPr lang="en-US" sz="2400" dirty="0"/>
+              <a:t>in order to validate the contents of the block and apply rewards.</a:t>
+            </a:r>
+          </a:p>
+          <a:p>
+            <a:r>
+              <a:rPr lang="en-US" sz="2400" dirty="0"/>
+              <a:t> It results in four steps being executed</a:t>
+            </a:r>
+          </a:p>
+          <a:p>
+            <a:r>
+              <a:rPr lang="en-US" sz="2400" b="1" dirty="0" err="1"/>
+              <a:t>Ommers</a:t>
+            </a:r>
+            <a:r>
+              <a:rPr lang="en-US" sz="2400" b="1" dirty="0"/>
+              <a:t> validation</a:t>
+            </a:r>
+          </a:p>
+          <a:p>
+            <a:pPr lvl="1"/>
+            <a:r>
+              <a:rPr lang="en-US" sz="2000" dirty="0"/>
+              <a:t>Validate </a:t>
+            </a:r>
+            <a:r>
+              <a:rPr lang="en-US" sz="2000" dirty="0" err="1"/>
+              <a:t>Ommers</a:t>
+            </a:r>
+            <a:r>
+              <a:rPr lang="en-US" sz="2000" dirty="0"/>
+              <a:t> (stale blocks also called Uncles). </a:t>
+            </a:r>
+          </a:p>
+          <a:p>
+            <a:pPr lvl="1"/>
+            <a:r>
+              <a:rPr lang="en-US" sz="2000" dirty="0"/>
+              <a:t>In case of Miner, Determine </a:t>
+            </a:r>
+            <a:r>
+              <a:rPr lang="en-US" sz="2000" dirty="0" err="1"/>
+              <a:t>Ommers</a:t>
+            </a:r>
+            <a:r>
+              <a:rPr lang="en-US" sz="2000" dirty="0"/>
+              <a:t>. </a:t>
+            </a:r>
+          </a:p>
+          <a:p>
+            <a:pPr lvl="1"/>
+            <a:r>
+              <a:rPr lang="en-US" sz="2000" dirty="0"/>
+              <a:t>Validation process of the headers of stale blocks checks whether the header is valid and the relationship of the Uncle with the current block satisfies the maximum depth of six blocks. </a:t>
+            </a:r>
+          </a:p>
+          <a:p>
+            <a:pPr lvl="1"/>
+            <a:r>
+              <a:rPr lang="en-US" sz="2000" dirty="0"/>
+              <a:t>A block can contain a maximum of two Uncles.</a:t>
+            </a:r>
+          </a:p>
+          <a:p>
+            <a:r>
               <a:rPr lang="en-US" sz="2000" b="1" dirty="0"/>
-              <a:t>Transaction validation</a:t>
+              <a:t>State and nonce validation</a:t>
             </a:r>
           </a:p>
           <a:p>
             <a:pPr lvl="1"/>
             <a:r>
               <a:rPr lang="en-US" sz="1800" dirty="0"/>
-              <a:t>Validate transactions. </a:t>
+              <a:t>Verify the state and nonce.</a:t>
             </a:r>
           </a:p>
           <a:p>
             <a:pPr lvl="1"/>
             <a:r>
               <a:rPr lang="en-US" sz="1800" dirty="0"/>
-              <a:t>In the case of mining, determine transactions. </a:t>
-            </a:r>
-          </a:p>
-          <a:p>
-            <a:pPr lvl="1"/>
-            <a:r>
-              <a:rPr lang="en-US" sz="1800" dirty="0"/>
-              <a:t>The process involves checking whether the total gas used in the block is equal to the final gas consumption after the final transaction.</a:t>
-            </a:r>
-          </a:p>
-          <a:p>
-            <a:r>
-              <a:rPr lang="en-US" sz="2000" b="1" dirty="0"/>
-              <a:t>Reward application</a:t>
-            </a:r>
-          </a:p>
-          <a:p>
-            <a:pPr lvl="1"/>
-            <a:r>
-              <a:rPr lang="en-US" sz="1800" dirty="0"/>
-              <a:t>Apply rewards, which means updating the beneficiary's account with a reward balance.</a:t>
-            </a:r>
-          </a:p>
-          <a:p>
-            <a:pPr lvl="1"/>
-            <a:r>
-              <a:rPr lang="en-US" sz="1800" dirty="0"/>
-              <a:t> In </a:t>
-            </a:r>
-            <a:r>
-              <a:rPr lang="en-US" sz="1800" dirty="0" err="1"/>
-              <a:t>Ethereum</a:t>
-            </a:r>
-            <a:r>
-              <a:rPr lang="en-US" sz="1800" dirty="0"/>
-              <a:t>, a reward is also given to miners for stale blocks, which is 1/32 of the block reward. </a:t>
-            </a:r>
-          </a:p>
-          <a:p>
-            <a:pPr lvl="1"/>
-            <a:r>
-              <a:rPr lang="en-US" sz="1800" dirty="0"/>
-              <a:t>Uncles that are included in the blocks also receive 7/8 of the total block reward.</a:t>
-            </a:r>
-          </a:p>
-          <a:p>
-            <a:pPr lvl="1"/>
-            <a:r>
-              <a:rPr lang="en-US" sz="1800" dirty="0"/>
-              <a:t> The current block reward is 5 Ether. A block can have a maximum of two Uncles.</a:t>
-            </a:r>
+              <a:t> In the case of mining, compute a valid state and nonce.</a:t>
+            </a:r>
+            <a:endParaRPr lang="en-US" sz="2400" dirty="0"/>
           </a:p>
         </p:txBody>
       </p:sp>
     </p:spTree>
     <p:extLst>
       <p:ext uri="{BB962C8B-B14F-4D97-AF65-F5344CB8AC3E}">
-        <p14:creationId xmlns:p14="http://schemas.microsoft.com/office/powerpoint/2010/main" val="84664872"/>
+        <p14:creationId xmlns:p14="http://schemas.microsoft.com/office/powerpoint/2010/main" val="15902388"/>
       </p:ext>
     </p:extLst>
   </p:cSld>
@@ -10398,7 +10458,7 @@
         </p:nvSpPr>
         <p:spPr>
           <a:xfrm>
-            <a:off x="2389919" y="428167"/>
+            <a:off x="2083474" y="201465"/>
             <a:ext cx="8911687" cy="1280890"/>
           </a:xfrm>
         </p:spPr>
@@ -10408,7 +10468,7 @@
           <a:p>
             <a:r>
               <a:rPr lang="en-US" b="1" dirty="0"/>
-              <a:t>Block difficulty</a:t>
+              <a:t>Block finalization</a:t>
             </a:r>
             <a:endParaRPr lang="en-US" dirty="0"/>
           </a:p>
@@ -10424,66 +10484,92 @@
             <p:ph idx="1"/>
           </p:nvPr>
         </p:nvSpPr>
-        <p:spPr/>
-        <p:txBody>
-          <a:bodyPr/>
-          <a:lstStyle/>
-          <a:p>
-            <a:r>
-              <a:rPr lang="en-US" dirty="0"/>
-              <a:t>Block difficulty is increased if the time between two blocks decreases,</a:t>
-            </a:r>
-          </a:p>
-          <a:p>
-            <a:r>
-              <a:rPr lang="en-US" dirty="0"/>
-              <a:t>This is required to maintain a roughly consistent block generation time. </a:t>
-            </a:r>
-          </a:p>
-          <a:p>
-            <a:r>
-              <a:rPr lang="en-US" dirty="0"/>
-              <a:t>The difficulty adjustment algorithm in </a:t>
-            </a:r>
-            <a:r>
-              <a:rPr lang="en-US" dirty="0" err="1"/>
-              <a:t>Ethereum's</a:t>
-            </a:r>
-            <a:r>
-              <a:rPr lang="en-US" dirty="0"/>
-              <a:t> homestead release is shown as follows:</a:t>
-            </a:r>
-          </a:p>
-        </p:txBody>
-      </p:sp>
-      <p:pic>
-        <p:nvPicPr>
-          <p:cNvPr id="4" name="Picture 3"/>
-          <p:cNvPicPr>
-            <a:picLocks noChangeAspect="1"/>
-          </p:cNvPicPr>
-          <p:nvPr/>
-        </p:nvPicPr>
-        <p:blipFill>
-          <a:blip r:embed="rId2"/>
-          <a:stretch>
-            <a:fillRect/>
-          </a:stretch>
-        </p:blipFill>
         <p:spPr>
           <a:xfrm>
-            <a:off x="2452467" y="3917908"/>
-            <a:ext cx="9188890" cy="1150480"/>
+            <a:off x="1638300" y="1190501"/>
+            <a:ext cx="8915400" cy="3777622"/>
           </a:xfrm>
-          <a:prstGeom prst="rect">
-            <a:avLst/>
-          </a:prstGeom>
         </p:spPr>
-      </p:pic>
+        <p:txBody>
+          <a:bodyPr>
+            <a:noAutofit/>
+          </a:bodyPr>
+          <a:lstStyle/>
+          <a:p>
+            <a:r>
+              <a:rPr lang="en-US" sz="2400" b="1" dirty="0"/>
+              <a:t>Transaction validation</a:t>
+            </a:r>
+          </a:p>
+          <a:p>
+            <a:pPr lvl="1"/>
+            <a:r>
+              <a:rPr lang="en-US" sz="2000" dirty="0"/>
+              <a:t>Validate transactions. </a:t>
+            </a:r>
+          </a:p>
+          <a:p>
+            <a:pPr lvl="1"/>
+            <a:r>
+              <a:rPr lang="en-US" sz="2000" dirty="0"/>
+              <a:t>In the case of mining, determine transactions. </a:t>
+            </a:r>
+          </a:p>
+          <a:p>
+            <a:pPr lvl="1"/>
+            <a:r>
+              <a:rPr lang="en-US" sz="2000" dirty="0"/>
+              <a:t>Checking whether the total gas used in the block is equal to the final gas consumption after the final transaction.</a:t>
+            </a:r>
+          </a:p>
+          <a:p>
+            <a:r>
+              <a:rPr lang="en-US" sz="2400" b="1" dirty="0"/>
+              <a:t>Reward application</a:t>
+            </a:r>
+          </a:p>
+          <a:p>
+            <a:pPr lvl="1"/>
+            <a:r>
+              <a:rPr lang="en-US" sz="2000" dirty="0"/>
+              <a:t>Apply rewards, which means updating the beneficiary's account with a reward balance.</a:t>
+            </a:r>
+          </a:p>
+          <a:p>
+            <a:pPr lvl="1"/>
+            <a:r>
+              <a:rPr lang="en-US" sz="2000" dirty="0"/>
+              <a:t> In </a:t>
+            </a:r>
+            <a:r>
+              <a:rPr lang="en-US" sz="2000" dirty="0" err="1"/>
+              <a:t>Ethereum</a:t>
+            </a:r>
+            <a:r>
+              <a:rPr lang="en-US" sz="2000" dirty="0"/>
+              <a:t>, a reward is also given to miners for stale blocks, which is 1/32 of the block reward. </a:t>
+            </a:r>
+          </a:p>
+          <a:p>
+            <a:pPr lvl="1"/>
+            <a:r>
+              <a:rPr lang="en-US" sz="2000" dirty="0"/>
+              <a:t>Uncles that are included in the blocks also receive 7/8 of the total block reward.</a:t>
+            </a:r>
+          </a:p>
+          <a:p>
+            <a:pPr lvl="1"/>
+            <a:r>
+              <a:rPr lang="en-US" sz="2000" dirty="0"/>
+              <a:t> The current block reward is 5 Ether. A block can have a maximum of two Uncles.</a:t>
+            </a:r>
+          </a:p>
+        </p:txBody>
+      </p:sp>
     </p:spTree>
     <p:extLst>
       <p:ext uri="{BB962C8B-B14F-4D97-AF65-F5344CB8AC3E}">
-        <p14:creationId xmlns:p14="http://schemas.microsoft.com/office/powerpoint/2010/main" val="783362697"/>
+        <p14:creationId xmlns:p14="http://schemas.microsoft.com/office/powerpoint/2010/main" val="84664872"/>
       </p:ext>
     </p:extLst>
   </p:cSld>
@@ -10520,7 +10606,12 @@
             <p:ph type="title"/>
           </p:nvPr>
         </p:nvSpPr>
-        <p:spPr/>
+        <p:spPr>
+          <a:xfrm>
+            <a:off x="2389919" y="428167"/>
+            <a:ext cx="8911687" cy="1280890"/>
+          </a:xfrm>
+        </p:spPr>
         <p:txBody>
           <a:bodyPr/>
           <a:lstStyle/>
@@ -10543,7 +10634,12 @@
             <p:ph idx="1"/>
           </p:nvPr>
         </p:nvSpPr>
-        <p:spPr/>
+        <p:spPr>
+          <a:xfrm>
+            <a:off x="2220722" y="1540189"/>
+            <a:ext cx="9188890" cy="3777622"/>
+          </a:xfrm>
+        </p:spPr>
         <p:txBody>
           <a:bodyPr>
             <a:normAutofit/>
@@ -10551,34 +10647,60 @@
           <a:lstStyle/>
           <a:p>
             <a:r>
-              <a:rPr lang="en-US" sz="2400" dirty="0"/>
-              <a:t>The preceding algorithm means that, if the time difference between the generation of the parent block and the current block is less than 10 seconds, the difficulty goes up. </a:t>
-            </a:r>
-          </a:p>
-          <a:p>
-            <a:r>
-              <a:rPr lang="en-US" sz="2400" dirty="0"/>
-              <a:t>If the time difference is between 10 to 19 seconds, the difficulty level remains the same. </a:t>
-            </a:r>
-          </a:p>
-          <a:p>
-            <a:r>
-              <a:rPr lang="en-US" sz="2400" dirty="0"/>
-              <a:t>Finally, if the time difference is 20 seconds or more, the difficultly level decreases. </a:t>
-            </a:r>
-          </a:p>
-          <a:p>
-            <a:r>
-              <a:rPr lang="en-US" sz="2400" dirty="0"/>
-              <a:t>This decrease is proportional to the time difference.</a:t>
-            </a:r>
-          </a:p>
-        </p:txBody>
-      </p:sp>
+              <a:rPr lang="en-US" sz="2000" dirty="0"/>
+              <a:t>Block difficulty is increased if the time between two blocks decreases,</a:t>
+            </a:r>
+          </a:p>
+          <a:p>
+            <a:r>
+              <a:rPr lang="en-US" sz="2000" dirty="0"/>
+              <a:t>This is required to maintain a roughly consistent block generation time. </a:t>
+            </a:r>
+          </a:p>
+          <a:p>
+            <a:r>
+              <a:rPr lang="en-US" sz="2000" dirty="0"/>
+              <a:t>The difficulty adjustment algorithm in </a:t>
+            </a:r>
+            <a:r>
+              <a:rPr lang="en-US" sz="2000" dirty="0" err="1"/>
+              <a:t>Ethereum's</a:t>
+            </a:r>
+            <a:r>
+              <a:rPr lang="en-US" sz="2000" dirty="0"/>
+              <a:t> homestead release is shown as follows:</a:t>
+            </a:r>
+          </a:p>
+        </p:txBody>
+      </p:sp>
+      <p:pic>
+        <p:nvPicPr>
+          <p:cNvPr id="4" name="Picture 3"/>
+          <p:cNvPicPr>
+            <a:picLocks noChangeAspect="1"/>
+          </p:cNvPicPr>
+          <p:nvPr/>
+        </p:nvPicPr>
+        <p:blipFill>
+          <a:blip r:embed="rId2"/>
+          <a:stretch>
+            <a:fillRect/>
+          </a:stretch>
+        </p:blipFill>
+        <p:spPr>
+          <a:xfrm>
+            <a:off x="2220722" y="3713191"/>
+            <a:ext cx="9188890" cy="1150480"/>
+          </a:xfrm>
+          <a:prstGeom prst="rect">
+            <a:avLst/>
+          </a:prstGeom>
+        </p:spPr>
+      </p:pic>
     </p:spTree>
     <p:extLst>
       <p:ext uri="{BB962C8B-B14F-4D97-AF65-F5344CB8AC3E}">
-        <p14:creationId xmlns:p14="http://schemas.microsoft.com/office/powerpoint/2010/main" val="1906756911"/>
+        <p14:creationId xmlns:p14="http://schemas.microsoft.com/office/powerpoint/2010/main" val="783362697"/>
       </p:ext>
     </p:extLst>
   </p:cSld>
@@ -10747,91 +10869,37 @@
         </p:nvSpPr>
         <p:spPr>
           <a:xfrm>
-            <a:off x="2105887" y="1539240"/>
+            <a:off x="1975063" y="1905000"/>
             <a:ext cx="8915400" cy="3777622"/>
           </a:xfrm>
         </p:spPr>
         <p:txBody>
           <a:bodyPr>
-            <a:noAutofit/>
+            <a:normAutofit/>
           </a:bodyPr>
           <a:lstStyle/>
           <a:p>
             <a:r>
-              <a:rPr lang="en-US" sz="2000" dirty="0"/>
-              <a:t>In addition to timestamp-difference-based difficulty adjustment, there is also another part (shown in the last line of the preceding algorithm) that increases the difficulty exponentially after every 100,000 blocks. </a:t>
-            </a:r>
-          </a:p>
-          <a:p>
-            <a:r>
-              <a:rPr lang="en-US" sz="2000" dirty="0"/>
-              <a:t>This is the so called </a:t>
-            </a:r>
-            <a:r>
-              <a:rPr lang="en-US" sz="2000" i="1" dirty="0"/>
-              <a:t>difficulty time bomb </a:t>
-            </a:r>
-            <a:r>
-              <a:rPr lang="en-US" sz="2000" dirty="0"/>
-              <a:t>or </a:t>
-            </a:r>
-            <a:r>
-              <a:rPr lang="en-US" sz="2000" i="1" dirty="0"/>
-              <a:t>Ice age </a:t>
-            </a:r>
-            <a:r>
-              <a:rPr lang="en-US" sz="2000" dirty="0"/>
-              <a:t>introduced in the </a:t>
-            </a:r>
-            <a:r>
-              <a:rPr lang="en-US" sz="2000" dirty="0" err="1"/>
-              <a:t>Ethereum</a:t>
-            </a:r>
-            <a:r>
-              <a:rPr lang="en-US" sz="2000" dirty="0"/>
-              <a:t> network, which will make it very hard to mine on the </a:t>
-            </a:r>
-            <a:r>
-              <a:rPr lang="en-US" sz="2000" dirty="0" err="1"/>
-              <a:t>Ethereum</a:t>
-            </a:r>
-            <a:r>
-              <a:rPr lang="en-US" sz="2000" dirty="0"/>
-              <a:t> </a:t>
-            </a:r>
-            <a:r>
-              <a:rPr lang="en-US" sz="2000" dirty="0" err="1"/>
-              <a:t>blockchain</a:t>
-            </a:r>
-            <a:r>
-              <a:rPr lang="en-US" sz="2000" dirty="0"/>
-              <a:t> at some point in the future. </a:t>
-            </a:r>
-          </a:p>
-          <a:p>
-            <a:r>
-              <a:rPr lang="en-US" sz="2000" dirty="0"/>
-              <a:t>This will encourage users to switch to Proof of Stake as mining on the POW chain will eventually become prohibitively difficult. </a:t>
-            </a:r>
-          </a:p>
-          <a:p>
-            <a:r>
-              <a:rPr lang="en-US" sz="2000" dirty="0"/>
-              <a:t>the block generation time will become significantly high during the second half of the year 2017 and in 2021, it will become so high that it will be virtually impossible to mine on the POW chain. </a:t>
-            </a:r>
-          </a:p>
-          <a:p>
-            <a:r>
-              <a:rPr lang="en-US" sz="2000" dirty="0"/>
-              <a:t>This way, miners will have no choice but to switch to the Proof of Stake scheme proposed by </a:t>
-            </a:r>
-            <a:r>
-              <a:rPr lang="en-US" sz="2000" dirty="0" err="1"/>
-              <a:t>Ethereum</a:t>
-            </a:r>
-            <a:r>
-              <a:rPr lang="en-US" sz="2000" dirty="0"/>
-              <a:t> called Casper.</a:t>
+              <a:rPr lang="en-US" sz="2400" dirty="0"/>
+              <a:t>The preceding algorithm means that, if the time difference between the generation of the parent block and the current block is less than 10 seconds, the difficulty goes up. </a:t>
+            </a:r>
+          </a:p>
+          <a:p>
+            <a:r>
+              <a:rPr lang="en-US" sz="2400" dirty="0"/>
+              <a:t>If the time difference is between 10 to 19 seconds, the difficulty level remains the same. </a:t>
+            </a:r>
+          </a:p>
+          <a:p>
+            <a:r>
+              <a:rPr lang="en-US" sz="2400" dirty="0"/>
+              <a:t>Finally, if the time difference is 20 seconds or more, the difficultly level decreases. </a:t>
+            </a:r>
+          </a:p>
+          <a:p>
+            <a:r>
+              <a:rPr lang="en-US" sz="2400" dirty="0"/>
+              <a:t>This decrease is proportional to the time difference.</a:t>
             </a:r>
           </a:p>
         </p:txBody>
@@ -10839,7 +10907,7 @@
     </p:spTree>
     <p:extLst>
       <p:ext uri="{BB962C8B-B14F-4D97-AF65-F5344CB8AC3E}">
-        <p14:creationId xmlns:p14="http://schemas.microsoft.com/office/powerpoint/2010/main" val="2478243278"/>
+        <p14:creationId xmlns:p14="http://schemas.microsoft.com/office/powerpoint/2010/main" val="1906756911"/>
       </p:ext>
     </p:extLst>
   </p:cSld>
@@ -10876,6 +10944,548 @@
             <p:ph type="title"/>
           </p:nvPr>
         </p:nvSpPr>
+        <p:spPr>
+          <a:xfrm>
+            <a:off x="2115254" y="258350"/>
+            <a:ext cx="8911687" cy="1280890"/>
+          </a:xfrm>
+        </p:spPr>
+        <p:txBody>
+          <a:bodyPr/>
+          <a:lstStyle/>
+          <a:p>
+            <a:r>
+              <a:rPr lang="en-US" b="1" dirty="0"/>
+              <a:t>Block difficulty</a:t>
+            </a:r>
+            <a:endParaRPr lang="en-US" dirty="0"/>
+          </a:p>
+        </p:txBody>
+      </p:sp>
+      <p:sp>
+        <p:nvSpPr>
+          <p:cNvPr id="3" name="Content Placeholder 2"/>
+          <p:cNvSpPr>
+            <a:spLocks noGrp="1"/>
+          </p:cNvSpPr>
+          <p:nvPr>
+            <p:ph idx="1"/>
+          </p:nvPr>
+        </p:nvSpPr>
+        <p:spPr>
+          <a:xfrm>
+            <a:off x="1165059" y="1328657"/>
+            <a:ext cx="10285412" cy="5270993"/>
+          </a:xfrm>
+        </p:spPr>
+        <p:txBody>
+          <a:bodyPr>
+            <a:noAutofit/>
+          </a:bodyPr>
+          <a:lstStyle/>
+          <a:p>
+            <a:r>
+              <a:rPr lang="en-US" sz="2400" dirty="0"/>
+              <a:t>In addition to timestamp-difference-based difficulty adjustment, there is also another part (last line of the algorithm) that increases the difficulty exponentially after every 100,000 blocks. </a:t>
+            </a:r>
+          </a:p>
+          <a:p>
+            <a:pPr lvl="1"/>
+            <a:r>
+              <a:rPr lang="en-US" sz="2000" dirty="0"/>
+              <a:t>This is the so called </a:t>
+            </a:r>
+            <a:r>
+              <a:rPr lang="en-US" sz="2000" b="1" i="1" dirty="0"/>
+              <a:t>difficulty time bomb </a:t>
+            </a:r>
+            <a:r>
+              <a:rPr lang="en-US" sz="2000" b="1" dirty="0"/>
+              <a:t>or </a:t>
+            </a:r>
+            <a:r>
+              <a:rPr lang="en-US" sz="2000" b="1" i="1" dirty="0"/>
+              <a:t>Ice age </a:t>
+            </a:r>
+            <a:r>
+              <a:rPr lang="en-US" sz="2000" dirty="0"/>
+              <a:t>introduced in the Ethereum network, which will make it very hard to mine</a:t>
+            </a:r>
+          </a:p>
+          <a:p>
+            <a:pPr lvl="1"/>
+            <a:r>
+              <a:rPr lang="en-US" sz="2000" dirty="0"/>
+              <a:t>This will encourage users to switch to </a:t>
+            </a:r>
+            <a:r>
+              <a:rPr lang="en-US" sz="2000" b="1" dirty="0"/>
+              <a:t>Proof of Stake </a:t>
+            </a:r>
+            <a:r>
+              <a:rPr lang="en-US" sz="2000" dirty="0"/>
+              <a:t>as mining on the POW chain will eventually become prohibitively difficult. </a:t>
+            </a:r>
+          </a:p>
+          <a:p>
+            <a:r>
+              <a:rPr lang="en-US" sz="2400" dirty="0"/>
+              <a:t>Block generation time will become significantly high during the second half of the year 2017 and in 2021, it will become so high that it will be virtually impossible to mine on the POW chain. </a:t>
+            </a:r>
+          </a:p>
+          <a:p>
+            <a:pPr lvl="1"/>
+            <a:r>
+              <a:rPr lang="en-US" sz="2000" dirty="0"/>
+              <a:t>Miners will have no choice but to switch to the Proof of Stake scheme proposed by Ethereum called Casper.</a:t>
+            </a:r>
+          </a:p>
+        </p:txBody>
+      </p:sp>
+    </p:spTree>
+    <p:extLst>
+      <p:ext uri="{BB962C8B-B14F-4D97-AF65-F5344CB8AC3E}">
+        <p14:creationId xmlns:p14="http://schemas.microsoft.com/office/powerpoint/2010/main" val="2478243278"/>
+      </p:ext>
+    </p:extLst>
+  </p:cSld>
+  <p:clrMapOvr>
+    <a:masterClrMapping/>
+  </p:clrMapOvr>
+</p:sld>
+</file>
+
+<file path=ppt/slides/slide112.xml><?xml version="1.0" encoding="utf-8"?>
+<p:sld xmlns:a="http://schemas.openxmlformats.org/drawingml/2006/main" xmlns:r="http://schemas.openxmlformats.org/officeDocument/2006/relationships" xmlns:p="http://schemas.openxmlformats.org/presentationml/2006/main">
+  <p:cSld>
+    <p:spTree>
+      <p:nvGrpSpPr>
+        <p:cNvPr id="1" name=""/>
+        <p:cNvGrpSpPr/>
+        <p:nvPr/>
+      </p:nvGrpSpPr>
+      <p:grpSpPr>
+        <a:xfrm>
+          <a:off x="0" y="0"/>
+          <a:ext cx="0" cy="0"/>
+          <a:chOff x="0" y="0"/>
+          <a:chExt cx="0" cy="0"/>
+        </a:xfrm>
+      </p:grpSpPr>
+      <p:sp>
+        <p:nvSpPr>
+          <p:cNvPr id="2" name="Title 1">
+            <a:extLst>
+              <a:ext uri="{FF2B5EF4-FFF2-40B4-BE49-F238E27FC236}">
+                <a16:creationId xmlns:a16="http://schemas.microsoft.com/office/drawing/2014/main" id="{82E28FB0-DC8D-4329-A5B9-26FAEA82435B}"/>
+              </a:ext>
+            </a:extLst>
+          </p:cNvPr>
+          <p:cNvSpPr>
+            <a:spLocks noGrp="1"/>
+          </p:cNvSpPr>
+          <p:nvPr>
+            <p:ph type="title"/>
+          </p:nvPr>
+        </p:nvSpPr>
+        <p:spPr>
+          <a:xfrm>
+            <a:off x="1761653" y="304800"/>
+            <a:ext cx="8911687" cy="1280890"/>
+          </a:xfrm>
+        </p:spPr>
+        <p:txBody>
+          <a:bodyPr>
+            <a:normAutofit fontScale="90000"/>
+          </a:bodyPr>
+          <a:lstStyle/>
+          <a:p>
+            <a:r>
+              <a:rPr lang="en-US" dirty="0"/>
+              <a:t>Below is step by step process how difficulty of new block gets created.</a:t>
+            </a:r>
+            <a:br>
+              <a:rPr lang="en-US" dirty="0"/>
+            </a:br>
+            <a:endParaRPr lang="en-US" dirty="0"/>
+          </a:p>
+        </p:txBody>
+      </p:sp>
+      <p:sp>
+        <p:nvSpPr>
+          <p:cNvPr id="3" name="Content Placeholder 2">
+            <a:extLst>
+              <a:ext uri="{FF2B5EF4-FFF2-40B4-BE49-F238E27FC236}">
+                <a16:creationId xmlns:a16="http://schemas.microsoft.com/office/drawing/2014/main" id="{A2B76678-6698-47F5-B5BD-9DF4E4899E9A}"/>
+              </a:ext>
+            </a:extLst>
+          </p:cNvPr>
+          <p:cNvSpPr>
+            <a:spLocks noGrp="1"/>
+          </p:cNvSpPr>
+          <p:nvPr>
+            <p:ph idx="1"/>
+          </p:nvPr>
+        </p:nvSpPr>
+        <p:spPr>
+          <a:xfrm>
+            <a:off x="1761653" y="1724890"/>
+            <a:ext cx="9367261" cy="4648201"/>
+          </a:xfrm>
+        </p:spPr>
+        <p:txBody>
+          <a:bodyPr>
+            <a:normAutofit/>
+          </a:bodyPr>
+          <a:lstStyle/>
+          <a:p>
+            <a:r>
+              <a:rPr lang="en-US" sz="2000" dirty="0"/>
+              <a:t>1. First, difference between time of formation of parent block and new block is calculated.</a:t>
+            </a:r>
+          </a:p>
+          <a:p>
+            <a:r>
+              <a:rPr lang="en-US" sz="2000" dirty="0"/>
+              <a:t> 2. Output of step 1 is then divided by 10 and integer of it is stored. This is done to create ranges. If output of step 1 is between 1 – 9 then output of this step will be 0. If output of step 1 is between 10 – 19 then output of this step will be 1. If output of step 1 is between 20 – 29 then output of this step will be 2 and so on.</a:t>
+            </a:r>
+          </a:p>
+          <a:p>
+            <a:r>
+              <a:rPr lang="en-US" sz="2000" dirty="0"/>
+              <a:t>3. From step above various ranges gets created. Now in order to create three ranges we will subtract 1 from output of step 2. The three ranges will be either +</a:t>
+            </a:r>
+            <a:r>
+              <a:rPr lang="en-US" sz="2000" dirty="0" err="1"/>
+              <a:t>ve</a:t>
+            </a:r>
+            <a:r>
+              <a:rPr lang="en-US" sz="2000" dirty="0"/>
+              <a:t>, zero or –</a:t>
+            </a:r>
+            <a:r>
+              <a:rPr lang="en-US" sz="2000" dirty="0" err="1"/>
+              <a:t>ve</a:t>
+            </a:r>
+            <a:r>
+              <a:rPr lang="en-US" sz="2000" dirty="0"/>
+              <a:t>. If you see it carefully then output of this step will be +</a:t>
+            </a:r>
+            <a:r>
+              <a:rPr lang="en-US" sz="2000" dirty="0" err="1"/>
+              <a:t>ve</a:t>
+            </a:r>
+            <a:r>
+              <a:rPr lang="en-US" sz="2000" dirty="0"/>
+              <a:t> when output of step 1 is between 0 – 9, zero when output of step 1 is between 10 – 19 and –</a:t>
+            </a:r>
+            <a:r>
+              <a:rPr lang="en-US" sz="2000" dirty="0" err="1"/>
+              <a:t>ve</a:t>
+            </a:r>
+            <a:r>
+              <a:rPr lang="en-US" sz="2000" dirty="0"/>
+              <a:t> when output of step 1 is anything more than 20.</a:t>
+            </a:r>
+          </a:p>
+        </p:txBody>
+      </p:sp>
+    </p:spTree>
+    <p:extLst>
+      <p:ext uri="{BB962C8B-B14F-4D97-AF65-F5344CB8AC3E}">
+        <p14:creationId xmlns:p14="http://schemas.microsoft.com/office/powerpoint/2010/main" val="2185569633"/>
+      </p:ext>
+    </p:extLst>
+  </p:cSld>
+  <p:clrMapOvr>
+    <a:masterClrMapping/>
+  </p:clrMapOvr>
+</p:sld>
+</file>
+
+<file path=ppt/slides/slide113.xml><?xml version="1.0" encoding="utf-8"?>
+<p:sld xmlns:a="http://schemas.openxmlformats.org/drawingml/2006/main" xmlns:r="http://schemas.openxmlformats.org/officeDocument/2006/relationships" xmlns:p="http://schemas.openxmlformats.org/presentationml/2006/main">
+  <p:cSld>
+    <p:spTree>
+      <p:nvGrpSpPr>
+        <p:cNvPr id="1" name=""/>
+        <p:cNvGrpSpPr/>
+        <p:nvPr/>
+      </p:nvGrpSpPr>
+      <p:grpSpPr>
+        <a:xfrm>
+          <a:off x="0" y="0"/>
+          <a:ext cx="0" cy="0"/>
+          <a:chOff x="0" y="0"/>
+          <a:chExt cx="0" cy="0"/>
+        </a:xfrm>
+      </p:grpSpPr>
+      <p:sp>
+        <p:nvSpPr>
+          <p:cNvPr id="2" name="Title 1">
+            <a:extLst>
+              <a:ext uri="{FF2B5EF4-FFF2-40B4-BE49-F238E27FC236}">
+                <a16:creationId xmlns:a16="http://schemas.microsoft.com/office/drawing/2014/main" id="{42170B19-10E5-4B10-B9C1-766CCE1F0258}"/>
+              </a:ext>
+            </a:extLst>
+          </p:cNvPr>
+          <p:cNvSpPr>
+            <a:spLocks noGrp="1"/>
+          </p:cNvSpPr>
+          <p:nvPr>
+            <p:ph type="title"/>
+          </p:nvPr>
+        </p:nvSpPr>
+        <p:spPr/>
+        <p:txBody>
+          <a:bodyPr/>
+          <a:lstStyle/>
+          <a:p>
+            <a:endParaRPr lang="en-US"/>
+          </a:p>
+        </p:txBody>
+      </p:sp>
+      <p:sp>
+        <p:nvSpPr>
+          <p:cNvPr id="3" name="Content Placeholder 2">
+            <a:extLst>
+              <a:ext uri="{FF2B5EF4-FFF2-40B4-BE49-F238E27FC236}">
+                <a16:creationId xmlns:a16="http://schemas.microsoft.com/office/drawing/2014/main" id="{DF52E126-327C-48F7-A8A2-AB300D9309B0}"/>
+              </a:ext>
+            </a:extLst>
+          </p:cNvPr>
+          <p:cNvSpPr>
+            <a:spLocks noGrp="1"/>
+          </p:cNvSpPr>
+          <p:nvPr>
+            <p:ph idx="1"/>
+          </p:nvPr>
+        </p:nvSpPr>
+        <p:spPr>
+          <a:xfrm>
+            <a:off x="1854919" y="782781"/>
+            <a:ext cx="9649693" cy="5687291"/>
+          </a:xfrm>
+        </p:spPr>
+        <p:txBody>
+          <a:bodyPr>
+            <a:normAutofit lnSpcReduction="10000"/>
+          </a:bodyPr>
+          <a:lstStyle/>
+          <a:p>
+            <a:r>
+              <a:rPr lang="en-US" sz="2400" dirty="0"/>
+              <a:t>4. Now compare output of previous step with -99 and if it is even lesser than -99 then set it as -99. This is done to limit the smallest possible value of step 3, otherwise keep the value of output of previous step as is.</a:t>
+            </a:r>
+          </a:p>
+          <a:p>
+            <a:r>
+              <a:rPr lang="en-US" sz="2400" dirty="0"/>
+              <a:t>5. Next we divide the parent block difficulty by the difficulty bound divisor, whose value is 2048.</a:t>
+            </a:r>
+          </a:p>
+          <a:p>
+            <a:r>
+              <a:rPr lang="en-US" sz="2400" dirty="0"/>
+              <a:t>6. Multiply output of step 4 with step 5. This will give the difference of difficulty of new block with old parent block. Depending is this value is +</a:t>
+            </a:r>
+            <a:r>
+              <a:rPr lang="en-US" sz="2400" dirty="0" err="1"/>
+              <a:t>ve</a:t>
+            </a:r>
+            <a:r>
+              <a:rPr lang="en-US" sz="2400" dirty="0"/>
+              <a:t> then difficulty will increase and if this value is –</a:t>
+            </a:r>
+            <a:r>
+              <a:rPr lang="en-US" sz="2400" dirty="0" err="1"/>
+              <a:t>ve</a:t>
+            </a:r>
+            <a:r>
+              <a:rPr lang="en-US" sz="2400" dirty="0"/>
+              <a:t> then then new difficulty will decrease.</a:t>
+            </a:r>
+          </a:p>
+          <a:p>
+            <a:r>
+              <a:rPr lang="en-US" sz="2400" dirty="0"/>
+              <a:t>7. Now add output of step 6 to parent difficulty and result will be the difficulty of the new block. </a:t>
+            </a:r>
+          </a:p>
+          <a:p>
+            <a:r>
+              <a:rPr lang="en-US" sz="2400" dirty="0"/>
+              <a:t>8. Once difficulty is calculated, a check is made to make sure that difficulty calculated is at least more than the minimum threshold value of 131072.</a:t>
+            </a:r>
+          </a:p>
+          <a:p>
+            <a:endParaRPr lang="en-US" sz="2400" dirty="0"/>
+          </a:p>
+          <a:p>
+            <a:endParaRPr lang="en-US" sz="2400" dirty="0"/>
+          </a:p>
+        </p:txBody>
+      </p:sp>
+    </p:spTree>
+    <p:extLst>
+      <p:ext uri="{BB962C8B-B14F-4D97-AF65-F5344CB8AC3E}">
+        <p14:creationId xmlns:p14="http://schemas.microsoft.com/office/powerpoint/2010/main" val="1983782429"/>
+      </p:ext>
+    </p:extLst>
+  </p:cSld>
+  <p:clrMapOvr>
+    <a:masterClrMapping/>
+  </p:clrMapOvr>
+</p:sld>
+</file>
+
+<file path=ppt/slides/slide114.xml><?xml version="1.0" encoding="utf-8"?>
+<p:sld xmlns:a="http://schemas.openxmlformats.org/drawingml/2006/main" xmlns:r="http://schemas.openxmlformats.org/officeDocument/2006/relationships" xmlns:p="http://schemas.openxmlformats.org/presentationml/2006/main">
+  <p:cSld>
+    <p:spTree>
+      <p:nvGrpSpPr>
+        <p:cNvPr id="1" name=""/>
+        <p:cNvGrpSpPr/>
+        <p:nvPr/>
+      </p:nvGrpSpPr>
+      <p:grpSpPr>
+        <a:xfrm>
+          <a:off x="0" y="0"/>
+          <a:ext cx="0" cy="0"/>
+          <a:chOff x="0" y="0"/>
+          <a:chExt cx="0" cy="0"/>
+        </a:xfrm>
+      </p:grpSpPr>
+      <p:sp>
+        <p:nvSpPr>
+          <p:cNvPr id="2" name="Title 1">
+            <a:extLst>
+              <a:ext uri="{FF2B5EF4-FFF2-40B4-BE49-F238E27FC236}">
+                <a16:creationId xmlns:a16="http://schemas.microsoft.com/office/drawing/2014/main" id="{32EBA0FF-EF79-4F03-90B2-126D43945156}"/>
+              </a:ext>
+            </a:extLst>
+          </p:cNvPr>
+          <p:cNvSpPr>
+            <a:spLocks noGrp="1"/>
+          </p:cNvSpPr>
+          <p:nvPr>
+            <p:ph type="title"/>
+          </p:nvPr>
+        </p:nvSpPr>
+        <p:spPr/>
+        <p:txBody>
+          <a:bodyPr/>
+          <a:lstStyle/>
+          <a:p>
+            <a:endParaRPr lang="en-US"/>
+          </a:p>
+        </p:txBody>
+      </p:sp>
+      <p:sp>
+        <p:nvSpPr>
+          <p:cNvPr id="3" name="Content Placeholder 2">
+            <a:extLst>
+              <a:ext uri="{FF2B5EF4-FFF2-40B4-BE49-F238E27FC236}">
+                <a16:creationId xmlns:a16="http://schemas.microsoft.com/office/drawing/2014/main" id="{C55141D3-1846-465C-B661-937D730C8E10}"/>
+              </a:ext>
+            </a:extLst>
+          </p:cNvPr>
+          <p:cNvSpPr>
+            <a:spLocks noGrp="1"/>
+          </p:cNvSpPr>
+          <p:nvPr>
+            <p:ph idx="1"/>
+          </p:nvPr>
+        </p:nvSpPr>
+        <p:spPr>
+          <a:xfrm>
+            <a:off x="1638300" y="886691"/>
+            <a:ext cx="9866312" cy="5140036"/>
+          </a:xfrm>
+        </p:spPr>
+        <p:txBody>
+          <a:bodyPr>
+            <a:normAutofit lnSpcReduction="10000"/>
+          </a:bodyPr>
+          <a:lstStyle/>
+          <a:p>
+            <a:r>
+              <a:rPr lang="en-US" sz="2400" dirty="0"/>
+              <a:t>9. Before returning the difficulty, check is done that if block number is more than 200,000 then “The Bomb” logic is applied to increase the difficulty exponentially.</a:t>
+            </a:r>
+          </a:p>
+          <a:p>
+            <a:r>
+              <a:rPr lang="en-US" sz="2400" dirty="0"/>
+              <a:t>10. In order to increase the difficulty exponentially, new block number is calculated by adding one to the parent block number.</a:t>
+            </a:r>
+          </a:p>
+          <a:p>
+            <a:r>
+              <a:rPr lang="en-US" sz="2400" dirty="0"/>
+              <a:t>11. Now new block number is divided by 100,000.</a:t>
+            </a:r>
+          </a:p>
+          <a:p>
+            <a:r>
+              <a:rPr lang="en-US" sz="2400" dirty="0"/>
+              <a:t>12. If new block number is more than 200,000 then output of step 11 is subtracted from 2.</a:t>
+            </a:r>
+          </a:p>
+          <a:p>
+            <a:r>
+              <a:rPr lang="en-US" sz="2400" dirty="0"/>
+              <a:t>13. Now exponentially increased difficulty delta is calculated by doing following calculation: 2 ^ output of step 12.</a:t>
+            </a:r>
+          </a:p>
+          <a:p>
+            <a:r>
+              <a:rPr lang="en-US" sz="2400" dirty="0"/>
+              <a:t>14. And new difficulty is calculated by adding output of previous step to the difficulty calculated in step 7.</a:t>
+            </a:r>
+          </a:p>
+        </p:txBody>
+      </p:sp>
+    </p:spTree>
+    <p:extLst>
+      <p:ext uri="{BB962C8B-B14F-4D97-AF65-F5344CB8AC3E}">
+        <p14:creationId xmlns:p14="http://schemas.microsoft.com/office/powerpoint/2010/main" val="3829823900"/>
+      </p:ext>
+    </p:extLst>
+  </p:cSld>
+  <p:clrMapOvr>
+    <a:masterClrMapping/>
+  </p:clrMapOvr>
+</p:sld>
+</file>
+
+<file path=ppt/slides/slide115.xml><?xml version="1.0" encoding="utf-8"?>
+<p:sld xmlns:a="http://schemas.openxmlformats.org/drawingml/2006/main" xmlns:r="http://schemas.openxmlformats.org/officeDocument/2006/relationships" xmlns:p="http://schemas.openxmlformats.org/presentationml/2006/main">
+  <p:cSld>
+    <p:spTree>
+      <p:nvGrpSpPr>
+        <p:cNvPr id="1" name=""/>
+        <p:cNvGrpSpPr/>
+        <p:nvPr/>
+      </p:nvGrpSpPr>
+      <p:grpSpPr>
+        <a:xfrm>
+          <a:off x="0" y="0"/>
+          <a:ext cx="0" cy="0"/>
+          <a:chOff x="0" y="0"/>
+          <a:chExt cx="0" cy="0"/>
+        </a:xfrm>
+      </p:grpSpPr>
+      <p:sp>
+        <p:nvSpPr>
+          <p:cNvPr id="2" name="Title 1"/>
+          <p:cNvSpPr>
+            <a:spLocks noGrp="1"/>
+          </p:cNvSpPr>
+          <p:nvPr>
+            <p:ph type="title"/>
+          </p:nvPr>
+        </p:nvSpPr>
         <p:spPr/>
         <p:txBody>
           <a:bodyPr/>
@@ -10913,7 +11523,18 @@
           <a:p>
             <a:r>
               <a:rPr lang="en-US" sz="2400" dirty="0"/>
-              <a:t>Ether is minted by miners as a currency reward for the computational effort they spend in order to secure the network by verifying and with validation transactions and blocks. </a:t>
+              <a:t>Ether is minted by miners as a currency reward for the </a:t>
+            </a:r>
+            <a:r>
+              <a:rPr lang="en-US" sz="2400" b="1" dirty="0"/>
+              <a:t>computational effort </a:t>
+            </a:r>
+          </a:p>
+          <a:p>
+            <a:pPr lvl="1"/>
+            <a:r>
+              <a:rPr lang="en-US" sz="2200" dirty="0"/>
+              <a:t>spent in order to secure the network by verifying and with validation transactions and blocks. </a:t>
             </a:r>
           </a:p>
           <a:p>
@@ -10986,7 +11607,7 @@
 </p:sld>
 </file>
 
-<file path=ppt/slides/slide112.xml><?xml version="1.0" encoding="utf-8"?>
+<file path=ppt/slides/slide116.xml><?xml version="1.0" encoding="utf-8"?>
 <p:sld xmlns:a="http://schemas.openxmlformats.org/drawingml/2006/main" xmlns:r="http://schemas.openxmlformats.org/officeDocument/2006/relationships" xmlns:p="http://schemas.openxmlformats.org/presentationml/2006/main">
   <p:cSld>
     <p:spTree>
@@ -11078,7 +11699,7 @@
 </p:sld>
 </file>
 
-<file path=ppt/slides/slide113.xml><?xml version="1.0" encoding="utf-8"?>
+<file path=ppt/slides/slide117.xml><?xml version="1.0" encoding="utf-8"?>
 <p:sld xmlns:a="http://schemas.openxmlformats.org/drawingml/2006/main" xmlns:r="http://schemas.openxmlformats.org/officeDocument/2006/relationships" xmlns:p="http://schemas.openxmlformats.org/presentationml/2006/main">
   <p:cSld>
     <p:spTree>
@@ -11135,8 +11756,8 @@
         </p:nvSpPr>
         <p:spPr>
           <a:xfrm>
-            <a:off x="1511999" y="546098"/>
-            <a:ext cx="9375367" cy="3777622"/>
+            <a:off x="1511998" y="546097"/>
+            <a:ext cx="10111965" cy="6145647"/>
           </a:xfrm>
         </p:spPr>
         <p:txBody>
@@ -11147,7 +11768,15 @@
           <a:p>
             <a:r>
               <a:rPr lang="en-US" sz="2000" dirty="0"/>
-              <a:t>Gas is required to be paid for every operation performed on the </a:t>
+              <a:t>Gas is required to be </a:t>
+            </a:r>
+            <a:r>
+              <a:rPr lang="en-US" sz="2000" b="1" dirty="0"/>
+              <a:t>paid for every operation performed </a:t>
+            </a:r>
+            <a:r>
+              <a:rPr lang="en-US" sz="2000" dirty="0"/>
+              <a:t>on the </a:t>
             </a:r>
             <a:r>
               <a:rPr lang="en-US" sz="2000" dirty="0" err="1"/>
@@ -11167,41 +11796,54 @@
             </a:r>
           </a:p>
           <a:p>
+            <a:pPr lvl="1"/>
+            <a:r>
+              <a:rPr lang="en-US" sz="1800" dirty="0"/>
+              <a:t>mechanism to ensures that infinite loops cannot cause the whole blockchain to stall due to the Turing-complete nature of the EVM. </a:t>
+            </a:r>
+          </a:p>
+          <a:p>
+            <a:r>
+              <a:rPr lang="en-US" sz="2000" b="1" dirty="0"/>
+              <a:t>Transaction fee </a:t>
+            </a:r>
             <a:r>
               <a:rPr lang="en-US" sz="2000" dirty="0"/>
-              <a:t> This is a mechanism that ensures that infinite loops cannot cause the whole </a:t>
-            </a:r>
-            <a:r>
-              <a:rPr lang="en-US" sz="2000" dirty="0" err="1"/>
-              <a:t>blockchain</a:t>
+              <a:t>is charged as some amount of Ether and is </a:t>
+            </a:r>
+            <a:r>
+              <a:rPr lang="en-US" sz="2000" b="1" dirty="0"/>
+              <a:t>taken from the account balance of the transaction originator</a:t>
             </a:r>
             <a:r>
               <a:rPr lang="en-US" sz="2000" dirty="0"/>
-              <a:t> to stall due to the Turing-complete nature of the EVM. </a:t>
+              <a:t>.</a:t>
             </a:r>
           </a:p>
           <a:p>
             <a:r>
               <a:rPr lang="en-US" sz="2000" dirty="0"/>
-              <a:t>A transaction fee is charged as some amount of Ether and is taken from the account balance of the transaction originator.</a:t>
-            </a:r>
-          </a:p>
-          <a:p>
+              <a:t> A fee is paid for </a:t>
+            </a:r>
+            <a:r>
+              <a:rPr lang="en-US" sz="2000" b="1" dirty="0"/>
+              <a:t>transactions to be included by miners </a:t>
+            </a:r>
             <a:r>
               <a:rPr lang="en-US" sz="2000" dirty="0"/>
-              <a:t> A fee is paid for transactions to be included by miners for mining.</a:t>
+              <a:t>for mining.</a:t>
             </a:r>
           </a:p>
           <a:p>
             <a:r>
               <a:rPr lang="en-US" sz="2000" dirty="0"/>
-              <a:t> If this fee is too low, the transaction may never be picked up; the more the fee, the higher are the chances that the transactions will be picked up by the miners for inclusion in the block. </a:t>
+              <a:t> If this fee is too low, the transaction may never be picked up; the more the fee, the higher the chances that the transactions will be picked up by the miners for inclusion in the block. </a:t>
             </a:r>
           </a:p>
           <a:p>
             <a:r>
               <a:rPr lang="en-US" sz="2000" dirty="0"/>
-              <a:t>Conversely, if the transaction that has an appropriate fee paid is included in the block by miners but has too many complex operations to perform,</a:t>
+              <a:t>If the transaction that has an appropriate fee paid is included in the block by miners but has too many complex operations to perform,</a:t>
             </a:r>
           </a:p>
           <a:p>
@@ -11233,7 +11875,7 @@
 </p:sld>
 </file>
 
-<file path=ppt/slides/slide114.xml><?xml version="1.0" encoding="utf-8"?>
+<file path=ppt/slides/slide118.xml><?xml version="1.0" encoding="utf-8"?>
 <p:sld xmlns:a="http://schemas.openxmlformats.org/drawingml/2006/main" xmlns:r="http://schemas.openxmlformats.org/officeDocument/2006/relationships" xmlns:p="http://schemas.openxmlformats.org/presentationml/2006/main">
   <p:cSld>
     <p:spTree>
@@ -11369,7 +12011,7 @@
 </p:sld>
 </file>
 
-<file path=ppt/slides/slide115.xml><?xml version="1.0" encoding="utf-8"?>
+<file path=ppt/slides/slide119.xml><?xml version="1.0" encoding="utf-8"?>
 <p:sld xmlns:a="http://schemas.openxmlformats.org/drawingml/2006/main" xmlns:r="http://schemas.openxmlformats.org/officeDocument/2006/relationships" xmlns:p="http://schemas.openxmlformats.org/presentationml/2006/main">
   <p:cSld>
     <p:spTree>
@@ -11511,498 +12153,6 @@
 </p:sld>
 </file>
 
-<file path=ppt/slides/slide116.xml><?xml version="1.0" encoding="utf-8"?>
-<p:sld xmlns:a="http://schemas.openxmlformats.org/drawingml/2006/main" xmlns:r="http://schemas.openxmlformats.org/officeDocument/2006/relationships" xmlns:p="http://schemas.openxmlformats.org/presentationml/2006/main">
-  <p:cSld>
-    <p:spTree>
-      <p:nvGrpSpPr>
-        <p:cNvPr id="1" name=""/>
-        <p:cNvGrpSpPr/>
-        <p:nvPr/>
-      </p:nvGrpSpPr>
-      <p:grpSpPr>
-        <a:xfrm>
-          <a:off x="0" y="0"/>
-          <a:ext cx="0" cy="0"/>
-          <a:chOff x="0" y="0"/>
-          <a:chExt cx="0" cy="0"/>
-        </a:xfrm>
-      </p:grpSpPr>
-      <p:sp>
-        <p:nvSpPr>
-          <p:cNvPr id="2" name="Title 1"/>
-          <p:cNvSpPr>
-            <a:spLocks noGrp="1"/>
-          </p:cNvSpPr>
-          <p:nvPr>
-            <p:ph type="title"/>
-          </p:nvPr>
-        </p:nvSpPr>
-        <p:spPr/>
-        <p:txBody>
-          <a:bodyPr/>
-          <a:lstStyle/>
-          <a:p>
-            <a:r>
-              <a:rPr lang="en-US" b="1" dirty="0"/>
-              <a:t>Fee schedule</a:t>
-            </a:r>
-            <a:endParaRPr lang="en-US" dirty="0"/>
-          </a:p>
-        </p:txBody>
-      </p:sp>
-      <p:sp>
-        <p:nvSpPr>
-          <p:cNvPr id="3" name="Content Placeholder 2"/>
-          <p:cNvSpPr>
-            <a:spLocks noGrp="1"/>
-          </p:cNvSpPr>
-          <p:nvPr>
-            <p:ph idx="1"/>
-          </p:nvPr>
-        </p:nvSpPr>
-        <p:spPr/>
-        <p:txBody>
-          <a:bodyPr>
-            <a:normAutofit/>
-          </a:bodyPr>
-          <a:lstStyle/>
-          <a:p>
-            <a:r>
-              <a:rPr lang="en-US" sz="2400" dirty="0"/>
-              <a:t>Gas is charged in three scenarios as a prerequisite to the execution of an operation:</a:t>
-            </a:r>
-          </a:p>
-          <a:p>
-            <a:pPr lvl="1"/>
-            <a:r>
-              <a:rPr lang="en-US" sz="2000" dirty="0"/>
-              <a:t>The computation of an operation</a:t>
-            </a:r>
-          </a:p>
-          <a:p>
-            <a:pPr lvl="1"/>
-            <a:r>
-              <a:rPr lang="en-US" sz="2000" dirty="0"/>
-              <a:t>For contract creation or message call</a:t>
-            </a:r>
-          </a:p>
-          <a:p>
-            <a:pPr lvl="1"/>
-            <a:r>
-              <a:rPr lang="en-US" sz="2000" dirty="0"/>
-              <a:t>Increase in the usage of memory</a:t>
-            </a:r>
-          </a:p>
-        </p:txBody>
-      </p:sp>
-    </p:spTree>
-    <p:extLst>
-      <p:ext uri="{BB962C8B-B14F-4D97-AF65-F5344CB8AC3E}">
-        <p14:creationId xmlns:p14="http://schemas.microsoft.com/office/powerpoint/2010/main" val="385087486"/>
-      </p:ext>
-    </p:extLst>
-  </p:cSld>
-  <p:clrMapOvr>
-    <a:masterClrMapping/>
-  </p:clrMapOvr>
-</p:sld>
-</file>
-
-<file path=ppt/slides/slide117.xml><?xml version="1.0" encoding="utf-8"?>
-<p:sld xmlns:a="http://schemas.openxmlformats.org/drawingml/2006/main" xmlns:r="http://schemas.openxmlformats.org/officeDocument/2006/relationships" xmlns:p="http://schemas.openxmlformats.org/presentationml/2006/main">
-  <p:cSld>
-    <p:spTree>
-      <p:nvGrpSpPr>
-        <p:cNvPr id="1" name=""/>
-        <p:cNvGrpSpPr/>
-        <p:nvPr/>
-      </p:nvGrpSpPr>
-      <p:grpSpPr>
-        <a:xfrm>
-          <a:off x="0" y="0"/>
-          <a:ext cx="0" cy="0"/>
-          <a:chOff x="0" y="0"/>
-          <a:chExt cx="0" cy="0"/>
-        </a:xfrm>
-      </p:grpSpPr>
-      <p:sp>
-        <p:nvSpPr>
-          <p:cNvPr id="2" name="Title 1"/>
-          <p:cNvSpPr>
-            <a:spLocks noGrp="1"/>
-          </p:cNvSpPr>
-          <p:nvPr>
-            <p:ph type="title"/>
-          </p:nvPr>
-        </p:nvSpPr>
-        <p:spPr/>
-        <p:txBody>
-          <a:bodyPr/>
-          <a:lstStyle/>
-          <a:p>
-            <a:r>
-              <a:rPr lang="en-US" dirty="0"/>
-              <a:t>Messages</a:t>
-            </a:r>
-          </a:p>
-        </p:txBody>
-      </p:sp>
-      <p:sp>
-        <p:nvSpPr>
-          <p:cNvPr id="3" name="Content Placeholder 2"/>
-          <p:cNvSpPr>
-            <a:spLocks noGrp="1"/>
-          </p:cNvSpPr>
-          <p:nvPr>
-            <p:ph idx="1"/>
-          </p:nvPr>
-        </p:nvSpPr>
-        <p:spPr>
-          <a:xfrm>
-            <a:off x="2156076" y="1519989"/>
-            <a:ext cx="8915400" cy="3777622"/>
-          </a:xfrm>
-        </p:spPr>
-        <p:txBody>
-          <a:bodyPr>
-            <a:noAutofit/>
-          </a:bodyPr>
-          <a:lstStyle/>
-          <a:p>
-            <a:r>
-              <a:rPr lang="en-US" sz="2000" dirty="0"/>
-              <a:t>Messages, as defined in the yellow paper, are the data and value that are passed between two accounts. </a:t>
-            </a:r>
-          </a:p>
-          <a:p>
-            <a:r>
-              <a:rPr lang="en-US" sz="2000" dirty="0"/>
-              <a:t>A message is a data packet passed between two accounts. </a:t>
-            </a:r>
-          </a:p>
-          <a:p>
-            <a:r>
-              <a:rPr lang="en-US" sz="2000" dirty="0"/>
-              <a:t>This data packet  contains data and value (amount of ether).</a:t>
-            </a:r>
-          </a:p>
-          <a:p>
-            <a:pPr lvl="1"/>
-            <a:r>
-              <a:rPr lang="en-US" sz="2000" dirty="0"/>
-              <a:t> It can either be sent via a smart contract (autonomous object) or from an external actor (externally owned account) in the form of a transaction that has been digitally signed by the sender.</a:t>
-            </a:r>
-          </a:p>
-          <a:p>
-            <a:r>
-              <a:rPr lang="en-US" sz="2000" dirty="0"/>
-              <a:t>Contracts can send messages to other contracts. </a:t>
-            </a:r>
-          </a:p>
-          <a:p>
-            <a:r>
-              <a:rPr lang="en-US" sz="2000" dirty="0"/>
-              <a:t>Messages only exist in the execution environment and are never stored. </a:t>
-            </a:r>
-          </a:p>
-          <a:p>
-            <a:r>
-              <a:rPr lang="en-US" sz="2000" dirty="0"/>
-              <a:t>Messages are similar to transactions; however, the main difference is that they are produced by the contracts, whereas transactions are produced by entities external (externally owned accounts) to the </a:t>
-            </a:r>
-            <a:r>
-              <a:rPr lang="en-US" sz="2000" dirty="0" err="1"/>
-              <a:t>Ethereum</a:t>
-            </a:r>
-            <a:r>
-              <a:rPr lang="en-US" sz="2000" dirty="0"/>
-              <a:t> environment.</a:t>
-            </a:r>
-          </a:p>
-        </p:txBody>
-      </p:sp>
-    </p:spTree>
-    <p:extLst>
-      <p:ext uri="{BB962C8B-B14F-4D97-AF65-F5344CB8AC3E}">
-        <p14:creationId xmlns:p14="http://schemas.microsoft.com/office/powerpoint/2010/main" val="1906827993"/>
-      </p:ext>
-    </p:extLst>
-  </p:cSld>
-  <p:clrMapOvr>
-    <a:masterClrMapping/>
-  </p:clrMapOvr>
-</p:sld>
-</file>
-
-<file path=ppt/slides/slide118.xml><?xml version="1.0" encoding="utf-8"?>
-<p:sld xmlns:a="http://schemas.openxmlformats.org/drawingml/2006/main" xmlns:r="http://schemas.openxmlformats.org/officeDocument/2006/relationships" xmlns:p="http://schemas.openxmlformats.org/presentationml/2006/main">
-  <p:cSld>
-    <p:spTree>
-      <p:nvGrpSpPr>
-        <p:cNvPr id="1" name=""/>
-        <p:cNvGrpSpPr/>
-        <p:nvPr/>
-      </p:nvGrpSpPr>
-      <p:grpSpPr>
-        <a:xfrm>
-          <a:off x="0" y="0"/>
-          <a:ext cx="0" cy="0"/>
-          <a:chOff x="0" y="0"/>
-          <a:chExt cx="0" cy="0"/>
-        </a:xfrm>
-      </p:grpSpPr>
-      <p:sp>
-        <p:nvSpPr>
-          <p:cNvPr id="2" name="Title 1"/>
-          <p:cNvSpPr>
-            <a:spLocks noGrp="1"/>
-          </p:cNvSpPr>
-          <p:nvPr>
-            <p:ph type="title"/>
-          </p:nvPr>
-        </p:nvSpPr>
-        <p:spPr/>
-        <p:txBody>
-          <a:bodyPr/>
-          <a:lstStyle/>
-          <a:p>
-            <a:r>
-              <a:rPr lang="en-US" dirty="0"/>
-              <a:t>Messages</a:t>
-            </a:r>
-          </a:p>
-        </p:txBody>
-      </p:sp>
-      <p:sp>
-        <p:nvSpPr>
-          <p:cNvPr id="3" name="Content Placeholder 2"/>
-          <p:cNvSpPr>
-            <a:spLocks noGrp="1"/>
-          </p:cNvSpPr>
-          <p:nvPr>
-            <p:ph idx="1"/>
-          </p:nvPr>
-        </p:nvSpPr>
-        <p:spPr/>
-        <p:txBody>
-          <a:bodyPr>
-            <a:normAutofit/>
-          </a:bodyPr>
-          <a:lstStyle/>
-          <a:p>
-            <a:r>
-              <a:rPr lang="en-US" sz="2400" dirty="0"/>
-              <a:t>A message consists of the components mentioned here:</a:t>
-            </a:r>
-          </a:p>
-          <a:p>
-            <a:pPr lvl="1"/>
-            <a:r>
-              <a:rPr lang="en-US" sz="2000" dirty="0"/>
-              <a:t>Sender of the message</a:t>
-            </a:r>
-          </a:p>
-          <a:p>
-            <a:pPr lvl="1"/>
-            <a:r>
-              <a:rPr lang="en-US" sz="2000" dirty="0"/>
-              <a:t>Recipient of the message</a:t>
-            </a:r>
-          </a:p>
-          <a:p>
-            <a:pPr lvl="1"/>
-            <a:r>
-              <a:rPr lang="en-US" sz="2000" dirty="0"/>
-              <a:t>Amount of Wei to transfer and message to the contract address</a:t>
-            </a:r>
-          </a:p>
-          <a:p>
-            <a:pPr lvl="1"/>
-            <a:r>
-              <a:rPr lang="en-US" sz="2000" dirty="0"/>
-              <a:t>Optional data field (Input data for the contract)</a:t>
-            </a:r>
-          </a:p>
-          <a:p>
-            <a:pPr lvl="1"/>
-            <a:r>
-              <a:rPr lang="en-US" sz="2000" dirty="0"/>
-              <a:t>Maximum amount of gas that can be consumed</a:t>
-            </a:r>
-          </a:p>
-          <a:p>
-            <a:r>
-              <a:rPr lang="en-US" sz="2400" dirty="0"/>
-              <a:t>Messages are generated when CALL or DELEGATECALL Opcodes are executed by the contracts.</a:t>
-            </a:r>
-          </a:p>
-        </p:txBody>
-      </p:sp>
-    </p:spTree>
-    <p:extLst>
-      <p:ext uri="{BB962C8B-B14F-4D97-AF65-F5344CB8AC3E}">
-        <p14:creationId xmlns:p14="http://schemas.microsoft.com/office/powerpoint/2010/main" val="2912648374"/>
-      </p:ext>
-    </p:extLst>
-  </p:cSld>
-  <p:clrMapOvr>
-    <a:masterClrMapping/>
-  </p:clrMapOvr>
-</p:sld>
-</file>
-
-<file path=ppt/slides/slide119.xml><?xml version="1.0" encoding="utf-8"?>
-<p:sld xmlns:a="http://schemas.openxmlformats.org/drawingml/2006/main" xmlns:r="http://schemas.openxmlformats.org/officeDocument/2006/relationships" xmlns:p="http://schemas.openxmlformats.org/presentationml/2006/main">
-  <p:cSld>
-    <p:spTree>
-      <p:nvGrpSpPr>
-        <p:cNvPr id="1" name=""/>
-        <p:cNvGrpSpPr/>
-        <p:nvPr/>
-      </p:nvGrpSpPr>
-      <p:grpSpPr>
-        <a:xfrm>
-          <a:off x="0" y="0"/>
-          <a:ext cx="0" cy="0"/>
-          <a:chOff x="0" y="0"/>
-          <a:chExt cx="0" cy="0"/>
-        </a:xfrm>
-      </p:grpSpPr>
-      <p:sp>
-        <p:nvSpPr>
-          <p:cNvPr id="2" name="Title 1"/>
-          <p:cNvSpPr>
-            <a:spLocks noGrp="1"/>
-          </p:cNvSpPr>
-          <p:nvPr>
-            <p:ph type="title"/>
-          </p:nvPr>
-        </p:nvSpPr>
-        <p:spPr>
-          <a:xfrm>
-            <a:off x="2033336" y="0"/>
-            <a:ext cx="8911687" cy="1280890"/>
-          </a:xfrm>
-        </p:spPr>
-        <p:txBody>
-          <a:bodyPr/>
-          <a:lstStyle/>
-          <a:p>
-            <a:r>
-              <a:rPr lang="en-US" b="1" dirty="0"/>
-              <a:t>Calls</a:t>
-            </a:r>
-            <a:endParaRPr lang="en-US" dirty="0"/>
-          </a:p>
-        </p:txBody>
-      </p:sp>
-      <p:sp>
-        <p:nvSpPr>
-          <p:cNvPr id="3" name="Content Placeholder 2"/>
-          <p:cNvSpPr>
-            <a:spLocks noGrp="1"/>
-          </p:cNvSpPr>
-          <p:nvPr>
-            <p:ph idx="1"/>
-          </p:nvPr>
-        </p:nvSpPr>
-        <p:spPr>
-          <a:xfrm>
-            <a:off x="1687367" y="518598"/>
-            <a:ext cx="9603623" cy="3777622"/>
-          </a:xfrm>
-        </p:spPr>
-        <p:txBody>
-          <a:bodyPr>
-            <a:noAutofit/>
-          </a:bodyPr>
-          <a:lstStyle/>
-          <a:p>
-            <a:r>
-              <a:rPr lang="en-US" sz="2000" dirty="0"/>
-              <a:t>A call does not broadcast anything to the </a:t>
-            </a:r>
-            <a:r>
-              <a:rPr lang="en-US" sz="2000" dirty="0" err="1"/>
-              <a:t>blockchain</a:t>
-            </a:r>
-            <a:r>
-              <a:rPr lang="en-US" sz="2000" dirty="0"/>
-              <a:t>; instead, it is a local call to a contract function and runs locally on the node.</a:t>
-            </a:r>
-          </a:p>
-          <a:p>
-            <a:r>
-              <a:rPr lang="en-US" sz="2000" dirty="0"/>
-              <a:t> It is almost like a local function call.</a:t>
-            </a:r>
-          </a:p>
-          <a:p>
-            <a:r>
-              <a:rPr lang="en-US" sz="2000" dirty="0"/>
-              <a:t> It does not consume any gas as it is a read-only operation. It is akin to a dry run. </a:t>
-            </a:r>
-          </a:p>
-          <a:p>
-            <a:r>
-              <a:rPr lang="en-US" sz="2000" dirty="0"/>
-              <a:t>Calls are executed locally on a node and generally do not result in any state change. </a:t>
-            </a:r>
-          </a:p>
-          <a:p>
-            <a:r>
-              <a:rPr lang="en-US" sz="2000" dirty="0"/>
-              <a:t>As defined in the yellow paper, this is the act of passing a message from one account to another. </a:t>
-            </a:r>
-          </a:p>
-          <a:p>
-            <a:r>
-              <a:rPr lang="en-US" sz="2000" dirty="0"/>
-              <a:t>If the destination account has an associated EVM code, then the virtual machine will start upon the receipt of the message to perform the required operations. </a:t>
-            </a:r>
-          </a:p>
-          <a:p>
-            <a:r>
-              <a:rPr lang="en-US" sz="2000" dirty="0"/>
-              <a:t>If the message sender is an autonomous object, then the call passes any data returned from the virtual machine operation.</a:t>
-            </a:r>
-          </a:p>
-          <a:p>
-            <a:r>
-              <a:rPr lang="en-US" sz="2000" dirty="0"/>
-              <a:t>State is altered by transactions. </a:t>
-            </a:r>
-          </a:p>
-          <a:p>
-            <a:r>
-              <a:rPr lang="en-US" sz="2000" dirty="0"/>
-              <a:t>These are created by external factors and are signed and then broadcasted to the </a:t>
-            </a:r>
-            <a:r>
-              <a:rPr lang="en-US" sz="2000" dirty="0" err="1"/>
-              <a:t>Ethereum</a:t>
-            </a:r>
-            <a:r>
-              <a:rPr lang="en-US" sz="2000" dirty="0"/>
-              <a:t> network.</a:t>
-            </a:r>
-          </a:p>
-        </p:txBody>
-      </p:sp>
-    </p:spTree>
-    <p:extLst>
-      <p:ext uri="{BB962C8B-B14F-4D97-AF65-F5344CB8AC3E}">
-        <p14:creationId xmlns:p14="http://schemas.microsoft.com/office/powerpoint/2010/main" val="3277111284"/>
-      </p:ext>
-    </p:extLst>
-  </p:cSld>
-  <p:clrMapOvr>
-    <a:masterClrMapping/>
-  </p:clrMapOvr>
-</p:sld>
-</file>
-
 <file path=ppt/slides/slide12.xml><?xml version="1.0" encoding="utf-8"?>
 <p:sld xmlns:a="http://schemas.openxmlformats.org/drawingml/2006/main" xmlns:r="http://schemas.openxmlformats.org/officeDocument/2006/relationships" xmlns:p="http://schemas.openxmlformats.org/presentationml/2006/main">
   <p:cSld>
@@ -12197,7 +12347,7 @@
           <a:p>
             <a:r>
               <a:rPr lang="en-US" b="1" dirty="0"/>
-              <a:t>Mining</a:t>
+              <a:t>Fee schedule</a:t>
             </a:r>
             <a:endParaRPr lang="en-US" dirty="0"/>
           </a:p>
@@ -12213,7 +12363,12 @@
             <p:ph idx="1"/>
           </p:nvPr>
         </p:nvSpPr>
-        <p:spPr/>
+        <p:spPr>
+          <a:xfrm>
+            <a:off x="1924193" y="1801091"/>
+            <a:ext cx="8915400" cy="3777622"/>
+          </a:xfrm>
+        </p:spPr>
         <p:txBody>
           <a:bodyPr>
             <a:normAutofit/>
@@ -12221,28 +12376,29 @@
           <a:lstStyle/>
           <a:p>
             <a:r>
-              <a:rPr lang="en-US" sz="2400" dirty="0"/>
-              <a:t>Mining is the process by which new currency is added to the </a:t>
-            </a:r>
-            <a:r>
-              <a:rPr lang="en-US" sz="2400" dirty="0" err="1"/>
-              <a:t>blockchain</a:t>
-            </a:r>
-            <a:r>
-              <a:rPr lang="en-US" sz="2400" dirty="0"/>
-              <a:t>. </a:t>
-            </a:r>
-          </a:p>
-          <a:p>
-            <a:r>
-              <a:rPr lang="en-US" sz="2400" dirty="0"/>
-              <a:t>This is an incentive for the miners to validate and verify blocks made up of transactions.</a:t>
-            </a:r>
-          </a:p>
-          <a:p>
-            <a:r>
-              <a:rPr lang="en-US" sz="2400" dirty="0"/>
-              <a:t> The mining process helps secure the network by verifying computations.</a:t>
+              <a:rPr lang="en-US" sz="3200" dirty="0"/>
+              <a:t>Gas is charged in three scenarios as a prerequisite to the execution of an operation:</a:t>
+            </a:r>
+          </a:p>
+          <a:p>
+            <a:pPr lvl="1"/>
+            <a:r>
+              <a:rPr lang="en-US" sz="2800" dirty="0"/>
+              <a:t>The computation of an operation</a:t>
+            </a:r>
+          </a:p>
+          <a:p>
+            <a:pPr lvl="1"/>
+            <a:r>
+              <a:rPr lang="en-US" sz="2800" dirty="0"/>
+              <a:t>For contract creation or message call</a:t>
+            </a:r>
+          </a:p>
+          <a:p>
+            <a:pPr lvl="1"/>
+            <a:r>
+              <a:rPr lang="en-US" sz="2800" dirty="0"/>
+              <a:t>Increase in the usage of memory</a:t>
             </a:r>
           </a:p>
         </p:txBody>
@@ -12250,7 +12406,7 @@
     </p:spTree>
     <p:extLst>
       <p:ext uri="{BB962C8B-B14F-4D97-AF65-F5344CB8AC3E}">
-        <p14:creationId xmlns:p14="http://schemas.microsoft.com/office/powerpoint/2010/main" val="3027619575"/>
+        <p14:creationId xmlns:p14="http://schemas.microsoft.com/office/powerpoint/2010/main" val="385087486"/>
       </p:ext>
     </p:extLst>
   </p:cSld>
@@ -12287,16 +12443,20 @@
             <p:ph type="title"/>
           </p:nvPr>
         </p:nvSpPr>
-        <p:spPr/>
+        <p:spPr>
+          <a:xfrm>
+            <a:off x="2052598" y="0"/>
+            <a:ext cx="8911687" cy="1280890"/>
+          </a:xfrm>
+        </p:spPr>
         <p:txBody>
           <a:bodyPr/>
           <a:lstStyle/>
           <a:p>
             <a:r>
-              <a:rPr lang="en-US" b="1" dirty="0"/>
-              <a:t>Mining</a:t>
-            </a:r>
-            <a:endParaRPr lang="en-US" dirty="0"/>
+              <a:rPr lang="en-US" dirty="0"/>
+              <a:t>Messages</a:t>
+            </a:r>
           </a:p>
         </p:txBody>
       </p:sp>
@@ -12310,60 +12470,88 @@
             <p:ph idx="1"/>
           </p:nvPr>
         </p:nvSpPr>
-        <p:spPr/>
+        <p:spPr>
+          <a:xfrm>
+            <a:off x="1449387" y="640445"/>
+            <a:ext cx="10368539" cy="3777622"/>
+          </a:xfrm>
+        </p:spPr>
         <p:txBody>
           <a:bodyPr>
-            <a:normAutofit/>
+            <a:noAutofit/>
           </a:bodyPr>
           <a:lstStyle/>
           <a:p>
             <a:r>
               <a:rPr lang="en-US" sz="2400" dirty="0"/>
-              <a:t>At a theoretical level, a miner performs the following functions:</a:t>
+              <a:t>Messages are the </a:t>
+            </a:r>
+            <a:r>
+              <a:rPr lang="en-US" sz="2400" b="1" dirty="0"/>
+              <a:t>data and value that are passed between two accounts. </a:t>
+            </a:r>
+          </a:p>
+          <a:p>
+            <a:r>
+              <a:rPr lang="en-US" sz="2400" dirty="0"/>
+              <a:t>Message is a </a:t>
+            </a:r>
+            <a:r>
+              <a:rPr lang="en-US" sz="2400" b="1" dirty="0"/>
+              <a:t>data packet </a:t>
+            </a:r>
+            <a:r>
+              <a:rPr lang="en-US" sz="2400" dirty="0"/>
+              <a:t>passed between two accounts. </a:t>
+            </a:r>
+          </a:p>
+          <a:p>
+            <a:r>
+              <a:rPr lang="en-US" sz="2400" dirty="0"/>
+              <a:t>This data packet  contains data and value (amount of ether).</a:t>
             </a:r>
           </a:p>
           <a:p>
             <a:pPr lvl="1"/>
             <a:r>
+              <a:rPr lang="en-US" sz="2400" dirty="0"/>
+              <a:t> It can either be sent via a smart contract (autonomous object) or from an external actor (externally owned account) in the form of a transaction that has been digitally signed by the sender.</a:t>
+            </a:r>
+          </a:p>
+          <a:p>
+            <a:r>
+              <a:rPr lang="en-US" sz="2400" b="1" dirty="0"/>
+              <a:t>Contracts can send messages to other contracts</a:t>
+            </a:r>
+            <a:r>
+              <a:rPr lang="en-US" sz="2400" dirty="0"/>
+              <a:t>. </a:t>
+            </a:r>
+          </a:p>
+          <a:p>
+            <a:r>
+              <a:rPr lang="en-US" sz="2400" dirty="0"/>
+              <a:t>Messages only exist in the execution environment and are never stored. </a:t>
+            </a:r>
+          </a:p>
+          <a:p>
+            <a:r>
+              <a:rPr lang="en-US" sz="2400" dirty="0"/>
+              <a:t>Messages are similar to transactions; </a:t>
+            </a:r>
+          </a:p>
+          <a:p>
+            <a:pPr lvl="1"/>
+            <a:r>
               <a:rPr lang="en-US" sz="2000" dirty="0"/>
-              <a:t>Listens for the transactions broadcasted on the </a:t>
-            </a:r>
-            <a:r>
-              <a:rPr lang="en-US" sz="2000" dirty="0" err="1"/>
-              <a:t>Ethereum</a:t>
-            </a:r>
+              <a:t>Messages are produced by the contracts, </a:t>
+            </a:r>
+          </a:p>
+          <a:p>
+            <a:pPr lvl="1"/>
             <a:r>
               <a:rPr lang="en-US" sz="2000" dirty="0"/>
-              <a:t> network and determines the transactions to be processed.</a:t>
-            </a:r>
-          </a:p>
-          <a:p>
-            <a:pPr lvl="1"/>
-            <a:r>
-              <a:rPr lang="en-US" sz="2000" dirty="0"/>
-              <a:t> Determines stale blocks called Uncles or </a:t>
-            </a:r>
-            <a:r>
-              <a:rPr lang="en-US" sz="2000" dirty="0" err="1"/>
-              <a:t>Ommers</a:t>
-            </a:r>
-            <a:r>
-              <a:rPr lang="en-US" sz="2000" dirty="0"/>
-              <a:t> and includes them in the block.</a:t>
-            </a:r>
-          </a:p>
-          <a:p>
-            <a:pPr lvl="1"/>
-            <a:r>
-              <a:rPr lang="en-US" sz="2000" dirty="0"/>
-              <a:t>Updates the account balance with the reward earned from successfully mining the block.</a:t>
-            </a:r>
-          </a:p>
-          <a:p>
-            <a:pPr lvl="1"/>
-            <a:r>
-              <a:rPr lang="en-US" sz="2000" dirty="0"/>
-              <a:t>Finally, a valid state is computed and block is finalized, which defines the result of all state transitions.</a:t>
+              <a:t>transactions are produced by entities external (externally owned accounts)</a:t>
             </a:r>
           </a:p>
         </p:txBody>
@@ -12371,7 +12559,7 @@
     </p:spTree>
     <p:extLst>
       <p:ext uri="{BB962C8B-B14F-4D97-AF65-F5344CB8AC3E}">
-        <p14:creationId xmlns:p14="http://schemas.microsoft.com/office/powerpoint/2010/main" val="706373095"/>
+        <p14:creationId xmlns:p14="http://schemas.microsoft.com/office/powerpoint/2010/main" val="1906827993"/>
       </p:ext>
     </p:extLst>
   </p:cSld>
@@ -12414,10 +12602,9 @@
           <a:lstStyle/>
           <a:p>
             <a:r>
-              <a:rPr lang="en-US" b="1" dirty="0"/>
-              <a:t>Mining</a:t>
-            </a:r>
-            <a:endParaRPr lang="en-US" dirty="0"/>
+              <a:rPr lang="en-US" dirty="0"/>
+              <a:t>Messages</a:t>
+            </a:r>
           </a:p>
         </p:txBody>
       </p:sp>
@@ -12433,59 +12620,60 @@
         </p:nvSpPr>
         <p:spPr>
           <a:xfrm>
-            <a:off x="2029654" y="1628633"/>
-            <a:ext cx="8915400" cy="3777622"/>
+            <a:off x="1508557" y="1904999"/>
+            <a:ext cx="9242570" cy="4066309"/>
           </a:xfrm>
         </p:spPr>
         <p:txBody>
           <a:bodyPr>
-            <a:noAutofit/>
+            <a:normAutofit/>
           </a:bodyPr>
           <a:lstStyle/>
           <a:p>
             <a:r>
+              <a:rPr lang="en-US" sz="2400" dirty="0"/>
+              <a:t>A message consists of the components mentioned here:</a:t>
+            </a:r>
+          </a:p>
+          <a:p>
+            <a:pPr lvl="1"/>
+            <a:r>
               <a:rPr lang="en-US" sz="2000" dirty="0"/>
-              <a:t>The current method of mining is based on Proof of Work, which is similar to that of bitcoin.</a:t>
-            </a:r>
-          </a:p>
-          <a:p>
+              <a:t>Sender of the message</a:t>
+            </a:r>
+          </a:p>
+          <a:p>
+            <a:pPr lvl="1"/>
             <a:r>
               <a:rPr lang="en-US" sz="2000" dirty="0"/>
-              <a:t>When a block is deemed valid, it has to satisfy not only the general consistency requirements, but it must also contain the Proof of Work for a given difficulty.</a:t>
-            </a:r>
-          </a:p>
-          <a:p>
+              <a:t>Recipient of the message</a:t>
+            </a:r>
+          </a:p>
+          <a:p>
+            <a:pPr lvl="1"/>
             <a:r>
               <a:rPr lang="en-US" sz="2000" dirty="0"/>
-              <a:t>The Proof of Work algorithm is due to be replaced with the Proof of Stake algorithm with the release of serenity. </a:t>
-            </a:r>
-          </a:p>
-          <a:p>
+              <a:t>Amount of Wei to transfer and message to the contract address</a:t>
+            </a:r>
+          </a:p>
+          <a:p>
+            <a:pPr lvl="1"/>
             <a:r>
               <a:rPr lang="en-US" sz="2000" dirty="0"/>
-              <a:t>An Algorithm named Casper has been developed, which will replace the existing Proof of Work algorithm in </a:t>
-            </a:r>
-            <a:r>
-              <a:rPr lang="en-US" sz="2000" dirty="0" err="1"/>
-              <a:t>Ethereum</a:t>
-            </a:r>
+              <a:t>Optional data field (Input data for the contract)</a:t>
+            </a:r>
+          </a:p>
+          <a:p>
+            <a:pPr lvl="1"/>
             <a:r>
               <a:rPr lang="en-US" sz="2000" dirty="0"/>
-              <a:t>. </a:t>
-            </a:r>
-          </a:p>
-          <a:p>
-            <a:pPr lvl="1"/>
-            <a:r>
-              <a:rPr lang="en-US" sz="1800" dirty="0"/>
-              <a:t>This is a security deposit based on the economic protocol where nodes are required to place a security deposit before they can produce blocks. </a:t>
-            </a:r>
-          </a:p>
-          <a:p>
-            <a:pPr lvl="1"/>
-            <a:r>
-              <a:rPr lang="en-US" sz="1800" dirty="0"/>
-              <a:t>Nodes have been named bonded validators in Casper, whereas the act of placing the security deposit is named bonding.</a:t>
+              <a:t>Maximum amount of gas that can be consumed</a:t>
+            </a:r>
+          </a:p>
+          <a:p>
+            <a:r>
+              <a:rPr lang="en-US" sz="2400" dirty="0"/>
+              <a:t>Messages are generated when CALL or DELEGATECALL Opcodes are executed by the contracts.</a:t>
             </a:r>
           </a:p>
         </p:txBody>
@@ -12493,7 +12681,7 @@
     </p:spTree>
     <p:extLst>
       <p:ext uri="{BB962C8B-B14F-4D97-AF65-F5344CB8AC3E}">
-        <p14:creationId xmlns:p14="http://schemas.microsoft.com/office/powerpoint/2010/main" val="2452863437"/>
+        <p14:creationId xmlns:p14="http://schemas.microsoft.com/office/powerpoint/2010/main" val="2912648374"/>
       </p:ext>
     </p:extLst>
   </p:cSld>
@@ -12530,14 +12718,19 @@
             <p:ph type="title"/>
           </p:nvPr>
         </p:nvSpPr>
-        <p:spPr/>
+        <p:spPr>
+          <a:xfrm>
+            <a:off x="2033336" y="0"/>
+            <a:ext cx="8911687" cy="1280890"/>
+          </a:xfrm>
+        </p:spPr>
         <p:txBody>
           <a:bodyPr/>
           <a:lstStyle/>
           <a:p>
             <a:r>
-              <a:rPr lang="en-US" b="1" dirty="0" err="1"/>
-              <a:t>Ethash</a:t>
+              <a:rPr lang="en-US" b="1" dirty="0"/>
+              <a:t>Calls</a:t>
             </a:r>
             <a:endParaRPr lang="en-US" dirty="0"/>
           </a:p>
@@ -12553,58 +12746,81 @@
             <p:ph idx="1"/>
           </p:nvPr>
         </p:nvSpPr>
-        <p:spPr/>
+        <p:spPr>
+          <a:xfrm>
+            <a:off x="1687367" y="505035"/>
+            <a:ext cx="9603623" cy="3777622"/>
+          </a:xfrm>
+        </p:spPr>
         <p:txBody>
           <a:bodyPr>
-            <a:normAutofit/>
+            <a:noAutofit/>
           </a:bodyPr>
           <a:lstStyle/>
           <a:p>
             <a:r>
-              <a:rPr lang="en-US" sz="2400" b="1" dirty="0" err="1"/>
-              <a:t>Ethash</a:t>
+              <a:rPr lang="en-US" sz="2400" dirty="0"/>
+              <a:t>A call does not broadcast anything to the </a:t>
+            </a:r>
+            <a:r>
+              <a:rPr lang="en-US" sz="2400" dirty="0" err="1"/>
+              <a:t>blockchain</a:t>
+            </a:r>
+            <a:r>
+              <a:rPr lang="en-US" sz="2400" dirty="0"/>
+              <a:t>; instead</a:t>
             </a:r>
             <a:r>
               <a:rPr lang="en-US" sz="2400" b="1" dirty="0"/>
-              <a:t> </a:t>
-            </a:r>
-            <a:r>
-              <a:rPr lang="en-US" sz="2400" dirty="0"/>
-              <a:t>is the name of the Proof of Work algorithm used in </a:t>
-            </a:r>
-            <a:r>
-              <a:rPr lang="en-US" sz="2400" dirty="0" err="1"/>
-              <a:t>Ethereum</a:t>
-            </a:r>
-            <a:r>
-              <a:rPr lang="en-US" sz="2400" dirty="0"/>
-              <a:t>.</a:t>
-            </a:r>
-          </a:p>
-          <a:p>
-            <a:r>
-              <a:rPr lang="en-US" sz="2400" dirty="0"/>
-              <a:t> Originally, this was proposed as the Dagger-Hashimoto algorithm</a:t>
-            </a:r>
-          </a:p>
-          <a:p>
-            <a:r>
-              <a:rPr lang="en-US" sz="2400" dirty="0"/>
-              <a:t>Core idea behind mining is to find a nonce that once hashed the result in a predetermined difficulty level.</a:t>
-            </a:r>
-          </a:p>
-          <a:p>
-            <a:r>
-              <a:rPr lang="en-US" sz="2400" dirty="0"/>
-              <a:t> Initially, the difficulty was low when </a:t>
-            </a:r>
-            <a:r>
-              <a:rPr lang="en-US" sz="2400" dirty="0" err="1"/>
-              <a:t>Ethereum</a:t>
-            </a:r>
-            <a:r>
-              <a:rPr lang="en-US" sz="2400" dirty="0"/>
-              <a:t> was new and even CPU and single GPU mining was profitable to a certain extent, but that is no longer the case. </a:t>
+              <a:t>, it is a local call to a contract function </a:t>
+            </a:r>
+            <a:r>
+              <a:rPr lang="en-US" sz="2400" dirty="0"/>
+              <a:t>and runs locally on the node.</a:t>
+            </a:r>
+          </a:p>
+          <a:p>
+            <a:pPr lvl="1"/>
+            <a:r>
+              <a:rPr lang="en-US" sz="2000" dirty="0"/>
+              <a:t>It is almost like a local function call.</a:t>
+            </a:r>
+          </a:p>
+          <a:p>
+            <a:r>
+              <a:rPr lang="en-US" sz="2400" dirty="0"/>
+              <a:t> It does not consume any gas as it is a read-only operation. </a:t>
+            </a:r>
+          </a:p>
+          <a:p>
+            <a:r>
+              <a:rPr lang="en-US" sz="2400" dirty="0"/>
+              <a:t>Calls are executed locally on a node and generally do not result in any state change. </a:t>
+            </a:r>
+          </a:p>
+          <a:p>
+            <a:pPr lvl="1"/>
+            <a:r>
+              <a:rPr lang="en-US" sz="2000" dirty="0"/>
+              <a:t>this is the act of passing a message from one account to another. </a:t>
+            </a:r>
+          </a:p>
+          <a:p>
+            <a:r>
+              <a:rPr lang="en-US" sz="2400" dirty="0"/>
+              <a:t>If the destination account has an associated EVM code, then the virtual machine will start upon the receipt of the message to perform the required operations. </a:t>
+            </a:r>
+          </a:p>
+          <a:p>
+            <a:r>
+              <a:rPr lang="en-US" sz="2400" dirty="0"/>
+              <a:t>If the message sender is an autonomous object, then the call passes any data returned from the virtual machine operation.</a:t>
+            </a:r>
+          </a:p>
+          <a:p>
+            <a:r>
+              <a:rPr lang="en-US" sz="2400" dirty="0"/>
+              <a:t>State is altered by transactions. </a:t>
             </a:r>
           </a:p>
         </p:txBody>
@@ -12612,7 +12828,7 @@
     </p:spTree>
     <p:extLst>
       <p:ext uri="{BB962C8B-B14F-4D97-AF65-F5344CB8AC3E}">
-        <p14:creationId xmlns:p14="http://schemas.microsoft.com/office/powerpoint/2010/main" val="3506138189"/>
+        <p14:creationId xmlns:p14="http://schemas.microsoft.com/office/powerpoint/2010/main" val="3277111284"/>
       </p:ext>
     </p:extLst>
   </p:cSld>
@@ -12649,129 +12865,65 @@
             <p:ph type="title"/>
           </p:nvPr>
         </p:nvSpPr>
+        <p:spPr/>
+        <p:txBody>
+          <a:bodyPr/>
+          <a:lstStyle/>
+          <a:p>
+            <a:r>
+              <a:rPr lang="en-US" b="1" dirty="0"/>
+              <a:t>Mining</a:t>
+            </a:r>
+            <a:endParaRPr lang="en-US" dirty="0"/>
+          </a:p>
+        </p:txBody>
+      </p:sp>
+      <p:sp>
+        <p:nvSpPr>
+          <p:cNvPr id="3" name="Content Placeholder 2"/>
+          <p:cNvSpPr>
+            <a:spLocks noGrp="1"/>
+          </p:cNvSpPr>
+          <p:nvPr>
+            <p:ph idx="1"/>
+          </p:nvPr>
+        </p:nvSpPr>
         <p:spPr>
           <a:xfrm>
-            <a:off x="2319970" y="282916"/>
-            <a:ext cx="8911687" cy="1280890"/>
-          </a:xfrm>
-        </p:spPr>
-        <p:txBody>
-          <a:bodyPr/>
-          <a:lstStyle/>
-          <a:p>
-            <a:r>
-              <a:rPr lang="en-US" b="1" dirty="0" err="1"/>
-              <a:t>Ethash</a:t>
-            </a:r>
-            <a:endParaRPr lang="en-US" dirty="0"/>
-          </a:p>
-        </p:txBody>
-      </p:sp>
-      <p:sp>
-        <p:nvSpPr>
-          <p:cNvPr id="3" name="Content Placeholder 2"/>
-          <p:cNvSpPr>
-            <a:spLocks noGrp="1"/>
-          </p:cNvSpPr>
-          <p:nvPr>
-            <p:ph idx="1"/>
-          </p:nvPr>
-        </p:nvSpPr>
-        <p:spPr>
-          <a:xfrm>
-            <a:off x="1988711" y="1059839"/>
+            <a:off x="1827212" y="1745673"/>
             <a:ext cx="8915400" cy="3777622"/>
           </a:xfrm>
         </p:spPr>
         <p:txBody>
           <a:bodyPr>
-            <a:noAutofit/>
+            <a:normAutofit/>
           </a:bodyPr>
           <a:lstStyle/>
           <a:p>
             <a:r>
-              <a:rPr lang="en-US" sz="2000" dirty="0" err="1"/>
-              <a:t>Ethash</a:t>
-            </a:r>
-            <a:r>
-              <a:rPr lang="en-US" sz="2000" dirty="0"/>
-              <a:t> is a memory-hard algorithm, which makes it difficult to be implemented on specialized hardware. </a:t>
-            </a:r>
-          </a:p>
-          <a:p>
-            <a:r>
-              <a:rPr lang="en-US" sz="2000" dirty="0"/>
-              <a:t>As in bitcoin, ASICs have been developed, which have resulted in mining centralization over the years, but memory-hard Proof of Work algorithms are one way of thwarting this threat and </a:t>
-            </a:r>
-            <a:r>
-              <a:rPr lang="en-US" sz="2000" dirty="0" err="1"/>
-              <a:t>Ethereum</a:t>
-            </a:r>
-            <a:r>
-              <a:rPr lang="en-US" sz="2000" dirty="0"/>
-              <a:t> implements </a:t>
-            </a:r>
-            <a:r>
-              <a:rPr lang="en-US" sz="2000" dirty="0" err="1"/>
-              <a:t>Ethash</a:t>
-            </a:r>
-            <a:r>
-              <a:rPr lang="en-US" sz="2000" dirty="0"/>
-              <a:t> to discourage ASIC development for mining. </a:t>
-            </a:r>
-          </a:p>
-          <a:p>
-            <a:r>
-              <a:rPr lang="en-US" sz="2000" dirty="0"/>
-              <a:t>This algorithm requires choosing subsets of a fixed resource called </a:t>
-            </a:r>
-            <a:r>
-              <a:rPr lang="en-US" sz="2000" b="1" dirty="0"/>
-              <a:t>DAG </a:t>
-            </a:r>
-            <a:r>
-              <a:rPr lang="en-US" sz="2000" dirty="0"/>
-              <a:t>(</a:t>
-            </a:r>
-            <a:r>
-              <a:rPr lang="en-US" sz="2000" b="1" dirty="0"/>
-              <a:t>Directed Acyclic Graph</a:t>
-            </a:r>
-            <a:r>
-              <a:rPr lang="en-US" sz="2000" dirty="0"/>
-              <a:t>) depending on the nonce and block headers. </a:t>
-            </a:r>
-          </a:p>
-          <a:p>
-            <a:r>
-              <a:rPr lang="en-US" sz="2000" dirty="0"/>
-              <a:t>DAG is around 2 GB in size and changes every 30000 blocks. </a:t>
-            </a:r>
-          </a:p>
-          <a:p>
-            <a:r>
-              <a:rPr lang="en-US" sz="2000" dirty="0"/>
-              <a:t>Mining can only start when DAG is completely generated the first time a mining node starts. </a:t>
-            </a:r>
-          </a:p>
-          <a:p>
-            <a:r>
-              <a:rPr lang="en-US" sz="2000" dirty="0"/>
-              <a:t>The time between every 30000 blocks is around 5.2 days and is called epoch. </a:t>
-            </a:r>
-          </a:p>
-          <a:p>
-            <a:r>
-              <a:rPr lang="en-US" sz="2000" dirty="0"/>
-              <a:t>This DAG is used as a seed by the Proof of Work algorithm called </a:t>
-            </a:r>
-            <a:r>
-              <a:rPr lang="en-US" sz="2000" dirty="0" err="1"/>
-              <a:t>Ethash</a:t>
-            </a:r>
-            <a:r>
-              <a:rPr lang="en-US" sz="2000" dirty="0"/>
+              <a:rPr lang="en-US" sz="2800" dirty="0"/>
+              <a:t>Mining is the process by which new currency is added to the </a:t>
+            </a:r>
+            <a:r>
+              <a:rPr lang="en-US" sz="2800" dirty="0" err="1"/>
+              <a:t>blockchain</a:t>
+            </a:r>
+            <a:r>
+              <a:rPr lang="en-US" sz="2800" dirty="0"/>
               <a:t>. </a:t>
+            </a:r>
+          </a:p>
+          <a:p>
+            <a:pPr lvl="1"/>
+            <a:r>
+              <a:rPr lang="en-US" sz="2400" dirty="0"/>
+              <a:t>Incentive for the miners to validate and verify blocks made up of transactions.</a:t>
+            </a:r>
+          </a:p>
+          <a:p>
+            <a:r>
+              <a:rPr lang="en-US" sz="2800" dirty="0"/>
+              <a:t>Mining process helps secure the network by verifying computations.</a:t>
             </a:r>
           </a:p>
         </p:txBody>
@@ -12779,7 +12931,7 @@
     </p:spTree>
     <p:extLst>
       <p:ext uri="{BB962C8B-B14F-4D97-AF65-F5344CB8AC3E}">
-        <p14:creationId xmlns:p14="http://schemas.microsoft.com/office/powerpoint/2010/main" val="2910653518"/>
+        <p14:creationId xmlns:p14="http://schemas.microsoft.com/office/powerpoint/2010/main" val="3027619575"/>
       </p:ext>
     </p:extLst>
   </p:cSld>
@@ -12816,93 +12968,88 @@
             <p:ph type="title"/>
           </p:nvPr>
         </p:nvSpPr>
+        <p:spPr/>
+        <p:txBody>
+          <a:bodyPr/>
+          <a:lstStyle/>
+          <a:p>
+            <a:r>
+              <a:rPr lang="en-US" b="1" dirty="0"/>
+              <a:t>Mining</a:t>
+            </a:r>
+            <a:endParaRPr lang="en-US" dirty="0"/>
+          </a:p>
+        </p:txBody>
+      </p:sp>
+      <p:sp>
+        <p:nvSpPr>
+          <p:cNvPr id="3" name="Content Placeholder 2"/>
+          <p:cNvSpPr>
+            <a:spLocks noGrp="1"/>
+          </p:cNvSpPr>
+          <p:nvPr>
+            <p:ph idx="1"/>
+          </p:nvPr>
+        </p:nvSpPr>
         <p:spPr>
           <a:xfrm>
-            <a:off x="2152484" y="310212"/>
-            <a:ext cx="8911687" cy="1280890"/>
+            <a:off x="1638300" y="1759526"/>
+            <a:ext cx="9431482" cy="4474363"/>
           </a:xfrm>
         </p:spPr>
         <p:txBody>
-          <a:bodyPr/>
-          <a:lstStyle/>
-          <a:p>
-            <a:r>
-              <a:rPr lang="en-US" b="1" dirty="0" err="1"/>
-              <a:t>Ethash</a:t>
-            </a:r>
-            <a:endParaRPr lang="en-US" dirty="0"/>
-          </a:p>
-        </p:txBody>
-      </p:sp>
-      <p:sp>
-        <p:nvSpPr>
-          <p:cNvPr id="3" name="Content Placeholder 2"/>
-          <p:cNvSpPr>
-            <a:spLocks noGrp="1"/>
-          </p:cNvSpPr>
-          <p:nvPr>
-            <p:ph idx="1"/>
-          </p:nvPr>
-        </p:nvSpPr>
-        <p:spPr>
-          <a:xfrm>
-            <a:off x="2152484" y="1264555"/>
-            <a:ext cx="8915400" cy="3777622"/>
-          </a:xfrm>
-        </p:spPr>
-        <p:txBody>
           <a:bodyPr>
-            <a:noAutofit/>
+            <a:normAutofit lnSpcReduction="10000"/>
           </a:bodyPr>
           <a:lstStyle/>
           <a:p>
             <a:r>
-              <a:rPr lang="en-US" sz="2000" dirty="0"/>
-              <a:t>The current reward scheme is 5 Ether for successfully finding a valid nonce. </a:t>
-            </a:r>
-          </a:p>
-          <a:p>
-            <a:r>
-              <a:rPr lang="en-US" sz="2000" dirty="0"/>
-              <a:t>In addition to receiving 5 Ethers, the successful miner also receives the cost of the gas consumed within the block and an additional reward for including stale blocks (Uncles) in the block. </a:t>
-            </a:r>
-          </a:p>
-          <a:p>
-            <a:r>
-              <a:rPr lang="en-US" sz="2000" dirty="0"/>
-              <a:t>A maximum of two Uncles are allowed per block and are rewarded 7/8 of the normal block reward.</a:t>
-            </a:r>
-          </a:p>
-          <a:p>
-            <a:r>
-              <a:rPr lang="en-US" sz="2000" dirty="0"/>
-              <a:t> In order to achieve a 12 second block time, block difficulty is adjusted at every block.</a:t>
-            </a:r>
-          </a:p>
-          <a:p>
-            <a:r>
-              <a:rPr lang="en-US" sz="2000" dirty="0"/>
-              <a:t> The rewards are directly proportional to the miner's hash rate, which basically means how fast a miner can hash.</a:t>
-            </a:r>
-          </a:p>
-          <a:p>
-            <a:r>
-              <a:rPr lang="en-US" sz="2000" dirty="0"/>
-              <a:t>Mining can be performed by simply joining the </a:t>
-            </a:r>
-            <a:r>
-              <a:rPr lang="en-US" sz="2000" dirty="0" err="1"/>
+              <a:rPr lang="en-US" sz="2800" dirty="0"/>
+              <a:t>At a theoretical level, a miner performs the following functions:</a:t>
+            </a:r>
+          </a:p>
+          <a:p>
+            <a:pPr lvl="1"/>
+            <a:r>
+              <a:rPr lang="en-US" sz="2400" dirty="0"/>
+              <a:t>Listens for the transactions broadcasted on the </a:t>
+            </a:r>
+            <a:r>
+              <a:rPr lang="en-US" sz="2400" dirty="0" err="1"/>
               <a:t>Ethereum</a:t>
             </a:r>
             <a:r>
-              <a:rPr lang="en-US" sz="2000" dirty="0"/>
-              <a:t> network and running an appropriate client. </a:t>
-            </a:r>
-          </a:p>
-          <a:p>
-            <a:r>
-              <a:rPr lang="en-US" sz="2000" dirty="0"/>
-              <a:t>The key requirement is that the node should be fully synced with the main network before mining can start.</a:t>
+              <a:rPr lang="en-US" sz="2400" dirty="0"/>
+              <a:t> network and determines the transactions to be processed.</a:t>
+            </a:r>
+          </a:p>
+          <a:p>
+            <a:pPr lvl="1"/>
+            <a:r>
+              <a:rPr lang="en-US" sz="2400" dirty="0"/>
+              <a:t> Determines stale blocks called Uncles or </a:t>
+            </a:r>
+            <a:r>
+              <a:rPr lang="en-US" sz="2400" dirty="0" err="1"/>
+              <a:t>Ommers</a:t>
+            </a:r>
+            <a:r>
+              <a:rPr lang="en-US" sz="2400" dirty="0"/>
+              <a:t> and includes them in the block.</a:t>
+            </a:r>
+          </a:p>
+          <a:p>
+            <a:pPr lvl="1"/>
+            <a:r>
+              <a:rPr lang="en-US" sz="2400" dirty="0"/>
+              <a:t>Updates the account balance with the reward earned from successfully mining the block.</a:t>
+            </a:r>
+          </a:p>
+          <a:p>
+            <a:pPr lvl="1"/>
+            <a:r>
+              <a:rPr lang="en-US" sz="2400" dirty="0"/>
+              <a:t>Finally, a valid state is computed and block is finalized, which defines the result of all state transitions.</a:t>
             </a:r>
           </a:p>
         </p:txBody>
@@ -12910,7 +13057,7 @@
     </p:spTree>
     <p:extLst>
       <p:ext uri="{BB962C8B-B14F-4D97-AF65-F5344CB8AC3E}">
-        <p14:creationId xmlns:p14="http://schemas.microsoft.com/office/powerpoint/2010/main" val="2038435946"/>
+        <p14:creationId xmlns:p14="http://schemas.microsoft.com/office/powerpoint/2010/main" val="706373095"/>
       </p:ext>
     </p:extLst>
   </p:cSld>
@@ -12949,7 +13096,7 @@
         </p:nvSpPr>
         <p:spPr>
           <a:xfrm>
-            <a:off x="1897039" y="0"/>
+            <a:off x="2274271" y="259299"/>
             <a:ext cx="8911687" cy="1280890"/>
           </a:xfrm>
         </p:spPr>
@@ -12959,7 +13106,7 @@
           <a:p>
             <a:r>
               <a:rPr lang="en-US" b="1" dirty="0"/>
-              <a:t>CPU mining</a:t>
+              <a:t>Mining</a:t>
             </a:r>
             <a:endParaRPr lang="en-US" dirty="0"/>
           </a:p>
@@ -12977,8 +13124,8 @@
         </p:nvSpPr>
         <p:spPr>
           <a:xfrm>
-            <a:off x="1446512" y="517615"/>
-            <a:ext cx="9812740" cy="4940490"/>
+            <a:off x="1638300" y="899744"/>
+            <a:ext cx="8915400" cy="3777622"/>
           </a:xfrm>
         </p:spPr>
         <p:txBody>
@@ -12988,121 +13135,64 @@
           <a:lstStyle/>
           <a:p>
             <a:r>
+              <a:rPr lang="en-US" sz="2400" dirty="0"/>
+              <a:t>The current method of mining is based on Proof of Work, which is similar to that of bitcoin.</a:t>
+            </a:r>
+          </a:p>
+          <a:p>
+            <a:r>
+              <a:rPr lang="en-US" sz="2400" dirty="0"/>
+              <a:t>When a block is deemed valid, it has to satisfy not only the general consistency requirements, but it must also contain the Proof of Work for a given difficulty.</a:t>
+            </a:r>
+          </a:p>
+          <a:p>
+            <a:r>
+              <a:rPr lang="en-US" sz="2400" dirty="0"/>
+              <a:t>The Proof of Work algorithm is due to be replaced with the Proof of Stake algorithm with the release of serenity. </a:t>
+            </a:r>
+          </a:p>
+          <a:p>
+            <a:r>
+              <a:rPr lang="en-US" sz="2400" dirty="0"/>
+              <a:t>An Algorithm named </a:t>
+            </a:r>
+            <a:r>
+              <a:rPr lang="en-US" sz="2400" b="1" dirty="0"/>
+              <a:t>Casper</a:t>
+            </a:r>
+            <a:r>
+              <a:rPr lang="en-US" sz="2400" dirty="0"/>
+              <a:t> has been developed, which will replace the existing Proof of Work algorithm in </a:t>
+            </a:r>
+            <a:r>
+              <a:rPr lang="en-US" sz="2400" dirty="0" err="1"/>
+              <a:t>Ethereum</a:t>
+            </a:r>
+            <a:r>
+              <a:rPr lang="en-US" sz="2400" dirty="0"/>
+              <a:t>. </a:t>
+            </a:r>
+          </a:p>
+          <a:p>
+            <a:pPr lvl="1"/>
+            <a:r>
               <a:rPr lang="en-US" sz="2000" dirty="0"/>
-              <a:t>Even though not profitable on the main net, CPU mining is still valuable on the test network or even a private network to experiment with mining and contract deployment.</a:t>
-            </a:r>
-          </a:p>
-          <a:p>
-            <a:r>
-              <a:rPr lang="en-US" sz="2000" dirty="0" err="1"/>
-              <a:t>Geth</a:t>
+              <a:t>This is a security deposit based on the economic protocol where nodes are required to place a security deposit before they can produce blocks. </a:t>
+            </a:r>
+          </a:p>
+          <a:p>
+            <a:pPr lvl="1"/>
+            <a:r>
+              <a:rPr lang="en-US" sz="2000" b="1" dirty="0"/>
+              <a:t>Nodes have been named bonded validators in Casper</a:t>
             </a:r>
             <a:r>
               <a:rPr lang="en-US" sz="2000" dirty="0"/>
-              <a:t> can be started with mine switch in order to start mining:</a:t>
-            </a:r>
-          </a:p>
-          <a:p>
-            <a:pPr lvl="1"/>
-            <a:r>
-              <a:rPr lang="en-US" sz="1800" b="1" dirty="0" err="1"/>
-              <a:t>geth</a:t>
-            </a:r>
-            <a:r>
-              <a:rPr lang="en-US" sz="1800" b="1" dirty="0"/>
-              <a:t> --mine --</a:t>
-            </a:r>
-            <a:r>
-              <a:rPr lang="en-US" sz="1800" b="1" dirty="0" err="1"/>
-              <a:t>minerthreads</a:t>
-            </a:r>
-            <a:r>
-              <a:rPr lang="en-US" sz="1800" b="1" dirty="0"/>
-              <a:t> &lt;n&gt;</a:t>
-            </a:r>
-          </a:p>
-          <a:p>
-            <a:r>
-              <a:rPr lang="en-US" sz="2000" dirty="0"/>
-              <a:t>CPU mining can also be started using the web 3 </a:t>
-            </a:r>
-            <a:r>
-              <a:rPr lang="en-US" sz="2000" dirty="0" err="1"/>
-              <a:t>geth</a:t>
-            </a:r>
-            <a:r>
-              <a:rPr lang="en-US" sz="2000" dirty="0"/>
-              <a:t> console. </a:t>
-            </a:r>
-            <a:r>
-              <a:rPr lang="en-US" sz="2000" dirty="0" err="1"/>
-              <a:t>Geth</a:t>
-            </a:r>
-            <a:r>
-              <a:rPr lang="en-US" sz="2000" dirty="0"/>
-              <a:t> console can be started by issuing the following command:</a:t>
-            </a:r>
-          </a:p>
-          <a:p>
-            <a:pPr lvl="1"/>
-            <a:r>
-              <a:rPr lang="en-US" sz="1800" b="1" dirty="0" err="1"/>
-              <a:t>geth</a:t>
-            </a:r>
-            <a:r>
-              <a:rPr lang="en-US" sz="1800" b="1" dirty="0"/>
-              <a:t> attach</a:t>
-            </a:r>
-          </a:p>
-          <a:p>
-            <a:r>
-              <a:rPr lang="en-US" sz="2000" dirty="0"/>
-              <a:t>After this, the miner can be started by issuing the following command, which will return true if successful, or false otherwise</a:t>
-            </a:r>
-          </a:p>
-          <a:p>
-            <a:r>
-              <a:rPr lang="en-US" sz="2000" b="1" dirty="0" err="1"/>
-              <a:t>Miner.start</a:t>
+              <a:t>, whereas the act of placing the security deposit is named </a:t>
             </a:r>
             <a:r>
               <a:rPr lang="en-US" sz="2000" b="1" dirty="0"/>
-              <a:t>(4)</a:t>
-            </a:r>
-          </a:p>
-          <a:p>
-            <a:pPr lvl="2"/>
-            <a:r>
-              <a:rPr lang="en-US" sz="1600" b="1" dirty="0"/>
-              <a:t>True</a:t>
-            </a:r>
-          </a:p>
-          <a:p>
-            <a:pPr lvl="1"/>
-            <a:r>
-              <a:rPr lang="en-US" sz="1800" dirty="0"/>
-              <a:t>The preceding command will start the miner with four threads. </a:t>
-            </a:r>
-          </a:p>
-          <a:p>
-            <a:r>
-              <a:rPr lang="en-US" sz="2000" b="1" dirty="0" err="1"/>
-              <a:t>Miner.stop</a:t>
-            </a:r>
-            <a:endParaRPr lang="en-US" sz="2000" b="1" dirty="0"/>
-          </a:p>
-          <a:p>
-            <a:pPr lvl="1"/>
-            <a:r>
-              <a:rPr lang="en-US" sz="1800" b="1" dirty="0"/>
-              <a:t>True</a:t>
-            </a:r>
-          </a:p>
-          <a:p>
-            <a:pPr lvl="1"/>
-            <a:r>
-              <a:rPr lang="en-US" sz="1800" dirty="0"/>
-              <a:t>The preceding command will stop the miner. The command will return true if successful</a:t>
+              <a:t>bonding.</a:t>
             </a:r>
           </a:p>
         </p:txBody>
@@ -13110,7 +13200,7 @@
     </p:spTree>
     <p:extLst>
       <p:ext uri="{BB962C8B-B14F-4D97-AF65-F5344CB8AC3E}">
-        <p14:creationId xmlns:p14="http://schemas.microsoft.com/office/powerpoint/2010/main" val="2590615903"/>
+        <p14:creationId xmlns:p14="http://schemas.microsoft.com/office/powerpoint/2010/main" val="2452863437"/>
       </p:ext>
     </p:extLst>
   </p:cSld>
@@ -13153,9 +13243,10 @@
           <a:lstStyle/>
           <a:p>
             <a:r>
-              <a:rPr lang="en-US" dirty="0"/>
-              <a:t>GPU mining</a:t>
-            </a:r>
+              <a:rPr lang="en-US" b="1" dirty="0" err="1"/>
+              <a:t>Ethash</a:t>
+            </a:r>
+            <a:endParaRPr lang="en-US" dirty="0"/>
           </a:p>
         </p:txBody>
       </p:sp>
@@ -13171,124 +13262,71 @@
         </p:nvSpPr>
         <p:spPr>
           <a:xfrm>
-            <a:off x="2316256" y="1546747"/>
-            <a:ext cx="8915400" cy="3777622"/>
+            <a:off x="1498022" y="1474853"/>
+            <a:ext cx="9419360" cy="4759037"/>
           </a:xfrm>
         </p:spPr>
         <p:txBody>
           <a:bodyPr>
-            <a:noAutofit/>
+            <a:normAutofit fontScale="92500" lnSpcReduction="10000"/>
           </a:bodyPr>
           <a:lstStyle/>
           <a:p>
             <a:r>
-              <a:rPr lang="en-US" sz="2400" dirty="0"/>
-              <a:t>At a basic level, GPU mining can be performed easily by running two commands:</a:t>
-            </a:r>
-          </a:p>
-          <a:p>
-            <a:pPr lvl="1"/>
-            <a:r>
-              <a:rPr lang="en-US" sz="2000" dirty="0" err="1"/>
-              <a:t>geth</a:t>
-            </a:r>
-            <a:r>
-              <a:rPr lang="en-US" sz="2000" dirty="0"/>
-              <a:t> –</a:t>
-            </a:r>
-            <a:r>
-              <a:rPr lang="en-US" sz="2000" dirty="0" err="1"/>
-              <a:t>rpc</a:t>
-            </a:r>
-            <a:endParaRPr lang="en-US" sz="2000" dirty="0"/>
-          </a:p>
-          <a:p>
-            <a:r>
-              <a:rPr lang="en-US" sz="2400" dirty="0"/>
-              <a:t>Once </a:t>
-            </a:r>
-            <a:r>
-              <a:rPr lang="en-US" sz="2400" dirty="0" err="1"/>
-              <a:t>geth</a:t>
-            </a:r>
-            <a:r>
-              <a:rPr lang="en-US" sz="2400" dirty="0"/>
-              <a:t> is up and running and the </a:t>
-            </a:r>
-            <a:r>
-              <a:rPr lang="en-US" sz="2400" dirty="0" err="1"/>
-              <a:t>blockchain</a:t>
-            </a:r>
-            <a:r>
-              <a:rPr lang="en-US" sz="2400" dirty="0"/>
-              <a:t> is fully downloaded, </a:t>
-            </a:r>
-            <a:r>
-              <a:rPr lang="en-US" sz="2400" dirty="0" err="1"/>
-              <a:t>Ethminer</a:t>
-            </a:r>
-            <a:r>
-              <a:rPr lang="en-US" sz="2400" dirty="0"/>
-              <a:t> can be run in order to start mining. </a:t>
-            </a:r>
-          </a:p>
-          <a:p>
-            <a:r>
-              <a:rPr lang="en-US" sz="2400" dirty="0" err="1"/>
-              <a:t>Ethminer</a:t>
-            </a:r>
-            <a:r>
-              <a:rPr lang="en-US" sz="2400" dirty="0"/>
-              <a:t> is a standalone miner that can also be used in the farm mode to contribute to mining pools. </a:t>
-            </a:r>
-          </a:p>
-          <a:p>
-            <a:r>
-              <a:rPr lang="en-US" sz="2400" dirty="0"/>
-              <a:t>It can be downloaded from h t </a:t>
-            </a:r>
-            <a:r>
-              <a:rPr lang="en-US" sz="2400" dirty="0" err="1"/>
-              <a:t>t</a:t>
-            </a:r>
-            <a:r>
-              <a:rPr lang="en-US" sz="2400" dirty="0"/>
-              <a:t> p s ://g </a:t>
-            </a:r>
-            <a:r>
-              <a:rPr lang="en-US" sz="2400" dirty="0" err="1"/>
-              <a:t>i</a:t>
-            </a:r>
-            <a:r>
-              <a:rPr lang="en-US" sz="2400" dirty="0"/>
-              <a:t> t h u b . c o m /G e n oi l /c p </a:t>
-            </a:r>
-            <a:r>
-              <a:rPr lang="en-US" sz="2400" dirty="0" err="1"/>
-              <a:t>p</a:t>
-            </a:r>
-            <a:r>
-              <a:rPr lang="en-US" sz="2400" dirty="0"/>
-              <a:t> - e t h e r e u m /t r e </a:t>
-            </a:r>
-            <a:r>
-              <a:rPr lang="en-US" sz="2400" dirty="0" err="1"/>
-              <a:t>e</a:t>
-            </a:r>
-            <a:r>
-              <a:rPr lang="en-US" sz="2400" dirty="0"/>
-              <a:t> /m a s t e r /r e l e a s e s :</a:t>
-            </a:r>
-          </a:p>
-          <a:p>
-            <a:pPr lvl="1"/>
-            <a:r>
-              <a:rPr lang="en-US" sz="2000" dirty="0" err="1"/>
-              <a:t>ethminer</a:t>
-            </a:r>
-            <a:r>
-              <a:rPr lang="en-US" sz="2000" dirty="0"/>
-              <a:t> -G</a:t>
+              <a:rPr lang="en-US" sz="2800" b="1" dirty="0" err="1"/>
+              <a:t>Ethash</a:t>
+            </a:r>
+            <a:r>
+              <a:rPr lang="en-US" sz="2800" b="1" dirty="0"/>
+              <a:t> </a:t>
+            </a:r>
+            <a:r>
+              <a:rPr lang="en-US" sz="2800" dirty="0"/>
+              <a:t>is the name of the Proof of Work algorithm used in </a:t>
+            </a:r>
+            <a:r>
+              <a:rPr lang="en-US" sz="2800" dirty="0" err="1"/>
+              <a:t>Ethereum</a:t>
+            </a:r>
+            <a:r>
+              <a:rPr lang="en-US" sz="2800" dirty="0"/>
+              <a:t>.</a:t>
+            </a:r>
+          </a:p>
+          <a:p>
+            <a:r>
+              <a:rPr lang="en-US" sz="2800" dirty="0"/>
+              <a:t> Originally, this was proposed as the Dagger-Hashimoto algorithm</a:t>
+            </a:r>
+          </a:p>
+          <a:p>
+            <a:r>
+              <a:rPr lang="en-US" sz="2800" dirty="0"/>
+              <a:t>Core idea behind mining is to find a nonce that once hashed the result in a predetermined difficulty level.</a:t>
+            </a:r>
+          </a:p>
+          <a:p>
+            <a:r>
+              <a:rPr lang="en-US" sz="2800" dirty="0"/>
+              <a:t> Initially, the difficulty was low when Ethereum was new and even CPU and single GPU mining was profitable to a certain extent, but that is no longer the case. </a:t>
+            </a:r>
+          </a:p>
+          <a:p>
+            <a:r>
+              <a:rPr lang="en-US" sz="2800" dirty="0" err="1"/>
+              <a:t>Ethash</a:t>
+            </a:r>
+            <a:r>
+              <a:rPr lang="en-US" sz="2800" dirty="0"/>
+              <a:t> is a </a:t>
+            </a:r>
+            <a:r>
+              <a:rPr lang="en-US" sz="2800" b="1" dirty="0"/>
+              <a:t>memory-hard algorithm</a:t>
+            </a:r>
+            <a:r>
+              <a:rPr lang="en-US" sz="2800" dirty="0"/>
+              <a:t>, which makes it difficult to be implemented on specialized hardware</a:t>
             </a:r>
           </a:p>
         </p:txBody>
@@ -13296,7 +13334,7 @@
     </p:spTree>
     <p:extLst>
       <p:ext uri="{BB962C8B-B14F-4D97-AF65-F5344CB8AC3E}">
-        <p14:creationId xmlns:p14="http://schemas.microsoft.com/office/powerpoint/2010/main" val="2287633705"/>
+        <p14:creationId xmlns:p14="http://schemas.microsoft.com/office/powerpoint/2010/main" val="3506138189"/>
       </p:ext>
     </p:extLst>
   </p:cSld>
@@ -13333,15 +13371,21 @@
             <p:ph type="title"/>
           </p:nvPr>
         </p:nvSpPr>
-        <p:spPr/>
+        <p:spPr>
+          <a:xfrm>
+            <a:off x="1890480" y="185934"/>
+            <a:ext cx="8911687" cy="1280890"/>
+          </a:xfrm>
+        </p:spPr>
         <p:txBody>
           <a:bodyPr/>
           <a:lstStyle/>
           <a:p>
             <a:r>
-              <a:rPr lang="en-US" dirty="0"/>
-              <a:t>GPU mining</a:t>
-            </a:r>
+              <a:rPr lang="en-US" b="1" dirty="0" err="1"/>
+              <a:t>Ethash</a:t>
+            </a:r>
+            <a:endParaRPr lang="en-US" dirty="0"/>
           </a:p>
         </p:txBody>
       </p:sp>
@@ -13355,7 +13399,12 @@
             <p:ph idx="1"/>
           </p:nvPr>
         </p:nvSpPr>
-        <p:spPr/>
+        <p:spPr>
+          <a:xfrm>
+            <a:off x="1886767" y="990566"/>
+            <a:ext cx="8915400" cy="3777622"/>
+          </a:xfrm>
+        </p:spPr>
         <p:txBody>
           <a:bodyPr>
             <a:noAutofit/>
@@ -13364,90 +13413,99 @@
           <a:p>
             <a:r>
               <a:rPr lang="en-US" sz="2000" dirty="0"/>
-              <a:t>GPU mining requires an AMD or </a:t>
+              <a:t>As in bitcoin, </a:t>
+            </a:r>
+            <a:r>
+              <a:rPr lang="en-US" sz="2000" b="1" dirty="0"/>
+              <a:t>ASICs have been developed</a:t>
+            </a:r>
+            <a:r>
+              <a:rPr lang="en-US" sz="2000" dirty="0"/>
+              <a:t>, which have resulted in mining centralization over the years</a:t>
+            </a:r>
+          </a:p>
+          <a:p>
+            <a:pPr lvl="1"/>
+            <a:r>
+              <a:rPr lang="en-US" sz="1800" dirty="0"/>
+              <a:t>But memory-hard Proof of Work algorithms are one way of thwarting this threat</a:t>
+            </a:r>
+          </a:p>
+          <a:p>
+            <a:pPr lvl="1"/>
+            <a:r>
+              <a:rPr lang="en-US" sz="1800" dirty="0"/>
+              <a:t>Ethereum implements </a:t>
+            </a:r>
+            <a:r>
+              <a:rPr lang="en-US" sz="1800" dirty="0" err="1"/>
+              <a:t>Ethash</a:t>
+            </a:r>
+            <a:r>
+              <a:rPr lang="en-US" sz="1800" dirty="0"/>
+              <a:t> to discourage ASIC development for mining. </a:t>
+            </a:r>
+          </a:p>
+          <a:p>
+            <a:r>
+              <a:rPr lang="en-US" sz="2000" dirty="0"/>
+              <a:t>This algorithm requires choosing subsets of a fixed resource called </a:t>
+            </a:r>
+            <a:r>
+              <a:rPr lang="en-US" sz="2000" b="1" dirty="0"/>
+              <a:t>DAG </a:t>
+            </a:r>
+            <a:r>
+              <a:rPr lang="en-US" sz="2000" dirty="0"/>
+              <a:t>(</a:t>
+            </a:r>
+            <a:r>
+              <a:rPr lang="en-US" sz="2000" b="1" dirty="0"/>
+              <a:t>Directed Acyclic Graph</a:t>
+            </a:r>
+            <a:r>
+              <a:rPr lang="en-US" sz="2000" dirty="0"/>
+              <a:t>) depending on the nonce and block headers. </a:t>
+            </a:r>
+          </a:p>
+          <a:p>
+            <a:r>
+              <a:rPr lang="en-US" sz="2000" dirty="0"/>
+              <a:t>DAG is around 2 GB in size and changes every 30000 blocks. </a:t>
+            </a:r>
+          </a:p>
+          <a:p>
+            <a:r>
+              <a:rPr lang="en-US" sz="2000" dirty="0"/>
+              <a:t>Mining can only start when DAG is completely generated the first time a mining node starts. </a:t>
+            </a:r>
+          </a:p>
+          <a:p>
+            <a:r>
+              <a:rPr lang="en-US" sz="2000" dirty="0"/>
+              <a:t>The time between every 30000 blocks is around 5.2 days and is called epoch. </a:t>
+            </a:r>
+          </a:p>
+          <a:p>
+            <a:r>
+              <a:rPr lang="en-US" sz="2000" dirty="0"/>
+              <a:t>This DAG is used as a seed by the Proof of Work algorithm called </a:t>
             </a:r>
             <a:r>
               <a:rPr lang="en-US" sz="2000" dirty="0" err="1"/>
-              <a:t>Nvidia</a:t>
+              <a:t>Ethash</a:t>
             </a:r>
             <a:r>
               <a:rPr lang="en-US" sz="2000" dirty="0"/>
-              <a:t> graphics card and an applicable </a:t>
-            </a:r>
-            <a:r>
-              <a:rPr lang="en-US" sz="2000" dirty="0" err="1"/>
-              <a:t>OpenCL</a:t>
-            </a:r>
-            <a:r>
-              <a:rPr lang="en-US" sz="2000" dirty="0"/>
-              <a:t> SDK.</a:t>
-            </a:r>
-          </a:p>
-          <a:p>
-            <a:r>
-              <a:rPr lang="en-US" sz="2000" dirty="0"/>
-              <a:t> For </a:t>
-            </a:r>
-            <a:r>
-              <a:rPr lang="pt-BR" sz="2000" dirty="0"/>
-              <a:t>NVidia chipset, it can downloaded from h t t p s ://d e v e l o p e r . n v i d i a . c o m /c u d a - d o w n l o a ds . </a:t>
-            </a:r>
-          </a:p>
-          <a:p>
-            <a:r>
-              <a:rPr lang="pt-BR" sz="2000" dirty="0"/>
-              <a:t>For AMD chipsets, it is available at h t t p ://d e v e l o p e r . a m d . c o m /t o o l s - a n d - s d k s /o p e n cl - z o n e /a m d - a c c e l e r a t e d - p a r a l l e l - p r o c e s s i n g - a p p - s d k .</a:t>
-            </a:r>
-          </a:p>
-          <a:p>
-            <a:r>
-              <a:rPr lang="en-US" sz="2000" b="1" dirty="0"/>
-              <a:t>CPU benchmarking</a:t>
-            </a:r>
-          </a:p>
-          <a:p>
-            <a:pPr lvl="1"/>
-            <a:r>
-              <a:rPr lang="en-US" sz="1800" b="1" dirty="0"/>
-              <a:t>$ </a:t>
-            </a:r>
-            <a:r>
-              <a:rPr lang="en-US" sz="1800" b="1" dirty="0" err="1"/>
-              <a:t>ethminer</a:t>
-            </a:r>
-            <a:r>
-              <a:rPr lang="en-US" sz="1800" b="1" dirty="0"/>
-              <a:t> -M -C</a:t>
-            </a:r>
-          </a:p>
-          <a:p>
-            <a:r>
-              <a:rPr lang="en-US" sz="2000" b="1" dirty="0"/>
-              <a:t>GPU benchmarking</a:t>
-            </a:r>
-          </a:p>
-          <a:p>
-            <a:pPr lvl="1"/>
-            <a:r>
-              <a:rPr lang="en-US" sz="1800" b="1" dirty="0"/>
-              <a:t>$ </a:t>
-            </a:r>
-            <a:r>
-              <a:rPr lang="en-US" sz="1800" b="1" dirty="0" err="1"/>
-              <a:t>ethminer</a:t>
-            </a:r>
-            <a:r>
-              <a:rPr lang="en-US" sz="1800" b="1" dirty="0"/>
-              <a:t> -M -G</a:t>
-            </a:r>
-            <a:endParaRPr lang="en-US" sz="1800" dirty="0"/>
+              <a:t>. </a:t>
+            </a:r>
           </a:p>
         </p:txBody>
       </p:sp>
     </p:spTree>
     <p:extLst>
       <p:ext uri="{BB962C8B-B14F-4D97-AF65-F5344CB8AC3E}">
-        <p14:creationId xmlns:p14="http://schemas.microsoft.com/office/powerpoint/2010/main" val="2362886595"/>
+        <p14:creationId xmlns:p14="http://schemas.microsoft.com/office/powerpoint/2010/main" val="2910653518"/>
       </p:ext>
     </p:extLst>
   </p:cSld>
@@ -13484,15 +13542,21 @@
             <p:ph type="title"/>
           </p:nvPr>
         </p:nvSpPr>
-        <p:spPr/>
+        <p:spPr>
+          <a:xfrm>
+            <a:off x="2152484" y="310212"/>
+            <a:ext cx="8911687" cy="1280890"/>
+          </a:xfrm>
+        </p:spPr>
         <p:txBody>
           <a:bodyPr/>
           <a:lstStyle/>
           <a:p>
             <a:r>
-              <a:rPr lang="en-US" dirty="0"/>
-              <a:t>Mining rigs</a:t>
-            </a:r>
+              <a:rPr lang="en-US" b="1" dirty="0" err="1"/>
+              <a:t>Ethash</a:t>
+            </a:r>
+            <a:endParaRPr lang="en-US" dirty="0"/>
           </a:p>
         </p:txBody>
       </p:sp>
@@ -13506,36 +13570,77 @@
             <p:ph idx="1"/>
           </p:nvPr>
         </p:nvSpPr>
-        <p:spPr/>
+        <p:spPr>
+          <a:xfrm>
+            <a:off x="1778411" y="1181428"/>
+            <a:ext cx="8915400" cy="3777622"/>
+          </a:xfrm>
+        </p:spPr>
         <p:txBody>
           <a:bodyPr>
-            <a:normAutofit/>
+            <a:noAutofit/>
           </a:bodyPr>
           <a:lstStyle/>
           <a:p>
             <a:r>
-              <a:rPr lang="en-US" sz="2400" dirty="0"/>
-              <a:t>As difficulty increased over time for mining Ether, mining rigs with multiple GPUs were starting to be built by the miners. </a:t>
-            </a:r>
-          </a:p>
-          <a:p>
-            <a:r>
-              <a:rPr lang="en-US" sz="2400" dirty="0"/>
-              <a:t>A mining rig usually contains around five GPU cards, and all of them work in parallel for mining, thus improving the chances of finding valid </a:t>
-            </a:r>
-            <a:r>
-              <a:rPr lang="en-US" sz="2400" dirty="0" err="1"/>
-              <a:t>nonces</a:t>
-            </a:r>
-            <a:r>
-              <a:rPr lang="en-US" sz="2400" dirty="0"/>
-              <a:t> for mining.</a:t>
-            </a:r>
-          </a:p>
-          <a:p>
-            <a:r>
-              <a:rPr lang="en-US" sz="2400" dirty="0"/>
-              <a:t>Mining rigs can be built with some effort and are also available commercially from various vendors. </a:t>
+              <a:rPr lang="en-US" sz="2000" b="1" dirty="0"/>
+              <a:t>Current reward scheme is 5 Ether for successfully finding a valid nonce</a:t>
+            </a:r>
+            <a:r>
+              <a:rPr lang="en-US" sz="2000" dirty="0"/>
+              <a:t>. </a:t>
+            </a:r>
+          </a:p>
+          <a:p>
+            <a:r>
+              <a:rPr lang="en-US" sz="2000" dirty="0"/>
+              <a:t>In addition to receiving 5 Ethers, the successful miner also receives the cost of the gas consumed within the block and an additional reward for including stale blocks (Uncles) in the block. </a:t>
+            </a:r>
+          </a:p>
+          <a:p>
+            <a:r>
+              <a:rPr lang="en-US" sz="2000" dirty="0"/>
+              <a:t>A maximum of two Uncles are allowed per block and are rewarded 7/8 of the normal block reward.</a:t>
+            </a:r>
+          </a:p>
+          <a:p>
+            <a:r>
+              <a:rPr lang="en-US" sz="2000" dirty="0"/>
+              <a:t> In order to achieve a </a:t>
+            </a:r>
+            <a:r>
+              <a:rPr lang="en-US" sz="2000" b="1" dirty="0"/>
+              <a:t>12 second block time</a:t>
+            </a:r>
+            <a:r>
+              <a:rPr lang="en-US" sz="2000" dirty="0"/>
+              <a:t>, block difficulty is adjusted at every block.</a:t>
+            </a:r>
+          </a:p>
+          <a:p>
+            <a:r>
+              <a:rPr lang="en-US" sz="2000" dirty="0"/>
+              <a:t> The rewards are directly proportional to the miner's hash rate, which basically means how fast a miner can hash.</a:t>
+            </a:r>
+          </a:p>
+          <a:p>
+            <a:r>
+              <a:rPr lang="en-US" sz="2000" dirty="0"/>
+              <a:t>Mining can be performed by simply joining the </a:t>
+            </a:r>
+            <a:r>
+              <a:rPr lang="en-US" sz="2000" dirty="0" err="1"/>
+              <a:t>Ethereum</a:t>
+            </a:r>
+            <a:r>
+              <a:rPr lang="en-US" sz="2000" dirty="0"/>
+              <a:t> network and running an appropriate client. </a:t>
+            </a:r>
+          </a:p>
+          <a:p>
+            <a:r>
+              <a:rPr lang="en-US" sz="2000" dirty="0"/>
+              <a:t>The key requirement is that the node should be fully synced with the main network before mining can start.</a:t>
             </a:r>
           </a:p>
         </p:txBody>
@@ -13543,7 +13648,7 @@
     </p:spTree>
     <p:extLst>
       <p:ext uri="{BB962C8B-B14F-4D97-AF65-F5344CB8AC3E}">
-        <p14:creationId xmlns:p14="http://schemas.microsoft.com/office/powerpoint/2010/main" val="1848378643"/>
+        <p14:creationId xmlns:p14="http://schemas.microsoft.com/office/powerpoint/2010/main" val="2038435946"/>
       </p:ext>
     </p:extLst>
   </p:cSld>
@@ -13677,6 +13782,1176 @@
 </file>
 
 <file path=ppt/slides/slide130.xml><?xml version="1.0" encoding="utf-8"?>
+<p:sld xmlns:a="http://schemas.openxmlformats.org/drawingml/2006/main" xmlns:r="http://schemas.openxmlformats.org/officeDocument/2006/relationships" xmlns:p="http://schemas.openxmlformats.org/presentationml/2006/main">
+  <p:cSld>
+    <p:spTree>
+      <p:nvGrpSpPr>
+        <p:cNvPr id="1" name=""/>
+        <p:cNvGrpSpPr/>
+        <p:nvPr/>
+      </p:nvGrpSpPr>
+      <p:grpSpPr>
+        <a:xfrm>
+          <a:off x="0" y="0"/>
+          <a:ext cx="0" cy="0"/>
+          <a:chOff x="0" y="0"/>
+          <a:chExt cx="0" cy="0"/>
+        </a:xfrm>
+      </p:grpSpPr>
+      <p:sp>
+        <p:nvSpPr>
+          <p:cNvPr id="2" name="Title 1"/>
+          <p:cNvSpPr>
+            <a:spLocks noGrp="1"/>
+          </p:cNvSpPr>
+          <p:nvPr>
+            <p:ph type="title"/>
+          </p:nvPr>
+        </p:nvSpPr>
+        <p:spPr>
+          <a:xfrm>
+            <a:off x="1897039" y="0"/>
+            <a:ext cx="8911687" cy="1280890"/>
+          </a:xfrm>
+        </p:spPr>
+        <p:txBody>
+          <a:bodyPr/>
+          <a:lstStyle/>
+          <a:p>
+            <a:r>
+              <a:rPr lang="en-US" b="1" dirty="0"/>
+              <a:t>CPU mining</a:t>
+            </a:r>
+            <a:endParaRPr lang="en-US" dirty="0"/>
+          </a:p>
+        </p:txBody>
+      </p:sp>
+      <p:sp>
+        <p:nvSpPr>
+          <p:cNvPr id="3" name="Content Placeholder 2"/>
+          <p:cNvSpPr>
+            <a:spLocks noGrp="1"/>
+          </p:cNvSpPr>
+          <p:nvPr>
+            <p:ph idx="1"/>
+          </p:nvPr>
+        </p:nvSpPr>
+        <p:spPr>
+          <a:xfrm>
+            <a:off x="1446512" y="517615"/>
+            <a:ext cx="9812740" cy="4940490"/>
+          </a:xfrm>
+        </p:spPr>
+        <p:txBody>
+          <a:bodyPr>
+            <a:noAutofit/>
+          </a:bodyPr>
+          <a:lstStyle/>
+          <a:p>
+            <a:r>
+              <a:rPr lang="en-US" sz="2000" b="1" dirty="0"/>
+              <a:t>CPU mining is still valuable on the test network or even a private network to experiment with mining and contract deployment</a:t>
+            </a:r>
+            <a:r>
+              <a:rPr lang="en-US" sz="2000" dirty="0"/>
+              <a:t>.</a:t>
+            </a:r>
+          </a:p>
+          <a:p>
+            <a:r>
+              <a:rPr lang="en-US" sz="2000" dirty="0" err="1"/>
+              <a:t>Geth</a:t>
+            </a:r>
+            <a:r>
+              <a:rPr lang="en-US" sz="2000" dirty="0"/>
+              <a:t> can be started with mine switch in order to start mining:</a:t>
+            </a:r>
+          </a:p>
+          <a:p>
+            <a:pPr lvl="1"/>
+            <a:r>
+              <a:rPr lang="en-US" sz="1800" b="1" dirty="0" err="1"/>
+              <a:t>geth</a:t>
+            </a:r>
+            <a:r>
+              <a:rPr lang="en-US" sz="1800" b="1" dirty="0"/>
+              <a:t> --mine --</a:t>
+            </a:r>
+            <a:r>
+              <a:rPr lang="en-US" sz="1800" b="1" dirty="0" err="1"/>
+              <a:t>minerthreads</a:t>
+            </a:r>
+            <a:r>
+              <a:rPr lang="en-US" sz="1800" b="1" dirty="0"/>
+              <a:t> &lt;n&gt;</a:t>
+            </a:r>
+          </a:p>
+          <a:p>
+            <a:r>
+              <a:rPr lang="en-US" sz="2000" dirty="0"/>
+              <a:t>CPU mining can also be started using the web 3 </a:t>
+            </a:r>
+            <a:r>
+              <a:rPr lang="en-US" sz="2000" dirty="0" err="1"/>
+              <a:t>geth</a:t>
+            </a:r>
+            <a:r>
+              <a:rPr lang="en-US" sz="2000" dirty="0"/>
+              <a:t> console. </a:t>
+            </a:r>
+          </a:p>
+          <a:p>
+            <a:r>
+              <a:rPr lang="en-US" sz="2000" dirty="0" err="1"/>
+              <a:t>Geth</a:t>
+            </a:r>
+            <a:r>
+              <a:rPr lang="en-US" sz="2000" dirty="0"/>
+              <a:t> console can be started by issuing the following command:</a:t>
+            </a:r>
+          </a:p>
+          <a:p>
+            <a:pPr lvl="1"/>
+            <a:r>
+              <a:rPr lang="en-US" sz="1800" b="1" dirty="0" err="1"/>
+              <a:t>geth</a:t>
+            </a:r>
+            <a:r>
+              <a:rPr lang="en-US" sz="1800" b="1" dirty="0"/>
+              <a:t> attach</a:t>
+            </a:r>
+          </a:p>
+          <a:p>
+            <a:r>
+              <a:rPr lang="en-US" sz="2000" dirty="0"/>
+              <a:t>After this, the miner can be started by issuing the following command, which will return true if successful, or false otherwise</a:t>
+            </a:r>
+          </a:p>
+          <a:p>
+            <a:r>
+              <a:rPr lang="en-US" sz="2000" b="1" dirty="0" err="1"/>
+              <a:t>Miner.start</a:t>
+            </a:r>
+            <a:r>
+              <a:rPr lang="en-US" sz="2000" b="1" dirty="0"/>
+              <a:t>(4)</a:t>
+            </a:r>
+          </a:p>
+          <a:p>
+            <a:pPr lvl="2"/>
+            <a:r>
+              <a:rPr lang="en-US" sz="1600" b="1" dirty="0"/>
+              <a:t>True</a:t>
+            </a:r>
+          </a:p>
+          <a:p>
+            <a:pPr lvl="1"/>
+            <a:r>
+              <a:rPr lang="en-US" sz="1800" dirty="0"/>
+              <a:t>The preceding command will start the miner with four threads. </a:t>
+            </a:r>
+          </a:p>
+          <a:p>
+            <a:r>
+              <a:rPr lang="en-US" sz="2000" b="1" dirty="0" err="1"/>
+              <a:t>Miner.stop</a:t>
+            </a:r>
+            <a:endParaRPr lang="en-US" sz="2000" b="1" dirty="0"/>
+          </a:p>
+          <a:p>
+            <a:pPr lvl="1"/>
+            <a:r>
+              <a:rPr lang="en-US" sz="1800" b="1" dirty="0"/>
+              <a:t>True</a:t>
+            </a:r>
+          </a:p>
+          <a:p>
+            <a:pPr lvl="1"/>
+            <a:r>
+              <a:rPr lang="en-US" sz="1800" dirty="0"/>
+              <a:t>The preceding command will stop the miner. The command will return true if successful</a:t>
+            </a:r>
+          </a:p>
+        </p:txBody>
+      </p:sp>
+    </p:spTree>
+    <p:extLst>
+      <p:ext uri="{BB962C8B-B14F-4D97-AF65-F5344CB8AC3E}">
+        <p14:creationId xmlns:p14="http://schemas.microsoft.com/office/powerpoint/2010/main" val="2590615903"/>
+      </p:ext>
+    </p:extLst>
+  </p:cSld>
+  <p:clrMapOvr>
+    <a:masterClrMapping/>
+  </p:clrMapOvr>
+</p:sld>
+</file>
+
+<file path=ppt/slides/slide131.xml><?xml version="1.0" encoding="utf-8"?>
+<p:sld xmlns:a="http://schemas.openxmlformats.org/drawingml/2006/main" xmlns:r="http://schemas.openxmlformats.org/officeDocument/2006/relationships" xmlns:p="http://schemas.openxmlformats.org/presentationml/2006/main">
+  <p:cSld>
+    <p:spTree>
+      <p:nvGrpSpPr>
+        <p:cNvPr id="1" name=""/>
+        <p:cNvGrpSpPr/>
+        <p:nvPr/>
+      </p:nvGrpSpPr>
+      <p:grpSpPr>
+        <a:xfrm>
+          <a:off x="0" y="0"/>
+          <a:ext cx="0" cy="0"/>
+          <a:chOff x="0" y="0"/>
+          <a:chExt cx="0" cy="0"/>
+        </a:xfrm>
+      </p:grpSpPr>
+      <p:sp>
+        <p:nvSpPr>
+          <p:cNvPr id="2" name="Title 1"/>
+          <p:cNvSpPr>
+            <a:spLocks noGrp="1"/>
+          </p:cNvSpPr>
+          <p:nvPr>
+            <p:ph type="title"/>
+          </p:nvPr>
+        </p:nvSpPr>
+        <p:spPr>
+          <a:xfrm>
+            <a:off x="1640156" y="252741"/>
+            <a:ext cx="8911687" cy="1280890"/>
+          </a:xfrm>
+        </p:spPr>
+        <p:txBody>
+          <a:bodyPr/>
+          <a:lstStyle/>
+          <a:p>
+            <a:r>
+              <a:rPr lang="en-US" dirty="0"/>
+              <a:t>GPU mining</a:t>
+            </a:r>
+          </a:p>
+        </p:txBody>
+      </p:sp>
+      <p:sp>
+        <p:nvSpPr>
+          <p:cNvPr id="3" name="Content Placeholder 2"/>
+          <p:cNvSpPr>
+            <a:spLocks noGrp="1"/>
+          </p:cNvSpPr>
+          <p:nvPr>
+            <p:ph idx="1"/>
+          </p:nvPr>
+        </p:nvSpPr>
+        <p:spPr>
+          <a:xfrm>
+            <a:off x="1886765" y="1325075"/>
+            <a:ext cx="8915400" cy="3777622"/>
+          </a:xfrm>
+        </p:spPr>
+        <p:txBody>
+          <a:bodyPr>
+            <a:noAutofit/>
+          </a:bodyPr>
+          <a:lstStyle/>
+          <a:p>
+            <a:r>
+              <a:rPr lang="en-US" sz="2400" dirty="0"/>
+              <a:t>At a basic level, GPU mining can be performed easily by running two commands:</a:t>
+            </a:r>
+          </a:p>
+          <a:p>
+            <a:pPr lvl="1"/>
+            <a:r>
+              <a:rPr lang="en-US" sz="2000" dirty="0" err="1"/>
+              <a:t>geth</a:t>
+            </a:r>
+            <a:r>
+              <a:rPr lang="en-US" sz="2000" dirty="0"/>
+              <a:t> –</a:t>
+            </a:r>
+            <a:r>
+              <a:rPr lang="en-US" sz="2000" dirty="0" err="1"/>
+              <a:t>rpc</a:t>
+            </a:r>
+            <a:endParaRPr lang="en-US" sz="2000" dirty="0"/>
+          </a:p>
+          <a:p>
+            <a:r>
+              <a:rPr lang="en-US" sz="2400" dirty="0"/>
+              <a:t>Once </a:t>
+            </a:r>
+            <a:r>
+              <a:rPr lang="en-US" sz="2400" dirty="0" err="1"/>
+              <a:t>geth</a:t>
+            </a:r>
+            <a:r>
+              <a:rPr lang="en-US" sz="2400" dirty="0"/>
+              <a:t> is up and running and the blockchain is fully downloaded</a:t>
+            </a:r>
+          </a:p>
+          <a:p>
+            <a:r>
+              <a:rPr lang="en-US" sz="2400" dirty="0" err="1"/>
+              <a:t>Ethminer</a:t>
+            </a:r>
+            <a:r>
+              <a:rPr lang="en-US" sz="2400" dirty="0"/>
+              <a:t> can be run in order to start mining. </a:t>
+            </a:r>
+          </a:p>
+          <a:p>
+            <a:r>
+              <a:rPr lang="en-US" sz="2400" dirty="0" err="1"/>
+              <a:t>Ethminer</a:t>
+            </a:r>
+            <a:r>
+              <a:rPr lang="en-US" sz="2400" dirty="0"/>
+              <a:t> is a standalone miner that can also be used in the farm mode to contribute to mining pools. </a:t>
+            </a:r>
+          </a:p>
+          <a:p>
+            <a:r>
+              <a:rPr lang="en-US" sz="2400" dirty="0"/>
+              <a:t>It can be downloaded from h t </a:t>
+            </a:r>
+            <a:r>
+              <a:rPr lang="en-US" sz="2400" dirty="0" err="1"/>
+              <a:t>t</a:t>
+            </a:r>
+            <a:r>
+              <a:rPr lang="en-US" sz="2400" dirty="0"/>
+              <a:t> p s ://g </a:t>
+            </a:r>
+            <a:r>
+              <a:rPr lang="en-US" sz="2400" dirty="0" err="1"/>
+              <a:t>i</a:t>
+            </a:r>
+            <a:r>
+              <a:rPr lang="en-US" sz="2400" dirty="0"/>
+              <a:t> t h u b . c o m /G e n oi l /c p </a:t>
+            </a:r>
+            <a:r>
+              <a:rPr lang="en-US" sz="2400" dirty="0" err="1"/>
+              <a:t>p</a:t>
+            </a:r>
+            <a:r>
+              <a:rPr lang="en-US" sz="2400" dirty="0"/>
+              <a:t> - e t h e r e u m /t r e </a:t>
+            </a:r>
+            <a:r>
+              <a:rPr lang="en-US" sz="2400" dirty="0" err="1"/>
+              <a:t>e</a:t>
+            </a:r>
+            <a:r>
+              <a:rPr lang="en-US" sz="2400" dirty="0"/>
+              <a:t> /m a s t e r /r e l e a s e s :</a:t>
+            </a:r>
+          </a:p>
+          <a:p>
+            <a:pPr lvl="1"/>
+            <a:r>
+              <a:rPr lang="en-US" sz="2000" dirty="0" err="1"/>
+              <a:t>Ethminer</a:t>
+            </a:r>
+            <a:r>
+              <a:rPr lang="en-US" sz="2000" dirty="0"/>
+              <a:t>  -G</a:t>
+            </a:r>
+          </a:p>
+        </p:txBody>
+      </p:sp>
+    </p:spTree>
+    <p:extLst>
+      <p:ext uri="{BB962C8B-B14F-4D97-AF65-F5344CB8AC3E}">
+        <p14:creationId xmlns:p14="http://schemas.microsoft.com/office/powerpoint/2010/main" val="2287633705"/>
+      </p:ext>
+    </p:extLst>
+  </p:cSld>
+  <p:clrMapOvr>
+    <a:masterClrMapping/>
+  </p:clrMapOvr>
+</p:sld>
+</file>
+
+<file path=ppt/slides/slide132.xml><?xml version="1.0" encoding="utf-8"?>
+<p:sld xmlns:a="http://schemas.openxmlformats.org/drawingml/2006/main" xmlns:r="http://schemas.openxmlformats.org/officeDocument/2006/relationships" xmlns:p="http://schemas.openxmlformats.org/presentationml/2006/main">
+  <p:cSld>
+    <p:spTree>
+      <p:nvGrpSpPr>
+        <p:cNvPr id="1" name=""/>
+        <p:cNvGrpSpPr/>
+        <p:nvPr/>
+      </p:nvGrpSpPr>
+      <p:grpSpPr>
+        <a:xfrm>
+          <a:off x="0" y="0"/>
+          <a:ext cx="0" cy="0"/>
+          <a:chOff x="0" y="0"/>
+          <a:chExt cx="0" cy="0"/>
+        </a:xfrm>
+      </p:grpSpPr>
+      <p:sp>
+        <p:nvSpPr>
+          <p:cNvPr id="2" name="Title 1"/>
+          <p:cNvSpPr>
+            <a:spLocks noGrp="1"/>
+          </p:cNvSpPr>
+          <p:nvPr>
+            <p:ph type="title"/>
+          </p:nvPr>
+        </p:nvSpPr>
+        <p:spPr/>
+        <p:txBody>
+          <a:bodyPr/>
+          <a:lstStyle/>
+          <a:p>
+            <a:r>
+              <a:rPr lang="en-US" dirty="0"/>
+              <a:t>GPU mining</a:t>
+            </a:r>
+          </a:p>
+        </p:txBody>
+      </p:sp>
+      <p:sp>
+        <p:nvSpPr>
+          <p:cNvPr id="3" name="Content Placeholder 2"/>
+          <p:cNvSpPr>
+            <a:spLocks noGrp="1"/>
+          </p:cNvSpPr>
+          <p:nvPr>
+            <p:ph idx="1"/>
+          </p:nvPr>
+        </p:nvSpPr>
+        <p:spPr>
+          <a:xfrm>
+            <a:off x="1485900" y="1540188"/>
+            <a:ext cx="9542318" cy="4805193"/>
+          </a:xfrm>
+        </p:spPr>
+        <p:txBody>
+          <a:bodyPr>
+            <a:noAutofit/>
+          </a:bodyPr>
+          <a:lstStyle/>
+          <a:p>
+            <a:r>
+              <a:rPr lang="en-US" sz="2400" dirty="0"/>
+              <a:t>GPU mining requires an AMD or Nvidia graphics card and an applicable OpenCL SDK.</a:t>
+            </a:r>
+          </a:p>
+          <a:p>
+            <a:r>
+              <a:rPr lang="en-US" sz="2400" dirty="0"/>
+              <a:t> For </a:t>
+            </a:r>
+            <a:r>
+              <a:rPr lang="pt-BR" sz="2400" dirty="0"/>
+              <a:t>NVidia chipset, it can downloaded from h t t p s ://d e v e l o p e r . n v i d i a . c o m /c u d a - d o w n l o a ds . </a:t>
+            </a:r>
+          </a:p>
+          <a:p>
+            <a:r>
+              <a:rPr lang="pt-BR" sz="2400" dirty="0"/>
+              <a:t>For AMD chipsets, it is available at h t t p ://d e v e l o p e r . a m d . c o m /t o o l s - a n d - s d k s /o p e n cl - z o n e /a m d - a c c e l e r a t e d - p a r a l l e l - p r o c e s s i n g - a p p - s d k .</a:t>
+            </a:r>
+          </a:p>
+          <a:p>
+            <a:r>
+              <a:rPr lang="en-US" sz="2400" b="1" dirty="0"/>
+              <a:t>CPU benchmarking</a:t>
+            </a:r>
+          </a:p>
+          <a:p>
+            <a:pPr lvl="1"/>
+            <a:r>
+              <a:rPr lang="en-US" sz="2000" b="1" dirty="0"/>
+              <a:t>$ </a:t>
+            </a:r>
+            <a:r>
+              <a:rPr lang="en-US" sz="2000" b="1" dirty="0" err="1"/>
+              <a:t>ethminer</a:t>
+            </a:r>
+            <a:r>
+              <a:rPr lang="en-US" sz="2000" b="1" dirty="0"/>
+              <a:t> -M -C</a:t>
+            </a:r>
+          </a:p>
+          <a:p>
+            <a:r>
+              <a:rPr lang="en-US" sz="2400" b="1" dirty="0"/>
+              <a:t>GPU benchmarking</a:t>
+            </a:r>
+          </a:p>
+          <a:p>
+            <a:pPr lvl="1"/>
+            <a:r>
+              <a:rPr lang="en-US" sz="2000" b="1" dirty="0"/>
+              <a:t>$ </a:t>
+            </a:r>
+            <a:r>
+              <a:rPr lang="en-US" sz="2000" b="1" dirty="0" err="1"/>
+              <a:t>ethminer</a:t>
+            </a:r>
+            <a:r>
+              <a:rPr lang="en-US" sz="2000" b="1" dirty="0"/>
+              <a:t> -M -G</a:t>
+            </a:r>
+            <a:endParaRPr lang="en-US" sz="2000" dirty="0"/>
+          </a:p>
+        </p:txBody>
+      </p:sp>
+    </p:spTree>
+    <p:extLst>
+      <p:ext uri="{BB962C8B-B14F-4D97-AF65-F5344CB8AC3E}">
+        <p14:creationId xmlns:p14="http://schemas.microsoft.com/office/powerpoint/2010/main" val="2362886595"/>
+      </p:ext>
+    </p:extLst>
+  </p:cSld>
+  <p:clrMapOvr>
+    <a:masterClrMapping/>
+  </p:clrMapOvr>
+</p:sld>
+</file>
+
+<file path=ppt/slides/slide133.xml><?xml version="1.0" encoding="utf-8"?>
+<p:sld xmlns:a="http://schemas.openxmlformats.org/drawingml/2006/main" xmlns:r="http://schemas.openxmlformats.org/officeDocument/2006/relationships" xmlns:p="http://schemas.openxmlformats.org/presentationml/2006/main">
+  <p:cSld>
+    <p:spTree>
+      <p:nvGrpSpPr>
+        <p:cNvPr id="1" name=""/>
+        <p:cNvGrpSpPr/>
+        <p:nvPr/>
+      </p:nvGrpSpPr>
+      <p:grpSpPr>
+        <a:xfrm>
+          <a:off x="0" y="0"/>
+          <a:ext cx="0" cy="0"/>
+          <a:chOff x="0" y="0"/>
+          <a:chExt cx="0" cy="0"/>
+        </a:xfrm>
+      </p:grpSpPr>
+      <p:sp>
+        <p:nvSpPr>
+          <p:cNvPr id="2" name="Title 1">
+            <a:extLst>
+              <a:ext uri="{FF2B5EF4-FFF2-40B4-BE49-F238E27FC236}">
+                <a16:creationId xmlns:a16="http://schemas.microsoft.com/office/drawing/2014/main" id="{B3EF8F3C-BCD2-499E-8281-489CAB0AC81B}"/>
+              </a:ext>
+            </a:extLst>
+          </p:cNvPr>
+          <p:cNvSpPr>
+            <a:spLocks noGrp="1"/>
+          </p:cNvSpPr>
+          <p:nvPr>
+            <p:ph type="title"/>
+          </p:nvPr>
+        </p:nvSpPr>
+        <p:spPr/>
+        <p:txBody>
+          <a:bodyPr/>
+          <a:lstStyle/>
+          <a:p>
+            <a:endParaRPr lang="en-US"/>
+          </a:p>
+        </p:txBody>
+      </p:sp>
+      <p:sp>
+        <p:nvSpPr>
+          <p:cNvPr id="3" name="Content Placeholder 2">
+            <a:extLst>
+              <a:ext uri="{FF2B5EF4-FFF2-40B4-BE49-F238E27FC236}">
+                <a16:creationId xmlns:a16="http://schemas.microsoft.com/office/drawing/2014/main" id="{D162F467-E659-49A2-9EEA-D2A63717DCB6}"/>
+              </a:ext>
+            </a:extLst>
+          </p:cNvPr>
+          <p:cNvSpPr>
+            <a:spLocks noGrp="1"/>
+          </p:cNvSpPr>
+          <p:nvPr>
+            <p:ph idx="1"/>
+          </p:nvPr>
+        </p:nvSpPr>
+        <p:spPr/>
+        <p:txBody>
+          <a:bodyPr/>
+          <a:lstStyle/>
+          <a:p>
+            <a:endParaRPr lang="en-US"/>
+          </a:p>
+        </p:txBody>
+      </p:sp>
+      <p:pic>
+        <p:nvPicPr>
+          <p:cNvPr id="4" name="Picture 3">
+            <a:extLst>
+              <a:ext uri="{FF2B5EF4-FFF2-40B4-BE49-F238E27FC236}">
+                <a16:creationId xmlns:a16="http://schemas.microsoft.com/office/drawing/2014/main" id="{B70492EC-E1A0-426B-AB2A-21589B38D87F}"/>
+              </a:ext>
+            </a:extLst>
+          </p:cNvPr>
+          <p:cNvPicPr>
+            <a:picLocks noChangeAspect="1"/>
+          </p:cNvPicPr>
+          <p:nvPr/>
+        </p:nvPicPr>
+        <p:blipFill>
+          <a:blip r:embed="rId2"/>
+          <a:stretch>
+            <a:fillRect/>
+          </a:stretch>
+        </p:blipFill>
+        <p:spPr>
+          <a:xfrm>
+            <a:off x="216958" y="234924"/>
+            <a:ext cx="11758084" cy="6572251"/>
+          </a:xfrm>
+          <a:prstGeom prst="rect">
+            <a:avLst/>
+          </a:prstGeom>
+        </p:spPr>
+      </p:pic>
+    </p:spTree>
+    <p:extLst>
+      <p:ext uri="{BB962C8B-B14F-4D97-AF65-F5344CB8AC3E}">
+        <p14:creationId xmlns:p14="http://schemas.microsoft.com/office/powerpoint/2010/main" val="3993407875"/>
+      </p:ext>
+    </p:extLst>
+  </p:cSld>
+  <p:clrMapOvr>
+    <a:masterClrMapping/>
+  </p:clrMapOvr>
+</p:sld>
+</file>
+
+<file path=ppt/slides/slide134.xml><?xml version="1.0" encoding="utf-8"?>
+<p:sld xmlns:a="http://schemas.openxmlformats.org/drawingml/2006/main" xmlns:r="http://schemas.openxmlformats.org/officeDocument/2006/relationships" xmlns:p="http://schemas.openxmlformats.org/presentationml/2006/main">
+  <p:cSld>
+    <p:spTree>
+      <p:nvGrpSpPr>
+        <p:cNvPr id="1" name=""/>
+        <p:cNvGrpSpPr/>
+        <p:nvPr/>
+      </p:nvGrpSpPr>
+      <p:grpSpPr>
+        <a:xfrm>
+          <a:off x="0" y="0"/>
+          <a:ext cx="0" cy="0"/>
+          <a:chOff x="0" y="0"/>
+          <a:chExt cx="0" cy="0"/>
+        </a:xfrm>
+      </p:grpSpPr>
+      <p:sp>
+        <p:nvSpPr>
+          <p:cNvPr id="2" name="Title 1">
+            <a:extLst>
+              <a:ext uri="{FF2B5EF4-FFF2-40B4-BE49-F238E27FC236}">
+                <a16:creationId xmlns:a16="http://schemas.microsoft.com/office/drawing/2014/main" id="{5562963F-4EF3-46AD-A8B8-252591104E7B}"/>
+              </a:ext>
+            </a:extLst>
+          </p:cNvPr>
+          <p:cNvSpPr>
+            <a:spLocks noGrp="1"/>
+          </p:cNvSpPr>
+          <p:nvPr>
+            <p:ph type="title"/>
+          </p:nvPr>
+        </p:nvSpPr>
+        <p:spPr/>
+        <p:txBody>
+          <a:bodyPr/>
+          <a:lstStyle/>
+          <a:p>
+            <a:r>
+              <a:rPr lang="en-US" dirty="0"/>
+              <a:t>GPU mining</a:t>
+            </a:r>
+          </a:p>
+        </p:txBody>
+      </p:sp>
+      <p:sp>
+        <p:nvSpPr>
+          <p:cNvPr id="3" name="Content Placeholder 2">
+            <a:extLst>
+              <a:ext uri="{FF2B5EF4-FFF2-40B4-BE49-F238E27FC236}">
+                <a16:creationId xmlns:a16="http://schemas.microsoft.com/office/drawing/2014/main" id="{208C99DC-D8C7-49D0-9FF9-34229B7D5D37}"/>
+              </a:ext>
+            </a:extLst>
+          </p:cNvPr>
+          <p:cNvSpPr>
+            <a:spLocks noGrp="1"/>
+          </p:cNvSpPr>
+          <p:nvPr>
+            <p:ph idx="1"/>
+          </p:nvPr>
+        </p:nvSpPr>
+        <p:spPr>
+          <a:xfrm>
+            <a:off x="2215139" y="1905000"/>
+            <a:ext cx="8915400" cy="3777622"/>
+          </a:xfrm>
+        </p:spPr>
+        <p:txBody>
+          <a:bodyPr>
+            <a:normAutofit fontScale="92500"/>
+          </a:bodyPr>
+          <a:lstStyle/>
+          <a:p>
+            <a:r>
+              <a:rPr lang="en-US" sz="2400" dirty="0"/>
+              <a:t>GPU device to be used can also be specified in the command line:</a:t>
+            </a:r>
+          </a:p>
+          <a:p>
+            <a:pPr lvl="1"/>
+            <a:r>
+              <a:rPr lang="en-US" sz="2000" dirty="0"/>
+              <a:t>$ </a:t>
+            </a:r>
+            <a:r>
+              <a:rPr lang="en-US" sz="2000" dirty="0" err="1"/>
+              <a:t>ethminer</a:t>
+            </a:r>
+            <a:r>
+              <a:rPr lang="en-US" sz="2000" dirty="0"/>
+              <a:t> -M -G --</a:t>
+            </a:r>
+            <a:r>
+              <a:rPr lang="en-US" sz="2000" dirty="0" err="1"/>
+              <a:t>opencl</a:t>
+            </a:r>
+            <a:r>
+              <a:rPr lang="en-US" sz="2000" dirty="0"/>
+              <a:t>-device 1</a:t>
+            </a:r>
+          </a:p>
+          <a:p>
+            <a:r>
+              <a:rPr lang="en-US" sz="2400" dirty="0"/>
+              <a:t>As GPU mining is implemented using OpenCL AMD, chipset-based GPUs tend to work faster as compared to NVidia GPUs. </a:t>
+            </a:r>
+          </a:p>
+          <a:p>
+            <a:r>
+              <a:rPr lang="en-US" sz="2400" dirty="0"/>
+              <a:t>Due to the high memory requirements (DAG creation), FPGAs and ASICs will not provide any major advantage over GPUs. </a:t>
+            </a:r>
+          </a:p>
+          <a:p>
+            <a:pPr lvl="1"/>
+            <a:r>
+              <a:rPr lang="en-US" sz="2000" dirty="0"/>
+              <a:t>In order to discourage the development of specialized hardware for mining.</a:t>
+            </a:r>
+          </a:p>
+        </p:txBody>
+      </p:sp>
+    </p:spTree>
+    <p:extLst>
+      <p:ext uri="{BB962C8B-B14F-4D97-AF65-F5344CB8AC3E}">
+        <p14:creationId xmlns:p14="http://schemas.microsoft.com/office/powerpoint/2010/main" val="3732384841"/>
+      </p:ext>
+    </p:extLst>
+  </p:cSld>
+  <p:clrMapOvr>
+    <a:masterClrMapping/>
+  </p:clrMapOvr>
+</p:sld>
+</file>
+
+<file path=ppt/slides/slide135.xml><?xml version="1.0" encoding="utf-8"?>
+<p:sld xmlns:a="http://schemas.openxmlformats.org/drawingml/2006/main" xmlns:r="http://schemas.openxmlformats.org/officeDocument/2006/relationships" xmlns:p="http://schemas.openxmlformats.org/presentationml/2006/main">
+  <p:cSld>
+    <p:spTree>
+      <p:nvGrpSpPr>
+        <p:cNvPr id="1" name=""/>
+        <p:cNvGrpSpPr/>
+        <p:nvPr/>
+      </p:nvGrpSpPr>
+      <p:grpSpPr>
+        <a:xfrm>
+          <a:off x="0" y="0"/>
+          <a:ext cx="0" cy="0"/>
+          <a:chOff x="0" y="0"/>
+          <a:chExt cx="0" cy="0"/>
+        </a:xfrm>
+      </p:grpSpPr>
+      <p:sp>
+        <p:nvSpPr>
+          <p:cNvPr id="2" name="Title 1"/>
+          <p:cNvSpPr>
+            <a:spLocks noGrp="1"/>
+          </p:cNvSpPr>
+          <p:nvPr>
+            <p:ph type="title"/>
+          </p:nvPr>
+        </p:nvSpPr>
+        <p:spPr/>
+        <p:txBody>
+          <a:bodyPr/>
+          <a:lstStyle/>
+          <a:p>
+            <a:r>
+              <a:rPr lang="en-US" dirty="0"/>
+              <a:t>Mining rigs</a:t>
+            </a:r>
+          </a:p>
+        </p:txBody>
+      </p:sp>
+      <p:sp>
+        <p:nvSpPr>
+          <p:cNvPr id="3" name="Content Placeholder 2"/>
+          <p:cNvSpPr>
+            <a:spLocks noGrp="1"/>
+          </p:cNvSpPr>
+          <p:nvPr>
+            <p:ph idx="1"/>
+          </p:nvPr>
+        </p:nvSpPr>
+        <p:spPr>
+          <a:xfrm>
+            <a:off x="1638300" y="1540189"/>
+            <a:ext cx="9223664" cy="4223302"/>
+          </a:xfrm>
+        </p:spPr>
+        <p:txBody>
+          <a:bodyPr>
+            <a:normAutofit/>
+          </a:bodyPr>
+          <a:lstStyle/>
+          <a:p>
+            <a:r>
+              <a:rPr lang="en-US" sz="2400" dirty="0"/>
+              <a:t>As difficulty increased over time for mining Ether,</a:t>
+            </a:r>
+          </a:p>
+          <a:p>
+            <a:pPr lvl="1"/>
+            <a:r>
+              <a:rPr lang="en-US" sz="2200" dirty="0"/>
+              <a:t>Mining rigs with multiple GPUs were starting to be built by the miners. </a:t>
+            </a:r>
+          </a:p>
+          <a:p>
+            <a:r>
+              <a:rPr lang="en-US" sz="2400" dirty="0"/>
+              <a:t>Mining rig usually contains around five GPU cards, and all of them work in parallel for mining</a:t>
+            </a:r>
+          </a:p>
+          <a:p>
+            <a:pPr lvl="1"/>
+            <a:r>
+              <a:rPr lang="en-US" sz="2200" dirty="0"/>
+              <a:t>thus improving the chances of finding valid </a:t>
+            </a:r>
+            <a:r>
+              <a:rPr lang="en-US" sz="2200" dirty="0" err="1"/>
+              <a:t>nonces</a:t>
+            </a:r>
+            <a:r>
+              <a:rPr lang="en-US" sz="2200" dirty="0"/>
+              <a:t> for mining.</a:t>
+            </a:r>
+          </a:p>
+          <a:p>
+            <a:r>
+              <a:rPr lang="en-US" sz="2400" dirty="0"/>
+              <a:t>Mining rigs can be built with some effort and are also available commercially from various vendors. </a:t>
+            </a:r>
+          </a:p>
+        </p:txBody>
+      </p:sp>
+    </p:spTree>
+    <p:extLst>
+      <p:ext uri="{BB962C8B-B14F-4D97-AF65-F5344CB8AC3E}">
+        <p14:creationId xmlns:p14="http://schemas.microsoft.com/office/powerpoint/2010/main" val="1848378643"/>
+      </p:ext>
+    </p:extLst>
+  </p:cSld>
+  <p:clrMapOvr>
+    <a:masterClrMapping/>
+  </p:clrMapOvr>
+</p:sld>
+</file>
+
+<file path=ppt/slides/slide136.xml><?xml version="1.0" encoding="utf-8"?>
+<p:sld xmlns:a="http://schemas.openxmlformats.org/drawingml/2006/main" xmlns:r="http://schemas.openxmlformats.org/officeDocument/2006/relationships" xmlns:p="http://schemas.openxmlformats.org/presentationml/2006/main">
+  <p:cSld>
+    <p:spTree>
+      <p:nvGrpSpPr>
+        <p:cNvPr id="1" name=""/>
+        <p:cNvGrpSpPr/>
+        <p:nvPr/>
+      </p:nvGrpSpPr>
+      <p:grpSpPr>
+        <a:xfrm>
+          <a:off x="0" y="0"/>
+          <a:ext cx="0" cy="0"/>
+          <a:chOff x="0" y="0"/>
+          <a:chExt cx="0" cy="0"/>
+        </a:xfrm>
+      </p:grpSpPr>
+      <p:sp>
+        <p:nvSpPr>
+          <p:cNvPr id="2" name="Title 1">
+            <a:extLst>
+              <a:ext uri="{FF2B5EF4-FFF2-40B4-BE49-F238E27FC236}">
+                <a16:creationId xmlns:a16="http://schemas.microsoft.com/office/drawing/2014/main" id="{2BDB84B3-9B97-43CD-9B0A-87EFE43F86A1}"/>
+              </a:ext>
+            </a:extLst>
+          </p:cNvPr>
+          <p:cNvSpPr>
+            <a:spLocks noGrp="1"/>
+          </p:cNvSpPr>
+          <p:nvPr>
+            <p:ph type="title"/>
+          </p:nvPr>
+        </p:nvSpPr>
+        <p:spPr/>
+        <p:txBody>
+          <a:bodyPr/>
+          <a:lstStyle/>
+          <a:p>
+            <a:r>
+              <a:rPr lang="en-US" dirty="0"/>
+              <a:t>Typical mining rig configuration</a:t>
+            </a:r>
+          </a:p>
+        </p:txBody>
+      </p:sp>
+      <p:sp>
+        <p:nvSpPr>
+          <p:cNvPr id="3" name="Content Placeholder 2">
+            <a:extLst>
+              <a:ext uri="{FF2B5EF4-FFF2-40B4-BE49-F238E27FC236}">
+                <a16:creationId xmlns:a16="http://schemas.microsoft.com/office/drawing/2014/main" id="{849B3523-C171-4B16-AEBB-0784DB112A53}"/>
+              </a:ext>
+            </a:extLst>
+          </p:cNvPr>
+          <p:cNvSpPr>
+            <a:spLocks noGrp="1"/>
+          </p:cNvSpPr>
+          <p:nvPr>
+            <p:ph idx="1"/>
+          </p:nvPr>
+        </p:nvSpPr>
+        <p:spPr>
+          <a:xfrm>
+            <a:off x="2062739" y="1540188"/>
+            <a:ext cx="9145587" cy="4805193"/>
+          </a:xfrm>
+        </p:spPr>
+        <p:txBody>
+          <a:bodyPr>
+            <a:normAutofit/>
+          </a:bodyPr>
+          <a:lstStyle/>
+          <a:p>
+            <a:r>
+              <a:rPr lang="en-US" sz="2400" b="1" dirty="0"/>
+              <a:t>Motherboard</a:t>
+            </a:r>
+          </a:p>
+          <a:p>
+            <a:pPr lvl="1"/>
+            <a:r>
+              <a:rPr lang="en-US" sz="2000" dirty="0"/>
+              <a:t>A specialized motherboard with multiple PCI-E x1 or x16 slots, </a:t>
+            </a:r>
+          </a:p>
+          <a:p>
+            <a:r>
+              <a:rPr lang="en-US" sz="2400" b="1" dirty="0"/>
+              <a:t>SSD hard drive</a:t>
+            </a:r>
+          </a:p>
+          <a:p>
+            <a:pPr lvl="1"/>
+            <a:r>
+              <a:rPr lang="en-US" sz="2000" dirty="0"/>
+              <a:t>SSD drive is recommended because of its much faster performance over the analog equivalent. </a:t>
+            </a:r>
+          </a:p>
+          <a:p>
+            <a:pPr lvl="1"/>
+            <a:r>
+              <a:rPr lang="en-US" sz="2000" dirty="0"/>
+              <a:t>This will be mainly used to store the blockchain</a:t>
+            </a:r>
+          </a:p>
+          <a:p>
+            <a:r>
+              <a:rPr lang="en-US" sz="2400" b="1" dirty="0"/>
+              <a:t>GPU</a:t>
+            </a:r>
+          </a:p>
+          <a:p>
+            <a:pPr lvl="1"/>
+            <a:r>
+              <a:rPr lang="en-US" sz="2000" dirty="0"/>
+              <a:t>GPU is the most important component of the rig as it is the main workhorse that will be used for mining. </a:t>
+            </a:r>
+          </a:p>
+          <a:p>
+            <a:pPr lvl="1"/>
+            <a:r>
+              <a:rPr lang="en-US" sz="2000" dirty="0"/>
+              <a:t>For example, it can be a Sapphire AMD Radeon R9 380 with 4 GB RAM.</a:t>
+            </a:r>
+          </a:p>
+        </p:txBody>
+      </p:sp>
+    </p:spTree>
+    <p:extLst>
+      <p:ext uri="{BB962C8B-B14F-4D97-AF65-F5344CB8AC3E}">
+        <p14:creationId xmlns:p14="http://schemas.microsoft.com/office/powerpoint/2010/main" val="3605343999"/>
+      </p:ext>
+    </p:extLst>
+  </p:cSld>
+  <p:clrMapOvr>
+    <a:masterClrMapping/>
+  </p:clrMapOvr>
+</p:sld>
+</file>
+
+<file path=ppt/slides/slide137.xml><?xml version="1.0" encoding="utf-8"?>
+<p:sld xmlns:a="http://schemas.openxmlformats.org/drawingml/2006/main" xmlns:r="http://schemas.openxmlformats.org/officeDocument/2006/relationships" xmlns:p="http://schemas.openxmlformats.org/presentationml/2006/main">
+  <p:cSld>
+    <p:spTree>
+      <p:nvGrpSpPr>
+        <p:cNvPr id="1" name=""/>
+        <p:cNvGrpSpPr/>
+        <p:nvPr/>
+      </p:nvGrpSpPr>
+      <p:grpSpPr>
+        <a:xfrm>
+          <a:off x="0" y="0"/>
+          <a:ext cx="0" cy="0"/>
+          <a:chOff x="0" y="0"/>
+          <a:chExt cx="0" cy="0"/>
+        </a:xfrm>
+      </p:grpSpPr>
+      <p:sp>
+        <p:nvSpPr>
+          <p:cNvPr id="2" name="Title 1">
+            <a:extLst>
+              <a:ext uri="{FF2B5EF4-FFF2-40B4-BE49-F238E27FC236}">
+                <a16:creationId xmlns:a16="http://schemas.microsoft.com/office/drawing/2014/main" id="{7D279BED-5DD9-4B70-9A4F-A397C3C25FE9}"/>
+              </a:ext>
+            </a:extLst>
+          </p:cNvPr>
+          <p:cNvSpPr>
+            <a:spLocks noGrp="1"/>
+          </p:cNvSpPr>
+          <p:nvPr>
+            <p:ph type="title"/>
+          </p:nvPr>
+        </p:nvSpPr>
+        <p:spPr/>
+        <p:txBody>
+          <a:bodyPr/>
+          <a:lstStyle/>
+          <a:p>
+            <a:r>
+              <a:rPr lang="en-US" dirty="0"/>
+              <a:t>Typical mining rig configuration</a:t>
+            </a:r>
+          </a:p>
+        </p:txBody>
+      </p:sp>
+      <p:sp>
+        <p:nvSpPr>
+          <p:cNvPr id="3" name="Content Placeholder 2">
+            <a:extLst>
+              <a:ext uri="{FF2B5EF4-FFF2-40B4-BE49-F238E27FC236}">
+                <a16:creationId xmlns:a16="http://schemas.microsoft.com/office/drawing/2014/main" id="{EC26AED0-F409-49E3-893D-5EDD63FC9E37}"/>
+              </a:ext>
+            </a:extLst>
+          </p:cNvPr>
+          <p:cNvSpPr>
+            <a:spLocks noGrp="1"/>
+          </p:cNvSpPr>
+          <p:nvPr>
+            <p:ph idx="1"/>
+          </p:nvPr>
+        </p:nvSpPr>
+        <p:spPr>
+          <a:xfrm>
+            <a:off x="1882630" y="1905000"/>
+            <a:ext cx="9297988" cy="4537364"/>
+          </a:xfrm>
+        </p:spPr>
+        <p:txBody>
+          <a:bodyPr>
+            <a:normAutofit fontScale="92500"/>
+          </a:bodyPr>
+          <a:lstStyle/>
+          <a:p>
+            <a:r>
+              <a:rPr lang="en-US" sz="2800" dirty="0"/>
+              <a:t>Linux Ubuntu's latest version is usually chosen as the operating system for the rig. </a:t>
+            </a:r>
+          </a:p>
+          <a:p>
+            <a:pPr lvl="1"/>
+            <a:r>
+              <a:rPr lang="en-US" sz="2400" dirty="0"/>
+              <a:t>There is also another variant of Linux available, called </a:t>
+            </a:r>
+            <a:r>
+              <a:rPr lang="en-US" sz="2400" dirty="0" err="1"/>
+              <a:t>EthOS</a:t>
+            </a:r>
+            <a:endParaRPr lang="en-US" sz="2400" dirty="0"/>
+          </a:p>
+          <a:p>
+            <a:r>
+              <a:rPr lang="en-US" sz="2800" dirty="0"/>
+              <a:t>Mining software such as </a:t>
+            </a:r>
+            <a:r>
+              <a:rPr lang="en-US" sz="2800" dirty="0" err="1"/>
+              <a:t>Ethminer</a:t>
+            </a:r>
+            <a:r>
+              <a:rPr lang="en-US" sz="2800" dirty="0"/>
+              <a:t> and </a:t>
+            </a:r>
+            <a:r>
+              <a:rPr lang="en-US" sz="2800" dirty="0" err="1"/>
+              <a:t>geth</a:t>
+            </a:r>
+            <a:r>
+              <a:rPr lang="en-US" sz="2800" dirty="0"/>
+              <a:t> are installed. </a:t>
+            </a:r>
+          </a:p>
+          <a:p>
+            <a:r>
+              <a:rPr lang="en-US" sz="2800" dirty="0"/>
+              <a:t>Remote monitoring and administration software is also installed so that rigs can be monitored and managed remotely, </a:t>
+            </a:r>
+          </a:p>
+          <a:p>
+            <a:r>
+              <a:rPr lang="en-US" sz="2800" dirty="0"/>
+              <a:t>Air conditioning or cooling mechanisms in place as running multiple GPUs can generate a lot of heat</a:t>
+            </a:r>
+          </a:p>
+        </p:txBody>
+      </p:sp>
+    </p:spTree>
+    <p:extLst>
+      <p:ext uri="{BB962C8B-B14F-4D97-AF65-F5344CB8AC3E}">
+        <p14:creationId xmlns:p14="http://schemas.microsoft.com/office/powerpoint/2010/main" val="77732914"/>
+      </p:ext>
+    </p:extLst>
+  </p:cSld>
+  <p:clrMapOvr>
+    <a:masterClrMapping/>
+  </p:clrMapOvr>
+</p:sld>
+</file>
+
+<file path=ppt/slides/slide138.xml><?xml version="1.0" encoding="utf-8"?>
 <p:sld xmlns:a="http://schemas.openxmlformats.org/drawingml/2006/main" xmlns:r="http://schemas.openxmlformats.org/officeDocument/2006/relationships" xmlns:p="http://schemas.openxmlformats.org/presentationml/2006/main">
   <p:cSld>
     <p:spTree>
@@ -13768,7 +15043,7 @@
 </p:sld>
 </file>
 
-<file path=ppt/slides/slide131.xml><?xml version="1.0" encoding="utf-8"?>
+<file path=ppt/slides/slide139.xml><?xml version="1.0" encoding="utf-8"?>
 <p:sld xmlns:a="http://schemas.openxmlformats.org/drawingml/2006/main" xmlns:r="http://schemas.openxmlformats.org/officeDocument/2006/relationships" xmlns:p="http://schemas.openxmlformats.org/presentationml/2006/main">
   <p:cSld>
     <p:spTree>
@@ -13819,8 +15094,8 @@
         </p:nvSpPr>
         <p:spPr>
           <a:xfrm>
-            <a:off x="2261665" y="1601338"/>
-            <a:ext cx="8915400" cy="3777622"/>
+            <a:off x="1846029" y="1545919"/>
+            <a:ext cx="8808117" cy="4868735"/>
           </a:xfrm>
         </p:spPr>
         <p:txBody>
@@ -13830,56 +15105,35 @@
           <a:lstStyle/>
           <a:p>
             <a:r>
-              <a:rPr lang="en-US" sz="2000" dirty="0"/>
-              <a:t>There are many online mining pools that offer </a:t>
-            </a:r>
-            <a:r>
-              <a:rPr lang="en-US" sz="2000" dirty="0" err="1"/>
-              <a:t>Ethereum</a:t>
-            </a:r>
-            <a:r>
-              <a:rPr lang="en-US" sz="2000" dirty="0"/>
-              <a:t> mining. </a:t>
-            </a:r>
-          </a:p>
-          <a:p>
-            <a:r>
-              <a:rPr lang="en-US" sz="2000" dirty="0" err="1"/>
+              <a:rPr lang="en-US" sz="2800" dirty="0"/>
+              <a:t>Online mining pools that offer Ethereum mining. </a:t>
+            </a:r>
+          </a:p>
+          <a:p>
+            <a:r>
+              <a:rPr lang="en-US" sz="2800" dirty="0" err="1"/>
               <a:t>Ethminer</a:t>
             </a:r>
             <a:r>
-              <a:rPr lang="en-US" sz="2000" dirty="0"/>
+              <a:rPr lang="en-US" sz="2800" dirty="0"/>
               <a:t> can be used to connect to a mining pool using the following command. </a:t>
             </a:r>
           </a:p>
           <a:p>
-            <a:r>
-              <a:rPr lang="en-US" sz="2000" dirty="0"/>
+            <a:pPr lvl="1"/>
+            <a:r>
+              <a:rPr lang="en-US" sz="2400" dirty="0" err="1"/>
+              <a:t>ethminer</a:t>
+            </a:r>
+            <a:r>
+              <a:rPr lang="en-US" sz="2400" dirty="0"/>
+              <a:t> -C –F http://ethereumpool.co/?miner=0.1@0x024a20cc5feba7f3dc3776075b3e60c20eb1459c@DrEquinox</a:t>
+            </a:r>
+          </a:p>
+          <a:p>
+            <a:r>
+              <a:rPr lang="en-US" sz="2800" dirty="0"/>
               <a:t>Each pool publishes its own instructions, but generally, the process of connecting to a pool is similar. </a:t>
-            </a:r>
-          </a:p>
-          <a:p>
-            <a:r>
-              <a:rPr lang="en-US" sz="2000" dirty="0"/>
-              <a:t>An example from ethereumpool.co is shown here:</a:t>
-            </a:r>
-          </a:p>
-          <a:p>
-            <a:pPr lvl="1"/>
-            <a:r>
-              <a:rPr lang="en-US" sz="1800" dirty="0" err="1"/>
-              <a:t>ethminer</a:t>
-            </a:r>
-            <a:r>
-              <a:rPr lang="en-US" sz="1800" dirty="0"/>
-              <a:t> -C -F</a:t>
-            </a:r>
-          </a:p>
-          <a:p>
-            <a:pPr lvl="1"/>
-            <a:r>
-              <a:rPr lang="en-US" sz="1800" dirty="0"/>
-              <a:t>http://ethereumpool.co/?miner=0.1@0x024a20cc5feba7f3dc3776075b3e60c20eb1459c@DrEquinox</a:t>
             </a:r>
           </a:p>
         </p:txBody>
@@ -13897,7 +15151,7 @@
 </p:sld>
 </file>
 
-<file path=ppt/slides/slide132.xml><?xml version="1.0" encoding="utf-8"?>
+<file path=ppt/slides/slide14.xml><?xml version="1.0" encoding="utf-8"?>
 <p:sld xmlns:a="http://schemas.openxmlformats.org/drawingml/2006/main" xmlns:r="http://schemas.openxmlformats.org/officeDocument/2006/relationships" xmlns:p="http://schemas.openxmlformats.org/presentationml/2006/main">
   <p:cSld>
     <p:spTree>
@@ -13916,6 +15170,1041 @@
       </p:grpSpPr>
       <p:sp>
         <p:nvSpPr>
+          <p:cNvPr id="2" name="Title 1"/>
+          <p:cNvSpPr>
+            <a:spLocks noGrp="1"/>
+          </p:cNvSpPr>
+          <p:nvPr>
+            <p:ph type="title"/>
+          </p:nvPr>
+        </p:nvSpPr>
+        <p:spPr/>
+        <p:txBody>
+          <a:bodyPr/>
+          <a:lstStyle/>
+          <a:p>
+            <a:r>
+              <a:rPr lang="en-US" b="1" dirty="0"/>
+              <a:t>Forks</a:t>
+            </a:r>
+            <a:endParaRPr lang="en-US" dirty="0"/>
+          </a:p>
+        </p:txBody>
+      </p:sp>
+      <p:sp>
+        <p:nvSpPr>
+          <p:cNvPr id="3" name="Content Placeholder 2"/>
+          <p:cNvSpPr>
+            <a:spLocks noGrp="1"/>
+          </p:cNvSpPr>
+          <p:nvPr>
+            <p:ph idx="1"/>
+          </p:nvPr>
+        </p:nvSpPr>
+        <p:spPr>
+          <a:xfrm>
+            <a:off x="1994947" y="1692965"/>
+            <a:ext cx="8915400" cy="3777622"/>
+          </a:xfrm>
+        </p:spPr>
+        <p:txBody>
+          <a:bodyPr>
+            <a:noAutofit/>
+          </a:bodyPr>
+          <a:lstStyle/>
+          <a:p>
+            <a:r>
+              <a:rPr lang="en-US" sz="2400" dirty="0"/>
+              <a:t>A recent unintentional fork that occurred on November 24, 2016, at 14:12:07 UTC was due to a </a:t>
+            </a:r>
+            <a:r>
+              <a:rPr lang="en-US" sz="2400" b="1" dirty="0"/>
+              <a:t>bug in the </a:t>
+            </a:r>
+            <a:r>
+              <a:rPr lang="en-US" sz="2400" b="1" dirty="0" err="1"/>
+              <a:t>geth</a:t>
+            </a:r>
+            <a:r>
+              <a:rPr lang="en-US" sz="2400" b="1" dirty="0"/>
+              <a:t> </a:t>
+            </a:r>
+            <a:r>
+              <a:rPr lang="en-US" sz="2400" dirty="0"/>
+              <a:t>client's journaling mechanism. </a:t>
+            </a:r>
+          </a:p>
+          <a:p>
+            <a:r>
+              <a:rPr lang="en-US" sz="2400" dirty="0"/>
+              <a:t>Network fork occurred at block number 2,686,351. </a:t>
+            </a:r>
+          </a:p>
+          <a:p>
+            <a:r>
+              <a:rPr lang="en-US" sz="2400" dirty="0"/>
+              <a:t>This bug resulted in </a:t>
+            </a:r>
+            <a:r>
+              <a:rPr lang="en-US" sz="2400" dirty="0" err="1"/>
+              <a:t>geth</a:t>
+            </a:r>
+            <a:r>
+              <a:rPr lang="en-US" sz="2400" dirty="0"/>
+              <a:t> failing to revert </a:t>
+            </a:r>
+            <a:r>
+              <a:rPr lang="en-US" sz="2400" b="1" dirty="0"/>
+              <a:t>empty account deletions </a:t>
+            </a:r>
+            <a:r>
+              <a:rPr lang="en-US" sz="2400" dirty="0"/>
+              <a:t>in the case of the </a:t>
+            </a:r>
+            <a:r>
+              <a:rPr lang="en-US" sz="2400" b="1" dirty="0"/>
+              <a:t>empty out-of-gas exception</a:t>
+            </a:r>
+            <a:r>
+              <a:rPr lang="en-US" sz="2400" dirty="0"/>
+              <a:t>. </a:t>
+            </a:r>
+          </a:p>
+          <a:p>
+            <a:r>
+              <a:rPr lang="en-US" sz="2400" dirty="0"/>
+              <a:t>This means that from block number 2686351, the </a:t>
+            </a:r>
+            <a:r>
+              <a:rPr lang="en-US" sz="2400" dirty="0" err="1"/>
+              <a:t>Ethereum</a:t>
+            </a:r>
+            <a:r>
+              <a:rPr lang="en-US" sz="2400" dirty="0"/>
+              <a:t> </a:t>
+            </a:r>
+            <a:r>
+              <a:rPr lang="en-US" sz="2400" dirty="0" err="1"/>
+              <a:t>blockchain</a:t>
+            </a:r>
+            <a:r>
+              <a:rPr lang="en-US" sz="2400" dirty="0"/>
+              <a:t> is split into two, one running with </a:t>
+            </a:r>
+            <a:r>
+              <a:rPr lang="en-US" sz="2400" b="1" dirty="0"/>
+              <a:t>parity clients </a:t>
+            </a:r>
+            <a:r>
+              <a:rPr lang="en-US" sz="2400" dirty="0"/>
+              <a:t>and the other with</a:t>
+            </a:r>
+            <a:r>
+              <a:rPr lang="en-US" sz="2400" b="1" dirty="0"/>
+              <a:t> </a:t>
+            </a:r>
+            <a:r>
+              <a:rPr lang="en-US" sz="2400" b="1" dirty="0" err="1"/>
+              <a:t>geth</a:t>
+            </a:r>
+            <a:r>
+              <a:rPr lang="en-US" sz="2400" dirty="0"/>
+              <a:t>. </a:t>
+            </a:r>
+          </a:p>
+          <a:p>
+            <a:r>
+              <a:rPr lang="en-US" sz="2400" dirty="0"/>
+              <a:t>This issue was resolved with the release of </a:t>
+            </a:r>
+            <a:r>
+              <a:rPr lang="en-US" sz="2400" dirty="0" err="1"/>
+              <a:t>geth</a:t>
+            </a:r>
+            <a:r>
+              <a:rPr lang="en-US" sz="2400" dirty="0"/>
+              <a:t> version 1.5.3.</a:t>
+            </a:r>
+          </a:p>
+        </p:txBody>
+      </p:sp>
+    </p:spTree>
+    <p:extLst>
+      <p:ext uri="{BB962C8B-B14F-4D97-AF65-F5344CB8AC3E}">
+        <p14:creationId xmlns:p14="http://schemas.microsoft.com/office/powerpoint/2010/main" val="3009493285"/>
+      </p:ext>
+    </p:extLst>
+  </p:cSld>
+  <p:clrMapOvr>
+    <a:masterClrMapping/>
+  </p:clrMapOvr>
+</p:sld>
+</file>
+
+<file path=ppt/slides/slide140.xml><?xml version="1.0" encoding="utf-8"?>
+<p:sld xmlns:a="http://schemas.openxmlformats.org/drawingml/2006/main" xmlns:r="http://schemas.openxmlformats.org/officeDocument/2006/relationships" xmlns:p="http://schemas.openxmlformats.org/presentationml/2006/main">
+  <p:cSld>
+    <p:spTree>
+      <p:nvGrpSpPr>
+        <p:cNvPr id="1" name=""/>
+        <p:cNvGrpSpPr/>
+        <p:nvPr/>
+      </p:nvGrpSpPr>
+      <p:grpSpPr>
+        <a:xfrm>
+          <a:off x="0" y="0"/>
+          <a:ext cx="0" cy="0"/>
+          <a:chOff x="0" y="0"/>
+          <a:chExt cx="0" cy="0"/>
+        </a:xfrm>
+      </p:grpSpPr>
+      <p:sp>
+        <p:nvSpPr>
+          <p:cNvPr id="2" name="Title 1">
+            <a:extLst>
+              <a:ext uri="{FF2B5EF4-FFF2-40B4-BE49-F238E27FC236}">
+                <a16:creationId xmlns:a16="http://schemas.microsoft.com/office/drawing/2014/main" id="{5D0EAFB7-8E8E-44B7-B68D-4C4FEB4D9218}"/>
+              </a:ext>
+            </a:extLst>
+          </p:cNvPr>
+          <p:cNvSpPr>
+            <a:spLocks noGrp="1"/>
+          </p:cNvSpPr>
+          <p:nvPr>
+            <p:ph type="title"/>
+          </p:nvPr>
+        </p:nvSpPr>
+        <p:spPr/>
+        <p:txBody>
+          <a:bodyPr/>
+          <a:lstStyle/>
+          <a:p>
+            <a:r>
+              <a:rPr lang="en-US" b="1" dirty="0"/>
+              <a:t>Clients and wallets</a:t>
+            </a:r>
+            <a:endParaRPr lang="en-US" dirty="0"/>
+          </a:p>
+        </p:txBody>
+      </p:sp>
+      <p:sp>
+        <p:nvSpPr>
+          <p:cNvPr id="3" name="Content Placeholder 2">
+            <a:extLst>
+              <a:ext uri="{FF2B5EF4-FFF2-40B4-BE49-F238E27FC236}">
+                <a16:creationId xmlns:a16="http://schemas.microsoft.com/office/drawing/2014/main" id="{DE92F15D-510B-4654-9B48-2A9DCE63D0E4}"/>
+              </a:ext>
+            </a:extLst>
+          </p:cNvPr>
+          <p:cNvSpPr>
+            <a:spLocks noGrp="1"/>
+          </p:cNvSpPr>
+          <p:nvPr>
+            <p:ph idx="1"/>
+          </p:nvPr>
+        </p:nvSpPr>
+        <p:spPr>
+          <a:xfrm>
+            <a:off x="1896485" y="1704108"/>
+            <a:ext cx="8911687" cy="4087091"/>
+          </a:xfrm>
+        </p:spPr>
+        <p:txBody>
+          <a:bodyPr>
+            <a:normAutofit fontScale="92500" lnSpcReduction="10000"/>
+          </a:bodyPr>
+          <a:lstStyle/>
+          <a:p>
+            <a:r>
+              <a:rPr lang="en-US" sz="2800" b="1" dirty="0" err="1"/>
+              <a:t>Geth</a:t>
+            </a:r>
+            <a:endParaRPr lang="en-US" sz="2800" b="1" dirty="0"/>
+          </a:p>
+          <a:p>
+            <a:pPr lvl="1"/>
+            <a:r>
+              <a:rPr lang="en-US" sz="2400" dirty="0"/>
+              <a:t>This is the Go implementation of the Ethereum client.</a:t>
+            </a:r>
+          </a:p>
+          <a:p>
+            <a:r>
+              <a:rPr lang="en-US" sz="2800" b="1" dirty="0"/>
+              <a:t>Eth</a:t>
+            </a:r>
+          </a:p>
+          <a:p>
+            <a:pPr lvl="1"/>
+            <a:r>
+              <a:rPr lang="en-US" sz="2400" dirty="0"/>
+              <a:t>This is the C++ implementation of the Ethereum client.</a:t>
+            </a:r>
+          </a:p>
+          <a:p>
+            <a:r>
+              <a:rPr lang="en-US" sz="2800" b="1" dirty="0" err="1"/>
+              <a:t>Pyethapp</a:t>
+            </a:r>
+            <a:endParaRPr lang="en-US" sz="2800" b="1" dirty="0"/>
+          </a:p>
+          <a:p>
+            <a:pPr lvl="1"/>
+            <a:r>
+              <a:rPr lang="en-US" sz="2400" dirty="0"/>
+              <a:t>This is the Python implementation of the Ethereum client.</a:t>
+            </a:r>
+          </a:p>
+          <a:p>
+            <a:r>
+              <a:rPr lang="en-US" sz="2800" b="1" dirty="0"/>
+              <a:t>Parity</a:t>
+            </a:r>
+          </a:p>
+          <a:p>
+            <a:pPr lvl="1"/>
+            <a:r>
+              <a:rPr lang="en-US" sz="2400" dirty="0"/>
+              <a:t>This implementation is built using Rust and developed by </a:t>
+            </a:r>
+            <a:r>
+              <a:rPr lang="en-US" sz="2400" dirty="0" err="1"/>
+              <a:t>EthCore</a:t>
+            </a:r>
+            <a:r>
+              <a:rPr lang="en-US" sz="2400" dirty="0"/>
+              <a:t>. </a:t>
+            </a:r>
+          </a:p>
+        </p:txBody>
+      </p:sp>
+    </p:spTree>
+    <p:extLst>
+      <p:ext uri="{BB962C8B-B14F-4D97-AF65-F5344CB8AC3E}">
+        <p14:creationId xmlns:p14="http://schemas.microsoft.com/office/powerpoint/2010/main" val="3316995594"/>
+      </p:ext>
+    </p:extLst>
+  </p:cSld>
+  <p:clrMapOvr>
+    <a:masterClrMapping/>
+  </p:clrMapOvr>
+</p:sld>
+</file>
+
+<file path=ppt/slides/slide141.xml><?xml version="1.0" encoding="utf-8"?>
+<p:sld xmlns:a="http://schemas.openxmlformats.org/drawingml/2006/main" xmlns:r="http://schemas.openxmlformats.org/officeDocument/2006/relationships" xmlns:p="http://schemas.openxmlformats.org/presentationml/2006/main">
+  <p:cSld>
+    <p:spTree>
+      <p:nvGrpSpPr>
+        <p:cNvPr id="1" name=""/>
+        <p:cNvGrpSpPr/>
+        <p:nvPr/>
+      </p:nvGrpSpPr>
+      <p:grpSpPr>
+        <a:xfrm>
+          <a:off x="0" y="0"/>
+          <a:ext cx="0" cy="0"/>
+          <a:chOff x="0" y="0"/>
+          <a:chExt cx="0" cy="0"/>
+        </a:xfrm>
+      </p:grpSpPr>
+      <p:sp>
+        <p:nvSpPr>
+          <p:cNvPr id="2" name="Title 1">
+            <a:extLst>
+              <a:ext uri="{FF2B5EF4-FFF2-40B4-BE49-F238E27FC236}">
+                <a16:creationId xmlns:a16="http://schemas.microsoft.com/office/drawing/2014/main" id="{B31CCA45-A3E1-4F8E-AE42-C55C1DC5C849}"/>
+              </a:ext>
+            </a:extLst>
+          </p:cNvPr>
+          <p:cNvSpPr>
+            <a:spLocks noGrp="1"/>
+          </p:cNvSpPr>
+          <p:nvPr>
+            <p:ph type="title"/>
+          </p:nvPr>
+        </p:nvSpPr>
+        <p:spPr/>
+        <p:txBody>
+          <a:bodyPr/>
+          <a:lstStyle/>
+          <a:p>
+            <a:r>
+              <a:rPr lang="en-US" b="1" dirty="0"/>
+              <a:t>Light clients</a:t>
+            </a:r>
+            <a:endParaRPr lang="en-US" dirty="0"/>
+          </a:p>
+        </p:txBody>
+      </p:sp>
+      <p:sp>
+        <p:nvSpPr>
+          <p:cNvPr id="3" name="Content Placeholder 2">
+            <a:extLst>
+              <a:ext uri="{FF2B5EF4-FFF2-40B4-BE49-F238E27FC236}">
+                <a16:creationId xmlns:a16="http://schemas.microsoft.com/office/drawing/2014/main" id="{EF4C842A-929E-446B-8BBE-281849E0CE11}"/>
+              </a:ext>
+            </a:extLst>
+          </p:cNvPr>
+          <p:cNvSpPr>
+            <a:spLocks noGrp="1"/>
+          </p:cNvSpPr>
+          <p:nvPr>
+            <p:ph idx="1"/>
+          </p:nvPr>
+        </p:nvSpPr>
+        <p:spPr>
+          <a:xfrm>
+            <a:off x="1039090" y="1540188"/>
+            <a:ext cx="10465521" cy="4693701"/>
+          </a:xfrm>
+        </p:spPr>
+        <p:txBody>
+          <a:bodyPr>
+            <a:normAutofit lnSpcReduction="10000"/>
+          </a:bodyPr>
+          <a:lstStyle/>
+          <a:p>
+            <a:r>
+              <a:rPr lang="en-US" sz="2800" dirty="0"/>
+              <a:t>SPV clients download only a small subset of the blockchain. </a:t>
+            </a:r>
+          </a:p>
+          <a:p>
+            <a:pPr lvl="1"/>
+            <a:r>
+              <a:rPr lang="en-US" sz="2400" dirty="0"/>
+              <a:t>This allows low resource devices, such as mobile phones, embedded devices, or tablets, to be able to verify the transactions. </a:t>
+            </a:r>
+          </a:p>
+          <a:p>
+            <a:r>
+              <a:rPr lang="en-US" sz="2800" dirty="0"/>
+              <a:t>SPV clients validate the execution of transactions. </a:t>
+            </a:r>
+          </a:p>
+          <a:p>
+            <a:r>
+              <a:rPr lang="en-US" sz="2800" dirty="0"/>
+              <a:t>SPV clients are also called light clients.</a:t>
+            </a:r>
+          </a:p>
+          <a:p>
+            <a:r>
+              <a:rPr lang="en-US" sz="2800" dirty="0"/>
+              <a:t> There is a wallet available from Jaxx (h t </a:t>
+            </a:r>
+            <a:r>
+              <a:rPr lang="en-US" sz="2800" dirty="0" err="1"/>
+              <a:t>t</a:t>
+            </a:r>
+            <a:r>
+              <a:rPr lang="en-US" sz="2800" dirty="0"/>
+              <a:t> p s ://j a x </a:t>
+            </a:r>
+            <a:r>
+              <a:rPr lang="en-US" sz="2800" dirty="0" err="1"/>
+              <a:t>x</a:t>
+            </a:r>
+            <a:r>
+              <a:rPr lang="en-US" sz="2800" dirty="0"/>
+              <a:t> . </a:t>
+            </a:r>
+            <a:r>
+              <a:rPr lang="en-US" sz="2800" dirty="0" err="1"/>
+              <a:t>i</a:t>
+            </a:r>
+            <a:r>
+              <a:rPr lang="en-US" sz="2800" dirty="0"/>
+              <a:t> o / ),</a:t>
+            </a:r>
+          </a:p>
+          <a:p>
+            <a:pPr lvl="1"/>
+            <a:r>
+              <a:rPr lang="en-US" sz="2400" dirty="0"/>
+              <a:t> which can be installed on iOS and Android, which provides the </a:t>
+            </a:r>
+            <a:r>
+              <a:rPr lang="en-US" sz="2400" b="1" dirty="0"/>
+              <a:t>SPV </a:t>
+            </a:r>
+            <a:r>
+              <a:rPr lang="en-US" sz="2400" dirty="0"/>
+              <a:t>(</a:t>
+            </a:r>
+            <a:r>
+              <a:rPr lang="en-US" sz="2400" b="1" dirty="0"/>
+              <a:t>Simple Payment Verification</a:t>
+            </a:r>
+            <a:r>
+              <a:rPr lang="en-US" sz="2400" dirty="0"/>
+              <a:t>) functionality.</a:t>
+            </a:r>
+          </a:p>
+        </p:txBody>
+      </p:sp>
+    </p:spTree>
+    <p:extLst>
+      <p:ext uri="{BB962C8B-B14F-4D97-AF65-F5344CB8AC3E}">
+        <p14:creationId xmlns:p14="http://schemas.microsoft.com/office/powerpoint/2010/main" val="260081372"/>
+      </p:ext>
+    </p:extLst>
+  </p:cSld>
+  <p:clrMapOvr>
+    <a:masterClrMapping/>
+  </p:clrMapOvr>
+</p:sld>
+</file>
+
+<file path=ppt/slides/slide142.xml><?xml version="1.0" encoding="utf-8"?>
+<p:sld xmlns:a="http://schemas.openxmlformats.org/drawingml/2006/main" xmlns:r="http://schemas.openxmlformats.org/officeDocument/2006/relationships" xmlns:p="http://schemas.openxmlformats.org/presentationml/2006/main">
+  <p:cSld>
+    <p:spTree>
+      <p:nvGrpSpPr>
+        <p:cNvPr id="1" name=""/>
+        <p:cNvGrpSpPr/>
+        <p:nvPr/>
+      </p:nvGrpSpPr>
+      <p:grpSpPr>
+        <a:xfrm>
+          <a:off x="0" y="0"/>
+          <a:ext cx="0" cy="0"/>
+          <a:chOff x="0" y="0"/>
+          <a:chExt cx="0" cy="0"/>
+        </a:xfrm>
+      </p:grpSpPr>
+      <p:sp>
+        <p:nvSpPr>
+          <p:cNvPr id="2" name="Title 1">
+            <a:extLst>
+              <a:ext uri="{FF2B5EF4-FFF2-40B4-BE49-F238E27FC236}">
+                <a16:creationId xmlns:a16="http://schemas.microsoft.com/office/drawing/2014/main" id="{BEC062E9-4CB6-4BA2-83A7-A2FC4DE70930}"/>
+              </a:ext>
+            </a:extLst>
+          </p:cNvPr>
+          <p:cNvSpPr>
+            <a:spLocks noGrp="1"/>
+          </p:cNvSpPr>
+          <p:nvPr>
+            <p:ph type="title"/>
+          </p:nvPr>
+        </p:nvSpPr>
+        <p:spPr/>
+        <p:txBody>
+          <a:bodyPr/>
+          <a:lstStyle/>
+          <a:p>
+            <a:r>
+              <a:rPr lang="en-US" b="1" dirty="0"/>
+              <a:t>Installation</a:t>
+            </a:r>
+            <a:endParaRPr lang="en-US" dirty="0"/>
+          </a:p>
+        </p:txBody>
+      </p:sp>
+      <p:sp>
+        <p:nvSpPr>
+          <p:cNvPr id="3" name="Content Placeholder 2">
+            <a:extLst>
+              <a:ext uri="{FF2B5EF4-FFF2-40B4-BE49-F238E27FC236}">
+                <a16:creationId xmlns:a16="http://schemas.microsoft.com/office/drawing/2014/main" id="{BCC60F6B-0400-41A6-B547-07A2A2886097}"/>
+              </a:ext>
+            </a:extLst>
+          </p:cNvPr>
+          <p:cNvSpPr>
+            <a:spLocks noGrp="1"/>
+          </p:cNvSpPr>
+          <p:nvPr>
+            <p:ph idx="1"/>
+          </p:nvPr>
+        </p:nvSpPr>
+        <p:spPr>
+          <a:xfrm>
+            <a:off x="1289151" y="3865418"/>
+            <a:ext cx="8915400" cy="3777622"/>
+          </a:xfrm>
+        </p:spPr>
+        <p:txBody>
+          <a:bodyPr>
+            <a:normAutofit/>
+          </a:bodyPr>
+          <a:lstStyle/>
+          <a:p>
+            <a:r>
+              <a:rPr lang="en-US" sz="2800" dirty="0" err="1"/>
+              <a:t>Geth</a:t>
+            </a:r>
+            <a:r>
+              <a:rPr lang="en-US" sz="2800" dirty="0"/>
+              <a:t> can be launched simply by issuing the </a:t>
+            </a:r>
+            <a:r>
+              <a:rPr lang="en-US" sz="2800" dirty="0" err="1"/>
+              <a:t>geth</a:t>
+            </a:r>
+            <a:r>
+              <a:rPr lang="en-US" sz="2800" dirty="0"/>
+              <a:t> command at the command prompt</a:t>
+            </a:r>
+          </a:p>
+          <a:p>
+            <a:pPr lvl="1"/>
+            <a:r>
+              <a:rPr lang="en-US" sz="2400" dirty="0"/>
+              <a:t> as it comes preconfigured with all the required parameters to connect to the live Ethereum network (</a:t>
+            </a:r>
+            <a:r>
+              <a:rPr lang="en-US" sz="2400" dirty="0" err="1"/>
+              <a:t>mainnet</a:t>
+            </a:r>
+            <a:r>
+              <a:rPr lang="en-US" sz="2400" dirty="0"/>
+              <a:t>):</a:t>
+            </a:r>
+          </a:p>
+          <a:p>
+            <a:r>
+              <a:rPr lang="en-US" sz="2800" b="1" dirty="0"/>
+              <a:t>&gt; </a:t>
+            </a:r>
+            <a:r>
+              <a:rPr lang="en-US" sz="2800" b="1" dirty="0" err="1"/>
+              <a:t>geth</a:t>
+            </a:r>
+            <a:endParaRPr lang="en-US" sz="2800" dirty="0"/>
+          </a:p>
+        </p:txBody>
+      </p:sp>
+      <p:pic>
+        <p:nvPicPr>
+          <p:cNvPr id="4" name="Picture 3">
+            <a:extLst>
+              <a:ext uri="{FF2B5EF4-FFF2-40B4-BE49-F238E27FC236}">
+                <a16:creationId xmlns:a16="http://schemas.microsoft.com/office/drawing/2014/main" id="{F2BD2757-100F-4898-B47B-682E281433F9}"/>
+              </a:ext>
+            </a:extLst>
+          </p:cNvPr>
+          <p:cNvPicPr>
+            <a:picLocks noChangeAspect="1"/>
+          </p:cNvPicPr>
+          <p:nvPr/>
+        </p:nvPicPr>
+        <p:blipFill>
+          <a:blip r:embed="rId2"/>
+          <a:stretch>
+            <a:fillRect/>
+          </a:stretch>
+        </p:blipFill>
+        <p:spPr>
+          <a:xfrm>
+            <a:off x="1130731" y="1341292"/>
+            <a:ext cx="10673114" cy="2087708"/>
+          </a:xfrm>
+          <a:prstGeom prst="rect">
+            <a:avLst/>
+          </a:prstGeom>
+        </p:spPr>
+      </p:pic>
+    </p:spTree>
+    <p:extLst>
+      <p:ext uri="{BB962C8B-B14F-4D97-AF65-F5344CB8AC3E}">
+        <p14:creationId xmlns:p14="http://schemas.microsoft.com/office/powerpoint/2010/main" val="1471609924"/>
+      </p:ext>
+    </p:extLst>
+  </p:cSld>
+  <p:clrMapOvr>
+    <a:masterClrMapping/>
+  </p:clrMapOvr>
+</p:sld>
+</file>
+
+<file path=ppt/slides/slide143.xml><?xml version="1.0" encoding="utf-8"?>
+<p:sld xmlns:a="http://schemas.openxmlformats.org/drawingml/2006/main" xmlns:r="http://schemas.openxmlformats.org/officeDocument/2006/relationships" xmlns:p="http://schemas.openxmlformats.org/presentationml/2006/main">
+  <p:cSld>
+    <p:spTree>
+      <p:nvGrpSpPr>
+        <p:cNvPr id="1" name=""/>
+        <p:cNvGrpSpPr/>
+        <p:nvPr/>
+      </p:nvGrpSpPr>
+      <p:grpSpPr>
+        <a:xfrm>
+          <a:off x="0" y="0"/>
+          <a:ext cx="0" cy="0"/>
+          <a:chOff x="0" y="0"/>
+          <a:chExt cx="0" cy="0"/>
+        </a:xfrm>
+      </p:grpSpPr>
+      <p:sp>
+        <p:nvSpPr>
+          <p:cNvPr id="2" name="Title 1">
+            <a:extLst>
+              <a:ext uri="{FF2B5EF4-FFF2-40B4-BE49-F238E27FC236}">
+                <a16:creationId xmlns:a16="http://schemas.microsoft.com/office/drawing/2014/main" id="{142215FE-8024-4973-92A3-CA2603E43E35}"/>
+              </a:ext>
+            </a:extLst>
+          </p:cNvPr>
+          <p:cNvSpPr>
+            <a:spLocks noGrp="1"/>
+          </p:cNvSpPr>
+          <p:nvPr>
+            <p:ph type="title"/>
+          </p:nvPr>
+        </p:nvSpPr>
+        <p:spPr/>
+        <p:txBody>
+          <a:bodyPr/>
+          <a:lstStyle/>
+          <a:p>
+            <a:r>
+              <a:rPr lang="en-US" b="1" dirty="0"/>
+              <a:t>Installation</a:t>
+            </a:r>
+            <a:endParaRPr lang="en-US" dirty="0"/>
+          </a:p>
+        </p:txBody>
+      </p:sp>
+      <p:sp>
+        <p:nvSpPr>
+          <p:cNvPr id="3" name="Content Placeholder 2">
+            <a:extLst>
+              <a:ext uri="{FF2B5EF4-FFF2-40B4-BE49-F238E27FC236}">
+                <a16:creationId xmlns:a16="http://schemas.microsoft.com/office/drawing/2014/main" id="{0BCCA9F4-F3D1-46FC-BB2D-4BE42F515F93}"/>
+              </a:ext>
+            </a:extLst>
+          </p:cNvPr>
+          <p:cNvSpPr>
+            <a:spLocks noGrp="1"/>
+          </p:cNvSpPr>
+          <p:nvPr>
+            <p:ph idx="1"/>
+          </p:nvPr>
+        </p:nvSpPr>
+        <p:spPr/>
+        <p:txBody>
+          <a:bodyPr/>
+          <a:lstStyle/>
+          <a:p>
+            <a:endParaRPr lang="en-US"/>
+          </a:p>
+        </p:txBody>
+      </p:sp>
+      <p:pic>
+        <p:nvPicPr>
+          <p:cNvPr id="4" name="Picture 3">
+            <a:extLst>
+              <a:ext uri="{FF2B5EF4-FFF2-40B4-BE49-F238E27FC236}">
+                <a16:creationId xmlns:a16="http://schemas.microsoft.com/office/drawing/2014/main" id="{079BBC9B-9D8F-4DB2-AB43-413906C22001}"/>
+              </a:ext>
+            </a:extLst>
+          </p:cNvPr>
+          <p:cNvPicPr>
+            <a:picLocks noChangeAspect="1"/>
+          </p:cNvPicPr>
+          <p:nvPr/>
+        </p:nvPicPr>
+        <p:blipFill>
+          <a:blip r:embed="rId2"/>
+          <a:stretch>
+            <a:fillRect/>
+          </a:stretch>
+        </p:blipFill>
+        <p:spPr>
+          <a:xfrm>
+            <a:off x="1153824" y="1552576"/>
+            <a:ext cx="10549830" cy="4501860"/>
+          </a:xfrm>
+          <a:prstGeom prst="rect">
+            <a:avLst/>
+          </a:prstGeom>
+        </p:spPr>
+      </p:pic>
+    </p:spTree>
+    <p:extLst>
+      <p:ext uri="{BB962C8B-B14F-4D97-AF65-F5344CB8AC3E}">
+        <p14:creationId xmlns:p14="http://schemas.microsoft.com/office/powerpoint/2010/main" val="234625126"/>
+      </p:ext>
+    </p:extLst>
+  </p:cSld>
+  <p:clrMapOvr>
+    <a:masterClrMapping/>
+  </p:clrMapOvr>
+</p:sld>
+</file>
+
+<file path=ppt/slides/slide144.xml><?xml version="1.0" encoding="utf-8"?>
+<p:sld xmlns:a="http://schemas.openxmlformats.org/drawingml/2006/main" xmlns:r="http://schemas.openxmlformats.org/officeDocument/2006/relationships" xmlns:p="http://schemas.openxmlformats.org/presentationml/2006/main">
+  <p:cSld>
+    <p:spTree>
+      <p:nvGrpSpPr>
+        <p:cNvPr id="1" name=""/>
+        <p:cNvGrpSpPr/>
+        <p:nvPr/>
+      </p:nvGrpSpPr>
+      <p:grpSpPr>
+        <a:xfrm>
+          <a:off x="0" y="0"/>
+          <a:ext cx="0" cy="0"/>
+          <a:chOff x="0" y="0"/>
+          <a:chExt cx="0" cy="0"/>
+        </a:xfrm>
+      </p:grpSpPr>
+      <p:sp>
+        <p:nvSpPr>
+          <p:cNvPr id="2" name="Title 1">
+            <a:extLst>
+              <a:ext uri="{FF2B5EF4-FFF2-40B4-BE49-F238E27FC236}">
+                <a16:creationId xmlns:a16="http://schemas.microsoft.com/office/drawing/2014/main" id="{7404B6AC-5A99-482C-8A18-3F29C2A43614}"/>
+              </a:ext>
+            </a:extLst>
+          </p:cNvPr>
+          <p:cNvSpPr>
+            <a:spLocks noGrp="1"/>
+          </p:cNvSpPr>
+          <p:nvPr>
+            <p:ph type="title"/>
+          </p:nvPr>
+        </p:nvSpPr>
+        <p:spPr/>
+        <p:txBody>
+          <a:bodyPr/>
+          <a:lstStyle/>
+          <a:p>
+            <a:endParaRPr lang="en-US"/>
+          </a:p>
+        </p:txBody>
+      </p:sp>
+      <p:sp>
+        <p:nvSpPr>
+          <p:cNvPr id="3" name="Content Placeholder 2">
+            <a:extLst>
+              <a:ext uri="{FF2B5EF4-FFF2-40B4-BE49-F238E27FC236}">
+                <a16:creationId xmlns:a16="http://schemas.microsoft.com/office/drawing/2014/main" id="{952C0D89-F365-4A5B-A425-BC4D04C1DE49}"/>
+              </a:ext>
+            </a:extLst>
+          </p:cNvPr>
+          <p:cNvSpPr>
+            <a:spLocks noGrp="1"/>
+          </p:cNvSpPr>
+          <p:nvPr>
+            <p:ph idx="1"/>
+          </p:nvPr>
+        </p:nvSpPr>
+        <p:spPr/>
+        <p:txBody>
+          <a:bodyPr/>
+          <a:lstStyle/>
+          <a:p>
+            <a:endParaRPr lang="en-US"/>
+          </a:p>
+        </p:txBody>
+      </p:sp>
+      <p:pic>
+        <p:nvPicPr>
+          <p:cNvPr id="4" name="Picture 3">
+            <a:extLst>
+              <a:ext uri="{FF2B5EF4-FFF2-40B4-BE49-F238E27FC236}">
+                <a16:creationId xmlns:a16="http://schemas.microsoft.com/office/drawing/2014/main" id="{1D790913-BBA8-4ED4-B789-93C138082872}"/>
+              </a:ext>
+            </a:extLst>
+          </p:cNvPr>
+          <p:cNvPicPr>
+            <a:picLocks noChangeAspect="1"/>
+          </p:cNvPicPr>
+          <p:nvPr/>
+        </p:nvPicPr>
+        <p:blipFill>
+          <a:blip r:embed="rId2"/>
+          <a:stretch>
+            <a:fillRect/>
+          </a:stretch>
+        </p:blipFill>
+        <p:spPr>
+          <a:xfrm>
+            <a:off x="1471612" y="214312"/>
+            <a:ext cx="10399396" cy="6019578"/>
+          </a:xfrm>
+          <a:prstGeom prst="rect">
+            <a:avLst/>
+          </a:prstGeom>
+        </p:spPr>
+      </p:pic>
+    </p:spTree>
+    <p:extLst>
+      <p:ext uri="{BB962C8B-B14F-4D97-AF65-F5344CB8AC3E}">
+        <p14:creationId xmlns:p14="http://schemas.microsoft.com/office/powerpoint/2010/main" val="2430520637"/>
+      </p:ext>
+    </p:extLst>
+  </p:cSld>
+  <p:clrMapOvr>
+    <a:masterClrMapping/>
+  </p:clrMapOvr>
+</p:sld>
+</file>
+
+<file path=ppt/slides/slide145.xml><?xml version="1.0" encoding="utf-8"?>
+<p:sld xmlns:a="http://schemas.openxmlformats.org/drawingml/2006/main" xmlns:r="http://schemas.openxmlformats.org/officeDocument/2006/relationships" xmlns:p="http://schemas.openxmlformats.org/presentationml/2006/main">
+  <p:cSld>
+    <p:spTree>
+      <p:nvGrpSpPr>
+        <p:cNvPr id="1" name=""/>
+        <p:cNvGrpSpPr/>
+        <p:nvPr/>
+      </p:nvGrpSpPr>
+      <p:grpSpPr>
+        <a:xfrm>
+          <a:off x="0" y="0"/>
+          <a:ext cx="0" cy="0"/>
+          <a:chOff x="0" y="0"/>
+          <a:chExt cx="0" cy="0"/>
+        </a:xfrm>
+      </p:grpSpPr>
+      <p:sp>
+        <p:nvSpPr>
+          <p:cNvPr id="2" name="Title 1">
+            <a:extLst>
+              <a:ext uri="{FF2B5EF4-FFF2-40B4-BE49-F238E27FC236}">
+                <a16:creationId xmlns:a16="http://schemas.microsoft.com/office/drawing/2014/main" id="{52575E53-3EDB-4CBA-A512-9CAE9BC0F472}"/>
+              </a:ext>
+            </a:extLst>
+          </p:cNvPr>
+          <p:cNvSpPr>
+            <a:spLocks noGrp="1"/>
+          </p:cNvSpPr>
+          <p:nvPr>
+            <p:ph type="title"/>
+          </p:nvPr>
+        </p:nvSpPr>
+        <p:spPr/>
+        <p:txBody>
+          <a:bodyPr/>
+          <a:lstStyle/>
+          <a:p>
+            <a:endParaRPr lang="en-US"/>
+          </a:p>
+        </p:txBody>
+      </p:sp>
+      <p:sp>
+        <p:nvSpPr>
+          <p:cNvPr id="3" name="Content Placeholder 2">
+            <a:extLst>
+              <a:ext uri="{FF2B5EF4-FFF2-40B4-BE49-F238E27FC236}">
+                <a16:creationId xmlns:a16="http://schemas.microsoft.com/office/drawing/2014/main" id="{389E4A5C-A5ED-42C2-BB4F-FD4A3F6AAD89}"/>
+              </a:ext>
+            </a:extLst>
+          </p:cNvPr>
+          <p:cNvSpPr>
+            <a:spLocks noGrp="1"/>
+          </p:cNvSpPr>
+          <p:nvPr>
+            <p:ph idx="1"/>
+          </p:nvPr>
+        </p:nvSpPr>
+        <p:spPr>
+          <a:xfrm>
+            <a:off x="1522412" y="1175379"/>
+            <a:ext cx="8915400" cy="3777622"/>
+          </a:xfrm>
+        </p:spPr>
+        <p:txBody>
+          <a:bodyPr>
+            <a:normAutofit/>
+          </a:bodyPr>
+          <a:lstStyle/>
+          <a:p>
+            <a:r>
+              <a:rPr lang="en-US" sz="2000" b="1" dirty="0"/>
+              <a:t>The </a:t>
+            </a:r>
+            <a:r>
+              <a:rPr lang="en-US" sz="2000" b="1" dirty="0" err="1"/>
+              <a:t>geth</a:t>
+            </a:r>
+            <a:r>
+              <a:rPr lang="en-US" sz="2000" b="1" dirty="0"/>
+              <a:t> console</a:t>
+            </a:r>
+          </a:p>
+          <a:p>
+            <a:pPr lvl="1"/>
+            <a:r>
+              <a:rPr lang="en-US" sz="1800" dirty="0"/>
+              <a:t>The </a:t>
+            </a:r>
+            <a:r>
+              <a:rPr lang="en-US" sz="1800" dirty="0" err="1"/>
+              <a:t>geth</a:t>
+            </a:r>
+            <a:r>
+              <a:rPr lang="en-US" sz="1800" dirty="0"/>
+              <a:t> JavaScript console can be used to perform various functions</a:t>
+            </a:r>
+          </a:p>
+        </p:txBody>
+      </p:sp>
+      <p:pic>
+        <p:nvPicPr>
+          <p:cNvPr id="4" name="Picture 3">
+            <a:extLst>
+              <a:ext uri="{FF2B5EF4-FFF2-40B4-BE49-F238E27FC236}">
+                <a16:creationId xmlns:a16="http://schemas.microsoft.com/office/drawing/2014/main" id="{0DB3BE5D-2CAA-44A6-8283-AC8785602125}"/>
+              </a:ext>
+            </a:extLst>
+          </p:cNvPr>
+          <p:cNvPicPr>
+            <a:picLocks noChangeAspect="1"/>
+          </p:cNvPicPr>
+          <p:nvPr/>
+        </p:nvPicPr>
+        <p:blipFill>
+          <a:blip r:embed="rId2"/>
+          <a:stretch>
+            <a:fillRect/>
+          </a:stretch>
+        </p:blipFill>
+        <p:spPr>
+          <a:xfrm>
+            <a:off x="1522412" y="2347690"/>
+            <a:ext cx="9905498" cy="4094674"/>
+          </a:xfrm>
+          <a:prstGeom prst="rect">
+            <a:avLst/>
+          </a:prstGeom>
+        </p:spPr>
+      </p:pic>
+    </p:spTree>
+    <p:extLst>
+      <p:ext uri="{BB962C8B-B14F-4D97-AF65-F5344CB8AC3E}">
+        <p14:creationId xmlns:p14="http://schemas.microsoft.com/office/powerpoint/2010/main" val="1782721947"/>
+      </p:ext>
+    </p:extLst>
+  </p:cSld>
+  <p:clrMapOvr>
+    <a:masterClrMapping/>
+  </p:clrMapOvr>
+</p:sld>
+</file>
+
+<file path=ppt/slides/slide146.xml><?xml version="1.0" encoding="utf-8"?>
+<p:sld xmlns:a="http://schemas.openxmlformats.org/drawingml/2006/main" xmlns:r="http://schemas.openxmlformats.org/officeDocument/2006/relationships" xmlns:p="http://schemas.openxmlformats.org/presentationml/2006/main">
+  <p:cSld>
+    <p:spTree>
+      <p:nvGrpSpPr>
+        <p:cNvPr id="1" name=""/>
+        <p:cNvGrpSpPr/>
+        <p:nvPr/>
+      </p:nvGrpSpPr>
+      <p:grpSpPr>
+        <a:xfrm>
+          <a:off x="0" y="0"/>
+          <a:ext cx="0" cy="0"/>
+          <a:chOff x="0" y="0"/>
+          <a:chExt cx="0" cy="0"/>
+        </a:xfrm>
+      </p:grpSpPr>
+      <p:sp>
+        <p:nvSpPr>
           <p:cNvPr id="2" name="Title 1">
             <a:extLst>
               <a:ext uri="{FF2B5EF4-FFF2-40B4-BE49-F238E27FC236}">
@@ -13959,10 +16248,15 @@
             <p:ph idx="1"/>
           </p:nvPr>
         </p:nvSpPr>
-        <p:spPr/>
+        <p:spPr>
+          <a:xfrm>
+            <a:off x="1638299" y="1540189"/>
+            <a:ext cx="9692309" cy="5059394"/>
+          </a:xfrm>
+        </p:spPr>
         <p:txBody>
           <a:bodyPr>
-            <a:normAutofit lnSpcReduction="10000"/>
+            <a:normAutofit fontScale="92500" lnSpcReduction="20000"/>
           </a:bodyPr>
           <a:lstStyle/>
           <a:p>
@@ -13974,9 +16268,12 @@
               <a:rPr lang="en-US" sz="2400" i="1" dirty="0"/>
               <a:t>Dr. Gavin Wood </a:t>
             </a:r>
-            <a:r>
-              <a:rPr lang="en-US" sz="2400" dirty="0"/>
-              <a:t>and serves as a formal definition of the Ethereum protocol. </a:t>
+          </a:p>
+          <a:p>
+            <a:pPr lvl="1"/>
+            <a:r>
+              <a:rPr lang="en-US" sz="2200" dirty="0"/>
+              <a:t>serves as a formal definition of the Ethereum protocol. </a:t>
             </a:r>
           </a:p>
           <a:p>
@@ -13988,13 +16285,30 @@
           <a:p>
             <a:r>
               <a:rPr lang="en-US" sz="2400" dirty="0"/>
-              <a:t> The list of all symbols with their meanings used in the paper is provided here </a:t>
-            </a:r>
-          </a:p>
-          <a:p>
-            <a:r>
-              <a:rPr lang="en-US" sz="2400" dirty="0"/>
-              <a:t>Once symbol meanings are known, it becomes quite easy to understand and appreciate the concepts and specifications described in the yellow paper.</a:t>
+              <a:t>Abstract</a:t>
+            </a:r>
+          </a:p>
+          <a:p>
+            <a:pPr lvl="1"/>
+            <a:r>
+              <a:rPr lang="en-US" sz="2200" dirty="0"/>
+              <a:t>The blockchain paradigm when coupled with cryptographically-secured transactions has demonstrated its utility through a number of projects, with Bitcoin being one of the most notable ones. Each such project can be seen as a simple application on a </a:t>
+            </a:r>
+            <a:r>
+              <a:rPr lang="en-US" sz="2200" dirty="0" err="1"/>
+              <a:t>decentralised</a:t>
+            </a:r>
+            <a:r>
+              <a:rPr lang="en-US" sz="2200" dirty="0"/>
+              <a:t>, but singleton, compute resource. We can call this paradigm a transactional singleton machine with shared-state. Ethereum implements this paradigm in a </a:t>
+            </a:r>
+            <a:r>
+              <a:rPr lang="en-US" sz="2200" dirty="0" err="1"/>
+              <a:t>generalised</a:t>
+            </a:r>
+            <a:r>
+              <a:rPr lang="en-US" sz="2200" dirty="0"/>
+              <a:t> manner. Furthermore it provides a plurality of such resources, each with a distinct state and operating code but able to interact through a message-passing framework with others. We discuss its design, implementation issues, the opportunities it provides and the future hurdles we envisage.</a:t>
             </a:r>
           </a:p>
         </p:txBody>
@@ -14012,7 +16326,7 @@
 </p:sld>
 </file>
 
-<file path=ppt/slides/slide133.xml><?xml version="1.0" encoding="utf-8"?>
+<file path=ppt/slides/slide147.xml><?xml version="1.0" encoding="utf-8"?>
 <p:sld xmlns:a="http://schemas.openxmlformats.org/drawingml/2006/main" xmlns:r="http://schemas.openxmlformats.org/officeDocument/2006/relationships" xmlns:p="http://schemas.openxmlformats.org/presentationml/2006/main">
   <p:cSld>
     <p:spTree>
@@ -14105,7 +16419,7 @@
         </p:blipFill>
         <p:spPr>
           <a:xfrm>
-            <a:off x="2383435" y="1368822"/>
+            <a:off x="2589212" y="1264555"/>
             <a:ext cx="5951095" cy="5383924"/>
           </a:xfrm>
           <a:prstGeom prst="rect">
@@ -14126,7 +16440,7 @@
 </p:sld>
 </file>
 
-<file path=ppt/slides/slide134.xml><?xml version="1.0" encoding="utf-8"?>
+<file path=ppt/slides/slide148.xml><?xml version="1.0" encoding="utf-8"?>
 <p:sld xmlns:a="http://schemas.openxmlformats.org/drawingml/2006/main" xmlns:r="http://schemas.openxmlformats.org/officeDocument/2006/relationships" xmlns:p="http://schemas.openxmlformats.org/presentationml/2006/main">
   <p:cSld>
     <p:spTree>
@@ -14222,7 +16536,7 @@
 </p:sld>
 </file>
 
-<file path=ppt/slides/slide135.xml><?xml version="1.0" encoding="utf-8"?>
+<file path=ppt/slides/slide149.xml><?xml version="1.0" encoding="utf-8"?>
 <p:sld xmlns:a="http://schemas.openxmlformats.org/drawingml/2006/main" xmlns:r="http://schemas.openxmlformats.org/officeDocument/2006/relationships" xmlns:p="http://schemas.openxmlformats.org/presentationml/2006/main">
   <p:cSld>
     <p:spTree>
@@ -14336,7 +16650,177 @@
 </p:sld>
 </file>
 
-<file path=ppt/slides/slide136.xml><?xml version="1.0" encoding="utf-8"?>
+<file path=ppt/slides/slide15.xml><?xml version="1.0" encoding="utf-8"?>
+<p:sld xmlns:a="http://schemas.openxmlformats.org/drawingml/2006/main" xmlns:r="http://schemas.openxmlformats.org/officeDocument/2006/relationships" xmlns:p="http://schemas.openxmlformats.org/presentationml/2006/main">
+  <p:cSld>
+    <p:spTree>
+      <p:nvGrpSpPr>
+        <p:cNvPr id="1" name=""/>
+        <p:cNvGrpSpPr/>
+        <p:nvPr/>
+      </p:nvGrpSpPr>
+      <p:grpSpPr>
+        <a:xfrm>
+          <a:off x="0" y="0"/>
+          <a:ext cx="0" cy="0"/>
+          <a:chOff x="0" y="0"/>
+          <a:chExt cx="0" cy="0"/>
+        </a:xfrm>
+      </p:grpSpPr>
+      <p:sp>
+        <p:nvSpPr>
+          <p:cNvPr id="2" name="Title 1"/>
+          <p:cNvSpPr>
+            <a:spLocks noGrp="1"/>
+          </p:cNvSpPr>
+          <p:nvPr>
+            <p:ph type="title"/>
+          </p:nvPr>
+        </p:nvSpPr>
+        <p:spPr/>
+        <p:txBody>
+          <a:bodyPr/>
+          <a:lstStyle/>
+          <a:p>
+            <a:r>
+              <a:rPr lang="en-US" b="1" dirty="0"/>
+              <a:t>Gas</a:t>
+            </a:r>
+            <a:endParaRPr lang="en-US" dirty="0"/>
+          </a:p>
+        </p:txBody>
+      </p:sp>
+      <p:sp>
+        <p:nvSpPr>
+          <p:cNvPr id="3" name="Content Placeholder 2"/>
+          <p:cNvSpPr>
+            <a:spLocks noGrp="1"/>
+          </p:cNvSpPr>
+          <p:nvPr>
+            <p:ph idx="1"/>
+          </p:nvPr>
+        </p:nvSpPr>
+        <p:spPr>
+          <a:xfrm>
+            <a:off x="2170254" y="1662120"/>
+            <a:ext cx="8915400" cy="3777622"/>
+          </a:xfrm>
+        </p:spPr>
+        <p:txBody>
+          <a:bodyPr>
+            <a:noAutofit/>
+          </a:bodyPr>
+          <a:lstStyle/>
+          <a:p>
+            <a:r>
+              <a:rPr lang="en-US" sz="2800" dirty="0"/>
+              <a:t>Another key concept in </a:t>
+            </a:r>
+            <a:r>
+              <a:rPr lang="en-US" sz="2800" dirty="0" err="1"/>
+              <a:t>Ethereum</a:t>
+            </a:r>
+            <a:r>
+              <a:rPr lang="en-US" sz="2800" dirty="0"/>
+              <a:t> is that of gas. </a:t>
+            </a:r>
+          </a:p>
+          <a:p>
+            <a:r>
+              <a:rPr lang="en-US" sz="2800" dirty="0"/>
+              <a:t>All transactions on the </a:t>
+            </a:r>
+            <a:r>
+              <a:rPr lang="en-US" sz="2800" dirty="0" err="1"/>
+              <a:t>Ethereum</a:t>
+            </a:r>
+            <a:r>
+              <a:rPr lang="en-US" sz="2800" dirty="0"/>
+              <a:t> </a:t>
+            </a:r>
+            <a:r>
+              <a:rPr lang="en-US" sz="2800" dirty="0" err="1"/>
+              <a:t>blockchain</a:t>
+            </a:r>
+            <a:r>
+              <a:rPr lang="en-US" sz="2800" dirty="0"/>
+              <a:t> are required to cover the </a:t>
+            </a:r>
+            <a:r>
+              <a:rPr lang="en-US" sz="2800" b="1" dirty="0"/>
+              <a:t>cost of computation </a:t>
+            </a:r>
+            <a:r>
+              <a:rPr lang="en-US" sz="2800" dirty="0"/>
+              <a:t>they are performing. </a:t>
+            </a:r>
+          </a:p>
+          <a:p>
+            <a:r>
+              <a:rPr lang="en-US" sz="2800" dirty="0"/>
+              <a:t>Cost is covered by something called </a:t>
+            </a:r>
+            <a:r>
+              <a:rPr lang="en-US" sz="2800" b="1" i="1" dirty="0"/>
+              <a:t>gas</a:t>
+            </a:r>
+            <a:r>
+              <a:rPr lang="en-US" sz="2800" i="1" dirty="0"/>
+              <a:t> </a:t>
+            </a:r>
+            <a:r>
+              <a:rPr lang="en-US" sz="2800" dirty="0"/>
+              <a:t>or </a:t>
+            </a:r>
+            <a:r>
+              <a:rPr lang="en-US" sz="2800" b="1" i="1" dirty="0"/>
+              <a:t>crypto fuel</a:t>
+            </a:r>
+            <a:r>
+              <a:rPr lang="en-US" sz="2800" dirty="0"/>
+              <a:t>,</a:t>
+            </a:r>
+          </a:p>
+          <a:p>
+            <a:r>
+              <a:rPr lang="en-US" sz="2800" dirty="0"/>
+              <a:t>Gas as </a:t>
+            </a:r>
+            <a:r>
+              <a:rPr lang="en-US" sz="2800" b="1" i="1" dirty="0"/>
+              <a:t>execution fee </a:t>
+            </a:r>
+            <a:r>
+              <a:rPr lang="en-US" sz="2800" dirty="0"/>
+              <a:t>is paid upfront by the transaction originators. </a:t>
+            </a:r>
+          </a:p>
+          <a:p>
+            <a:r>
+              <a:rPr lang="en-US" sz="2800" b="1" i="1" dirty="0"/>
+              <a:t>fuel </a:t>
+            </a:r>
+            <a:r>
+              <a:rPr lang="en-US" sz="2800" dirty="0"/>
+              <a:t>is consumed with each operation. </a:t>
+            </a:r>
+          </a:p>
+        </p:txBody>
+      </p:sp>
+    </p:spTree>
+    <p:extLst>
+      <p:ext uri="{BB962C8B-B14F-4D97-AF65-F5344CB8AC3E}">
+        <p14:creationId xmlns:p14="http://schemas.microsoft.com/office/powerpoint/2010/main" val="188790350"/>
+      </p:ext>
+    </p:extLst>
+  </p:cSld>
+  <p:clrMapOvr>
+    <a:masterClrMapping/>
+  </p:clrMapOvr>
+</p:sld>
+</file>
+
+<file path=ppt/slides/slide150.xml><?xml version="1.0" encoding="utf-8"?>
 <p:sld xmlns:a="http://schemas.openxmlformats.org/drawingml/2006/main" xmlns:r="http://schemas.openxmlformats.org/officeDocument/2006/relationships" xmlns:p="http://schemas.openxmlformats.org/presentationml/2006/main">
   <p:cSld>
     <p:spTree>
@@ -14455,7 +16939,7 @@
 </p:sld>
 </file>
 
-<file path=ppt/slides/slide137.xml><?xml version="1.0" encoding="utf-8"?>
+<file path=ppt/slides/slide151.xml><?xml version="1.0" encoding="utf-8"?>
 <p:sld xmlns:a="http://schemas.openxmlformats.org/drawingml/2006/main" xmlns:r="http://schemas.openxmlformats.org/officeDocument/2006/relationships" xmlns:p="http://schemas.openxmlformats.org/presentationml/2006/main">
   <p:cSld>
     <p:spTree>
@@ -14517,10 +17001,15 @@
             <p:ph idx="1"/>
           </p:nvPr>
         </p:nvSpPr>
-        <p:spPr/>
+        <p:spPr>
+          <a:xfrm>
+            <a:off x="2032619" y="1762539"/>
+            <a:ext cx="9165467" cy="4585252"/>
+          </a:xfrm>
+        </p:spPr>
         <p:txBody>
           <a:bodyPr>
-            <a:normAutofit fontScale="92500" lnSpcReduction="10000"/>
+            <a:normAutofit/>
           </a:bodyPr>
           <a:lstStyle/>
           <a:p>
@@ -14578,6 +17067,40 @@
           </a:p>
           <a:p>
             <a:endParaRPr lang="en-US" sz="2800" dirty="0"/>
+          </a:p>
+        </p:txBody>
+      </p:sp>
+      <p:sp>
+        <p:nvSpPr>
+          <p:cNvPr id="4" name="Rectangle 3">
+            <a:extLst>
+              <a:ext uri="{FF2B5EF4-FFF2-40B4-BE49-F238E27FC236}">
+                <a16:creationId xmlns:a16="http://schemas.microsoft.com/office/drawing/2014/main" id="{E5177CA4-805F-4D36-9D3A-55D59379E74A}"/>
+              </a:ext>
+            </a:extLst>
+          </p:cNvPr>
+          <p:cNvSpPr/>
+          <p:nvPr/>
+        </p:nvSpPr>
+        <p:spPr>
+          <a:xfrm>
+            <a:off x="5270440" y="6163125"/>
+            <a:ext cx="6819496" cy="461665"/>
+          </a:xfrm>
+          <a:prstGeom prst="rect">
+            <a:avLst/>
+          </a:prstGeom>
+        </p:spPr>
+        <p:txBody>
+          <a:bodyPr wrap="none">
+            <a:spAutoFit/>
+          </a:bodyPr>
+          <a:lstStyle/>
+          <a:p>
+            <a:r>
+              <a:rPr lang="en-US" sz="2400" b="1" dirty="0"/>
+              <a:t>Latest release	Muir Glacier / 1 January 2020</a:t>
+            </a:r>
           </a:p>
         </p:txBody>
       </p:sp>
@@ -14591,10 +17114,88 @@
   <p:clrMapOvr>
     <a:masterClrMapping/>
   </p:clrMapOvr>
+  <p:timing>
+    <p:tnLst>
+      <p:par>
+        <p:cTn id="1" dur="indefinite" restart="never" nodeType="tmRoot">
+          <p:childTnLst>
+            <p:seq concurrent="1" nextAc="seek">
+              <p:cTn id="2" dur="indefinite" nodeType="mainSeq">
+                <p:childTnLst>
+                  <p:par>
+                    <p:cTn id="3" fill="hold">
+                      <p:stCondLst>
+                        <p:cond delay="indefinite"/>
+                      </p:stCondLst>
+                      <p:childTnLst>
+                        <p:par>
+                          <p:cTn id="4" fill="hold">
+                            <p:stCondLst>
+                              <p:cond delay="0"/>
+                            </p:stCondLst>
+                            <p:childTnLst>
+                              <p:par>
+                                <p:cTn id="5" presetID="1" presetClass="entr" presetSubtype="0" fill="hold" grpId="0" nodeType="clickEffect">
+                                  <p:stCondLst>
+                                    <p:cond delay="0"/>
+                                  </p:stCondLst>
+                                  <p:childTnLst>
+                                    <p:set>
+                                      <p:cBhvr>
+                                        <p:cTn id="6" dur="1" fill="hold">
+                                          <p:stCondLst>
+                                            <p:cond delay="0"/>
+                                          </p:stCondLst>
+                                        </p:cTn>
+                                        <p:tgtEl>
+                                          <p:spTgt spid="4"/>
+                                        </p:tgtEl>
+                                        <p:attrNameLst>
+                                          <p:attrName>style.visibility</p:attrName>
+                                        </p:attrNameLst>
+                                      </p:cBhvr>
+                                      <p:to>
+                                        <p:strVal val="visible"/>
+                                      </p:to>
+                                    </p:set>
+                                  </p:childTnLst>
+                                </p:cTn>
+                              </p:par>
+                            </p:childTnLst>
+                          </p:cTn>
+                        </p:par>
+                      </p:childTnLst>
+                    </p:cTn>
+                  </p:par>
+                </p:childTnLst>
+              </p:cTn>
+              <p:prevCondLst>
+                <p:cond evt="onPrev" delay="0">
+                  <p:tgtEl>
+                    <p:sldTgt/>
+                  </p:tgtEl>
+                </p:cond>
+              </p:prevCondLst>
+              <p:nextCondLst>
+                <p:cond evt="onNext" delay="0">
+                  <p:tgtEl>
+                    <p:sldTgt/>
+                  </p:tgtEl>
+                </p:cond>
+              </p:nextCondLst>
+            </p:seq>
+          </p:childTnLst>
+        </p:cTn>
+      </p:par>
+    </p:tnLst>
+    <p:bldLst>
+      <p:bldP spid="4" grpId="0"/>
+    </p:bldLst>
+  </p:timing>
 </p:sld>
 </file>
 
-<file path=ppt/slides/slide138.xml><?xml version="1.0" encoding="utf-8"?>
+<file path=ppt/slides/slide152.xml><?xml version="1.0" encoding="utf-8"?>
 <p:sld xmlns:a="http://schemas.openxmlformats.org/drawingml/2006/main" xmlns:r="http://schemas.openxmlformats.org/officeDocument/2006/relationships" xmlns:p="http://schemas.openxmlformats.org/presentationml/2006/main">
   <p:cSld>
     <p:spTree>
@@ -14629,7 +17230,7 @@
         </p:nvSpPr>
         <p:spPr>
           <a:xfrm>
-            <a:off x="2592925" y="369278"/>
+            <a:off x="1917064" y="183748"/>
             <a:ext cx="8911687" cy="1280890"/>
           </a:xfrm>
         </p:spPr>
@@ -14663,7 +17264,7 @@
         </p:nvSpPr>
         <p:spPr>
           <a:xfrm>
-            <a:off x="2461457" y="1151504"/>
+            <a:off x="2156657" y="965974"/>
             <a:ext cx="9043155" cy="4554992"/>
           </a:xfrm>
         </p:spPr>
@@ -14755,7 +17356,7 @@
 </p:sld>
 </file>
 
-<file path=ppt/slides/slide139.xml><?xml version="1.0" encoding="utf-8"?>
+<file path=ppt/slides/slide153.xml><?xml version="1.0" encoding="utf-8"?>
 <p:sld xmlns:a="http://schemas.openxmlformats.org/drawingml/2006/main" xmlns:r="http://schemas.openxmlformats.org/officeDocument/2006/relationships" xmlns:p="http://schemas.openxmlformats.org/presentationml/2006/main">
   <p:cSld>
     <p:spTree>
@@ -14849,19 +17450,32 @@
           <a:p>
             <a:r>
               <a:rPr lang="en-US" sz="2400" dirty="0"/>
-              <a:t>In addition to the contracts layer, which is the core blockchain layer, there are additional layers that need to be decentralized in order to achieve a complete decentralized ecosystem.</a:t>
-            </a:r>
-          </a:p>
-          <a:p>
-            <a:r>
-              <a:rPr lang="en-US" sz="2400" dirty="0"/>
-              <a:t> This includes decentralized storage and decentralized messaging. </a:t>
-            </a:r>
-          </a:p>
-          <a:p>
-            <a:r>
-              <a:rPr lang="en-US" sz="2400" dirty="0"/>
-              <a:t>Whisper, being developed for </a:t>
+              <a:t>In addition to the contracts layer, which is the core blockchain layer, there are </a:t>
+            </a:r>
+            <a:r>
+              <a:rPr lang="en-US" sz="2400" b="1" dirty="0"/>
+              <a:t>additional layers that need to be decentralized</a:t>
+            </a:r>
+            <a:r>
+              <a:rPr lang="en-US" sz="2400" dirty="0"/>
+              <a:t> in order to achieve a complete decentralized ecosystem.</a:t>
+            </a:r>
+          </a:p>
+          <a:p>
+            <a:pPr lvl="1"/>
+            <a:r>
+              <a:rPr lang="en-US" sz="2200" dirty="0"/>
+              <a:t>This includes decentralized storage and decentralized messaging. </a:t>
+            </a:r>
+          </a:p>
+          <a:p>
+            <a:r>
+              <a:rPr lang="en-US" sz="2400" b="1" dirty="0"/>
+              <a:t>Whisper</a:t>
+            </a:r>
+            <a:r>
+              <a:rPr lang="en-US" sz="2400" dirty="0"/>
+              <a:t>, being developed for </a:t>
             </a:r>
             <a:r>
               <a:rPr lang="en-US" sz="2400" dirty="0" err="1"/>
@@ -14874,8 +17488,12 @@
           </a:p>
           <a:p>
             <a:r>
-              <a:rPr lang="en-US" sz="2400" dirty="0"/>
-              <a:t>Swarm is a decentralized storage protocol. </a:t>
+              <a:rPr lang="en-US" sz="2400" b="1" dirty="0"/>
+              <a:t>Swarm</a:t>
+            </a:r>
+            <a:r>
+              <a:rPr lang="en-US" sz="2400" dirty="0"/>
+              <a:t> is a decentralized storage protocol. </a:t>
             </a:r>
           </a:p>
         </p:txBody>
@@ -14893,7 +17511,7 @@
 </p:sld>
 </file>
 
-<file path=ppt/slides/slide14.xml><?xml version="1.0" encoding="utf-8"?>
+<file path=ppt/slides/slide154.xml><?xml version="1.0" encoding="utf-8"?>
 <p:sld xmlns:a="http://schemas.openxmlformats.org/drawingml/2006/main" xmlns:r="http://schemas.openxmlformats.org/officeDocument/2006/relationships" xmlns:p="http://schemas.openxmlformats.org/presentationml/2006/main">
   <p:cSld>
     <p:spTree>
@@ -14912,40 +17530,57 @@
       </p:grpSpPr>
       <p:sp>
         <p:nvSpPr>
-          <p:cNvPr id="2" name="Title 1"/>
+          <p:cNvPr id="2" name="Title 1">
+            <a:extLst>
+              <a:ext uri="{FF2B5EF4-FFF2-40B4-BE49-F238E27FC236}">
+                <a16:creationId xmlns:a16="http://schemas.microsoft.com/office/drawing/2014/main" id="{93A8DA36-A1FE-469E-A7F5-31731A61319B}"/>
+              </a:ext>
+            </a:extLst>
+          </p:cNvPr>
           <p:cNvSpPr>
             <a:spLocks noGrp="1"/>
           </p:cNvSpPr>
           <p:nvPr>
             <p:ph type="title"/>
-          </p:nvPr>
-        </p:nvSpPr>
-        <p:spPr/>
-        <p:txBody>
-          <a:bodyPr/>
-          <a:lstStyle/>
-          <a:p>
-            <a:r>
-              <a:rPr lang="en-US" b="1" dirty="0"/>
-              <a:t>Forks</a:t>
-            </a:r>
-            <a:endParaRPr lang="en-US" dirty="0"/>
-          </a:p>
-        </p:txBody>
-      </p:sp>
-      <p:sp>
-        <p:nvSpPr>
-          <p:cNvPr id="3" name="Content Placeholder 2"/>
-          <p:cNvSpPr>
-            <a:spLocks noGrp="1"/>
-          </p:cNvSpPr>
-          <p:nvPr>
-            <p:ph idx="1"/>
           </p:nvPr>
         </p:nvSpPr>
         <p:spPr>
           <a:xfrm>
-            <a:off x="1994947" y="1692965"/>
+            <a:off x="2502984" y="249356"/>
+            <a:ext cx="8911687" cy="1280890"/>
+          </a:xfrm>
+        </p:spPr>
+        <p:txBody>
+          <a:bodyPr/>
+          <a:lstStyle/>
+          <a:p>
+            <a:r>
+              <a:rPr lang="en-US" b="1" dirty="0"/>
+              <a:t>Whisper</a:t>
+            </a:r>
+            <a:endParaRPr lang="en-US" dirty="0"/>
+          </a:p>
+        </p:txBody>
+      </p:sp>
+      <p:sp>
+        <p:nvSpPr>
+          <p:cNvPr id="3" name="Content Placeholder 2">
+            <a:extLst>
+              <a:ext uri="{FF2B5EF4-FFF2-40B4-BE49-F238E27FC236}">
+                <a16:creationId xmlns:a16="http://schemas.microsoft.com/office/drawing/2014/main" id="{96AEDF01-F94D-4001-80AC-4BA76E11665D}"/>
+              </a:ext>
+            </a:extLst>
+          </p:cNvPr>
+          <p:cNvSpPr>
+            <a:spLocks noGrp="1"/>
+          </p:cNvSpPr>
+          <p:nvPr>
+            <p:ph idx="1"/>
+          </p:nvPr>
+        </p:nvSpPr>
+        <p:spPr>
+          <a:xfrm>
+            <a:off x="1869684" y="889801"/>
             <a:ext cx="8915400" cy="3777622"/>
           </a:xfrm>
         </p:spPr>
@@ -14956,124 +17591,81 @@
           <a:lstStyle/>
           <a:p>
             <a:r>
-              <a:rPr lang="en-US" sz="2400" dirty="0"/>
-              <a:t>A recent unintentional fork that occurred on November 24, 2016, at 14:12:07 UTC was due to a </a:t>
-            </a:r>
-            <a:r>
-              <a:rPr lang="en-US" sz="2400" b="1" dirty="0"/>
-              <a:t>bug in the </a:t>
-            </a:r>
-            <a:r>
-              <a:rPr lang="en-US" sz="2400" b="1" dirty="0" err="1"/>
+              <a:rPr lang="en-US" sz="2000" dirty="0"/>
+              <a:t>Whisper provides decentralized peer-to-peer messaging capabilities to the Ethereum network. </a:t>
+            </a:r>
+          </a:p>
+          <a:p>
+            <a:r>
+              <a:rPr lang="en-US" sz="2000" b="1" dirty="0"/>
+              <a:t>whisper is a communication protocol </a:t>
+            </a:r>
+            <a:r>
+              <a:rPr lang="en-US" sz="2000" dirty="0"/>
+              <a:t>that nodes use in order to communicate with each other.</a:t>
+            </a:r>
+          </a:p>
+          <a:p>
+            <a:r>
+              <a:rPr lang="en-US" sz="2000" dirty="0"/>
+              <a:t> The data and routing of messages are encrypted within whisper communications. </a:t>
+            </a:r>
+          </a:p>
+          <a:p>
+            <a:pPr lvl="1"/>
+            <a:r>
+              <a:rPr lang="en-US" sz="1800" dirty="0"/>
+              <a:t>used for smaller data transfers and in scenarios where real-time communication is not required. </a:t>
+            </a:r>
+          </a:p>
+          <a:p>
+            <a:r>
+              <a:rPr lang="en-US" sz="2000" dirty="0"/>
+              <a:t>Whisper is also designed to provide a communication layer that cannot be traced and provides “</a:t>
+            </a:r>
+            <a:r>
+              <a:rPr lang="en-US" sz="2000" b="1" dirty="0"/>
+              <a:t>dark communication</a:t>
+            </a:r>
+            <a:r>
+              <a:rPr lang="en-US" sz="2000" dirty="0"/>
+              <a:t>” between parties. </a:t>
+            </a:r>
+          </a:p>
+          <a:p>
+            <a:r>
+              <a:rPr lang="en-US" sz="2000" dirty="0"/>
+              <a:t>Blockchain can be used for communication, but that is </a:t>
+            </a:r>
+            <a:r>
+              <a:rPr lang="en-US" sz="2000" b="1" dirty="0"/>
+              <a:t>expensive and consensus is not really required for messages exchanged between nodes. </a:t>
+            </a:r>
+          </a:p>
+          <a:p>
+            <a:pPr lvl="1"/>
+            <a:r>
+              <a:rPr lang="en-US" sz="2000" dirty="0"/>
+              <a:t>Therefore, whisper can be used as a protocol that allows</a:t>
+            </a:r>
+          </a:p>
+          <a:p>
+            <a:r>
+              <a:rPr lang="en-US" sz="2000" dirty="0"/>
+              <a:t>Whisper is already available with </a:t>
+            </a:r>
+            <a:r>
+              <a:rPr lang="en-US" sz="2000" dirty="0" err="1"/>
               <a:t>geth</a:t>
             </a:r>
-            <a:r>
-              <a:rPr lang="en-US" sz="2400" b="1" dirty="0"/>
-              <a:t> </a:t>
-            </a:r>
-            <a:r>
-              <a:rPr lang="en-US" sz="2400" dirty="0"/>
-              <a:t>client's journaling mechanism. </a:t>
-            </a:r>
-          </a:p>
-          <a:p>
-            <a:r>
-              <a:rPr lang="en-US" sz="2400" dirty="0"/>
-              <a:t>Network fork occurred at block number 2,686,351. </a:t>
-            </a:r>
-          </a:p>
-          <a:p>
-            <a:r>
-              <a:rPr lang="en-US" sz="2400" dirty="0"/>
-              <a:t>This bug resulted in </a:t>
-            </a:r>
-            <a:r>
-              <a:rPr lang="en-US" sz="2400" dirty="0" err="1"/>
-              <a:t>geth</a:t>
-            </a:r>
-            <a:r>
-              <a:rPr lang="en-US" sz="2400" dirty="0"/>
-              <a:t> failing to revert </a:t>
-            </a:r>
-            <a:r>
-              <a:rPr lang="en-US" sz="2400" b="1" dirty="0"/>
-              <a:t>empty account deletions </a:t>
-            </a:r>
-            <a:r>
-              <a:rPr lang="en-US" sz="2400" dirty="0"/>
-              <a:t>in the case of the </a:t>
-            </a:r>
-            <a:r>
-              <a:rPr lang="en-US" sz="2400" b="1" dirty="0"/>
-              <a:t>empty out-of-gas exception</a:t>
-            </a:r>
-            <a:r>
-              <a:rPr lang="en-US" sz="2400" dirty="0"/>
-              <a:t>. </a:t>
-            </a:r>
-          </a:p>
-          <a:p>
-            <a:r>
-              <a:rPr lang="en-US" sz="2400" dirty="0"/>
-              <a:t>This means that from block number 2686351, the </a:t>
-            </a:r>
-            <a:r>
-              <a:rPr lang="en-US" sz="2400" dirty="0" err="1"/>
-              <a:t>Ethereum</a:t>
-            </a:r>
-            <a:r>
-              <a:rPr lang="en-US" sz="2400" dirty="0"/>
-              <a:t> </a:t>
-            </a:r>
-            <a:r>
-              <a:rPr lang="en-US" sz="2400" dirty="0" err="1"/>
-              <a:t>blockchain</a:t>
-            </a:r>
-            <a:r>
-              <a:rPr lang="en-US" sz="2400" dirty="0"/>
-              <a:t> is split into two, one running with </a:t>
-            </a:r>
-            <a:r>
-              <a:rPr lang="en-US" sz="2400" b="1" dirty="0"/>
-              <a:t>parity clients </a:t>
-            </a:r>
-            <a:r>
-              <a:rPr lang="en-US" sz="2400" dirty="0"/>
-              <a:t>and the other with</a:t>
-            </a:r>
-            <a:r>
-              <a:rPr lang="en-US" sz="2400" b="1" dirty="0"/>
-              <a:t> </a:t>
-            </a:r>
-            <a:r>
-              <a:rPr lang="en-US" sz="2400" b="1" dirty="0" err="1"/>
-              <a:t>geth</a:t>
-            </a:r>
-            <a:r>
-              <a:rPr lang="en-US" sz="2400" dirty="0"/>
-              <a:t>. </a:t>
-            </a:r>
-          </a:p>
-          <a:p>
-            <a:r>
-              <a:rPr lang="en-US" sz="2400" dirty="0"/>
-              <a:t>This issue was resolved with the release of </a:t>
-            </a:r>
-            <a:r>
-              <a:rPr lang="en-US" sz="2400" dirty="0" err="1"/>
-              <a:t>geth</a:t>
-            </a:r>
-            <a:r>
-              <a:rPr lang="en-US" sz="2400" dirty="0"/>
-              <a:t> version 1.5.3.</a:t>
-            </a:r>
+            <a:endParaRPr lang="en-US" sz="2000" dirty="0"/>
           </a:p>
         </p:txBody>
       </p:sp>
     </p:spTree>
     <p:extLst>
       <p:ext uri="{BB962C8B-B14F-4D97-AF65-F5344CB8AC3E}">
-        <p14:creationId xmlns:p14="http://schemas.microsoft.com/office/powerpoint/2010/main" val="3009493285"/>
+        <p14:creationId xmlns:p14="http://schemas.microsoft.com/office/powerpoint/2010/main" val="4208735818"/>
       </p:ext>
     </p:extLst>
   </p:cSld>
@@ -15083,7 +17675,7 @@
 </p:sld>
 </file>
 
-<file path=ppt/slides/slide140.xml><?xml version="1.0" encoding="utf-8"?>
+<file path=ppt/slides/slide155.xml><?xml version="1.0" encoding="utf-8"?>
 <p:sld xmlns:a="http://schemas.openxmlformats.org/drawingml/2006/main" xmlns:r="http://schemas.openxmlformats.org/officeDocument/2006/relationships" xmlns:p="http://schemas.openxmlformats.org/presentationml/2006/main">
   <p:cSld>
     <p:spTree>
@@ -15105,152 +17697,6 @@
           <p:cNvPr id="2" name="Title 1">
             <a:extLst>
               <a:ext uri="{FF2B5EF4-FFF2-40B4-BE49-F238E27FC236}">
-                <a16:creationId xmlns:a16="http://schemas.microsoft.com/office/drawing/2014/main" id="{93A8DA36-A1FE-469E-A7F5-31731A61319B}"/>
-              </a:ext>
-            </a:extLst>
-          </p:cNvPr>
-          <p:cNvSpPr>
-            <a:spLocks noGrp="1"/>
-          </p:cNvSpPr>
-          <p:nvPr>
-            <p:ph type="title"/>
-          </p:nvPr>
-        </p:nvSpPr>
-        <p:spPr>
-          <a:xfrm>
-            <a:off x="2502984" y="249356"/>
-            <a:ext cx="8911687" cy="1280890"/>
-          </a:xfrm>
-        </p:spPr>
-        <p:txBody>
-          <a:bodyPr/>
-          <a:lstStyle/>
-          <a:p>
-            <a:r>
-              <a:rPr lang="en-US" b="1" dirty="0"/>
-              <a:t>Whisper</a:t>
-            </a:r>
-            <a:endParaRPr lang="en-US" dirty="0"/>
-          </a:p>
-        </p:txBody>
-      </p:sp>
-      <p:sp>
-        <p:nvSpPr>
-          <p:cNvPr id="3" name="Content Placeholder 2">
-            <a:extLst>
-              <a:ext uri="{FF2B5EF4-FFF2-40B4-BE49-F238E27FC236}">
-                <a16:creationId xmlns:a16="http://schemas.microsoft.com/office/drawing/2014/main" id="{96AEDF01-F94D-4001-80AC-4BA76E11665D}"/>
-              </a:ext>
-            </a:extLst>
-          </p:cNvPr>
-          <p:cNvSpPr>
-            <a:spLocks noGrp="1"/>
-          </p:cNvSpPr>
-          <p:nvPr>
-            <p:ph idx="1"/>
-          </p:nvPr>
-        </p:nvSpPr>
-        <p:spPr>
-          <a:xfrm>
-            <a:off x="1869684" y="889801"/>
-            <a:ext cx="8915400" cy="3777622"/>
-          </a:xfrm>
-        </p:spPr>
-        <p:txBody>
-          <a:bodyPr>
-            <a:noAutofit/>
-          </a:bodyPr>
-          <a:lstStyle/>
-          <a:p>
-            <a:r>
-              <a:rPr lang="en-US" sz="2000" dirty="0"/>
-              <a:t>Whisper provides decentralized peer-to-peer messaging capabilities to the Ethereum network. </a:t>
-            </a:r>
-          </a:p>
-          <a:p>
-            <a:r>
-              <a:rPr lang="en-US" sz="2000" dirty="0"/>
-              <a:t>whisper is a communication protocol that nodes use in order to communicate with each other.</a:t>
-            </a:r>
-          </a:p>
-          <a:p>
-            <a:r>
-              <a:rPr lang="en-US" sz="2000" dirty="0"/>
-              <a:t> The data and routing of messages are encrypted within whisper communications. </a:t>
-            </a:r>
-          </a:p>
-          <a:p>
-            <a:r>
-              <a:rPr lang="en-US" sz="2000" dirty="0" err="1"/>
-              <a:t>Iit</a:t>
-            </a:r>
-            <a:r>
-              <a:rPr lang="en-US" sz="2000" dirty="0"/>
-              <a:t> is designed to be used for smaller data transfers and in scenarios where real-time communication is not required. </a:t>
-            </a:r>
-          </a:p>
-          <a:p>
-            <a:r>
-              <a:rPr lang="en-US" sz="2000" dirty="0"/>
-              <a:t>Whisper is also designed to provide a communication layer that cannot be traced and provides “dark communication” between parties. </a:t>
-            </a:r>
-          </a:p>
-          <a:p>
-            <a:r>
-              <a:rPr lang="en-US" sz="2000" dirty="0"/>
-              <a:t>Blockchain can be used for communication, but that is expensive and consensus is not really required for messages exchanged between nodes. </a:t>
-            </a:r>
-          </a:p>
-          <a:p>
-            <a:pPr lvl="1"/>
-            <a:r>
-              <a:rPr lang="en-US" sz="2000" dirty="0"/>
-              <a:t>Therefore, whisper can be used as a protocol that allows</a:t>
-            </a:r>
-          </a:p>
-          <a:p>
-            <a:r>
-              <a:rPr lang="en-US" sz="2000" dirty="0"/>
-              <a:t>Whisper is already available with get</a:t>
-            </a:r>
-          </a:p>
-        </p:txBody>
-      </p:sp>
-    </p:spTree>
-    <p:extLst>
-      <p:ext uri="{BB962C8B-B14F-4D97-AF65-F5344CB8AC3E}">
-        <p14:creationId xmlns:p14="http://schemas.microsoft.com/office/powerpoint/2010/main" val="4208735818"/>
-      </p:ext>
-    </p:extLst>
-  </p:cSld>
-  <p:clrMapOvr>
-    <a:masterClrMapping/>
-  </p:clrMapOvr>
-</p:sld>
-</file>
-
-<file path=ppt/slides/slide141.xml><?xml version="1.0" encoding="utf-8"?>
-<p:sld xmlns:a="http://schemas.openxmlformats.org/drawingml/2006/main" xmlns:r="http://schemas.openxmlformats.org/officeDocument/2006/relationships" xmlns:p="http://schemas.openxmlformats.org/presentationml/2006/main">
-  <p:cSld>
-    <p:spTree>
-      <p:nvGrpSpPr>
-        <p:cNvPr id="1" name=""/>
-        <p:cNvGrpSpPr/>
-        <p:nvPr/>
-      </p:nvGrpSpPr>
-      <p:grpSpPr>
-        <a:xfrm>
-          <a:off x="0" y="0"/>
-          <a:ext cx="0" cy="0"/>
-          <a:chOff x="0" y="0"/>
-          <a:chExt cx="0" cy="0"/>
-        </a:xfrm>
-      </p:grpSpPr>
-      <p:sp>
-        <p:nvSpPr>
-          <p:cNvPr id="2" name="Title 1">
-            <a:extLst>
-              <a:ext uri="{FF2B5EF4-FFF2-40B4-BE49-F238E27FC236}">
                 <a16:creationId xmlns:a16="http://schemas.microsoft.com/office/drawing/2014/main" id="{83417800-8E43-4C2A-86D9-1C4CE8236919}"/>
               </a:ext>
             </a:extLst>
@@ -15305,13 +17751,18 @@
           <a:p>
             <a:r>
               <a:rPr lang="en-US" sz="2400" dirty="0"/>
-              <a:t>Swarm is being developed as a distributed file storage platform.</a:t>
-            </a:r>
-          </a:p>
-          <a:p>
-            <a:r>
-              <a:rPr lang="en-US" sz="2400" dirty="0"/>
-              <a:t> It is a decentralized, distributed, and peer-to-peer storage network. </a:t>
+              <a:t>Swarm is being developed as a </a:t>
+            </a:r>
+            <a:r>
+              <a:rPr lang="en-US" sz="2400" b="1" dirty="0"/>
+              <a:t>distributed file storage platform.</a:t>
+            </a:r>
+          </a:p>
+          <a:p>
+            <a:pPr lvl="1"/>
+            <a:r>
+              <a:rPr lang="en-US" sz="2200" dirty="0"/>
+              <a:t>It is a decentralized, distributed, and peer-to-peer storage network. </a:t>
             </a:r>
           </a:p>
           <a:p>
@@ -15321,15 +17772,24 @@
             </a:r>
           </a:p>
           <a:p>
-            <a:r>
-              <a:rPr lang="en-US" sz="2400" dirty="0"/>
+            <a:pPr lvl="1"/>
+            <a:r>
+              <a:rPr lang="en-US" sz="2200" dirty="0"/>
               <a:t>This is in contrast to the traditional centralized services, where storage is available at a central location only. </a:t>
             </a:r>
           </a:p>
           <a:p>
             <a:r>
               <a:rPr lang="en-US" sz="2400" dirty="0"/>
-              <a:t>This is developed as a native base layer service for the Ethereum web 3.0 stack.</a:t>
+              <a:t>This is developed as a </a:t>
+            </a:r>
+            <a:r>
+              <a:rPr lang="en-US" sz="2400" b="1" dirty="0"/>
+              <a:t>native base layer service </a:t>
+            </a:r>
+            <a:r>
+              <a:rPr lang="en-US" sz="2400" dirty="0"/>
+              <a:t>for the Ethereum web 3.0 stack.</a:t>
             </a:r>
           </a:p>
           <a:p>
@@ -15375,7 +17835,7 @@
 </p:sld>
 </file>
 
-<file path=ppt/slides/slide142.xml><?xml version="1.0" encoding="utf-8"?>
+<file path=ppt/slides/slide156.xml><?xml version="1.0" encoding="utf-8"?>
 <p:sld xmlns:a="http://schemas.openxmlformats.org/drawingml/2006/main" xmlns:r="http://schemas.openxmlformats.org/officeDocument/2006/relationships" xmlns:p="http://schemas.openxmlformats.org/presentationml/2006/main">
   <p:cSld>
     <p:spTree>
@@ -15493,7 +17953,7 @@
 </p:sld>
 </file>
 
-<file path=ppt/slides/slide143.xml><?xml version="1.0" encoding="utf-8"?>
+<file path=ppt/slides/slide157.xml><?xml version="1.0" encoding="utf-8"?>
 <p:sld xmlns:a="http://schemas.openxmlformats.org/drawingml/2006/main" xmlns:r="http://schemas.openxmlformats.org/officeDocument/2006/relationships" xmlns:p="http://schemas.openxmlformats.org/presentationml/2006/main">
   <p:cSld>
     <p:spTree>
@@ -15555,20 +18015,28 @@
             <p:ph idx="1"/>
           </p:nvPr>
         </p:nvSpPr>
-        <p:spPr/>
+        <p:spPr>
+          <a:xfrm>
+            <a:off x="2178395" y="1904999"/>
+            <a:ext cx="9191970" cy="4124739"/>
+          </a:xfrm>
+        </p:spPr>
         <p:txBody>
           <a:bodyPr>
-            <a:normAutofit/>
+            <a:normAutofit lnSpcReduction="10000"/>
           </a:bodyPr>
           <a:lstStyle/>
           <a:p>
             <a:r>
-              <a:rPr lang="en-US" sz="2400" dirty="0"/>
-              <a:t>There are various implementations of DAOs and smart contracts in Ethereum, most notably, </a:t>
-            </a:r>
+              <a:rPr lang="en-US" sz="2800" dirty="0"/>
+              <a:t>There are various implementations of DAOs and smart contracts in Ethereum, </a:t>
+            </a:r>
+          </a:p>
+          <a:p>
+            <a:pPr lvl="1"/>
             <a:r>
               <a:rPr lang="en-US" sz="2400" i="1" dirty="0"/>
-              <a:t>the DAO</a:t>
+              <a:t>DAO</a:t>
             </a:r>
             <a:r>
               <a:rPr lang="en-US" sz="2400" dirty="0"/>
@@ -15577,13 +18045,13 @@
           </a:p>
           <a:p>
             <a:r>
-              <a:rPr lang="en-US" sz="2400" dirty="0"/>
-              <a:t> The DAO was created to serve as a decentralized platform to collect and distribute investments.</a:t>
-            </a:r>
-          </a:p>
-          <a:p>
-            <a:r>
-              <a:rPr lang="en-US" sz="2400" dirty="0"/>
+              <a:rPr lang="en-US" sz="2800" dirty="0"/>
+              <a:t> DAO was created to serve as a decentralized platform to collect and distribute investments.</a:t>
+            </a:r>
+          </a:p>
+          <a:p>
+            <a:r>
+              <a:rPr lang="en-US" sz="2800" dirty="0"/>
               <a:t>Augur is another DAPP that has been implemented on Ethereum, which is a decentralized prediction market</a:t>
             </a:r>
           </a:p>
@@ -15602,7 +18070,7 @@
 </p:sld>
 </file>
 
-<file path=ppt/slides/slide144.xml><?xml version="1.0" encoding="utf-8"?>
+<file path=ppt/slides/slide158.xml><?xml version="1.0" encoding="utf-8"?>
 <p:sld xmlns:a="http://schemas.openxmlformats.org/drawingml/2006/main" xmlns:r="http://schemas.openxmlformats.org/officeDocument/2006/relationships" xmlns:p="http://schemas.openxmlformats.org/presentationml/2006/main">
   <p:cSld>
     <p:spTree>
@@ -15635,7 +18103,12 @@
             <p:ph type="title"/>
           </p:nvPr>
         </p:nvSpPr>
-        <p:spPr/>
+        <p:spPr>
+          <a:xfrm>
+            <a:off x="1640156" y="161313"/>
+            <a:ext cx="8911687" cy="1280890"/>
+          </a:xfrm>
+        </p:spPr>
         <p:txBody>
           <a:bodyPr/>
           <a:lstStyle/>
@@ -15664,27 +18137,84 @@
             <p:ph idx="1"/>
           </p:nvPr>
         </p:nvSpPr>
-        <p:spPr/>
+        <p:spPr>
+          <a:xfrm>
+            <a:off x="1640156" y="1003852"/>
+            <a:ext cx="10061514" cy="5854148"/>
+          </a:xfrm>
+        </p:spPr>
         <p:txBody>
           <a:bodyPr>
-            <a:normAutofit/>
+            <a:normAutofit fontScale="85000" lnSpcReduction="20000"/>
           </a:bodyPr>
           <a:lstStyle/>
           <a:p>
             <a:r>
-              <a:rPr lang="en-US" sz="2400" dirty="0"/>
+              <a:rPr lang="en-US" sz="3200" dirty="0"/>
               <a:t>Scalability in any blockchain is a fundamental issue.</a:t>
             </a:r>
           </a:p>
           <a:p>
-            <a:r>
-              <a:rPr lang="en-US" sz="2400" dirty="0"/>
+            <a:pPr lvl="1"/>
+            <a:r>
+              <a:rPr lang="en-US" sz="2600" dirty="0">
+                <a:hlinkClick r:id="rId2"/>
+              </a:rPr>
+              <a:t>co-founder </a:t>
+            </a:r>
+            <a:r>
+              <a:rPr lang="en-US" sz="2600" dirty="0" err="1">
+                <a:hlinkClick r:id="rId2"/>
+              </a:rPr>
+              <a:t>Vitalik</a:t>
+            </a:r>
+            <a:r>
+              <a:rPr lang="en-US" sz="2600" dirty="0">
+                <a:hlinkClick r:id="rId2"/>
+              </a:rPr>
+              <a:t> </a:t>
+            </a:r>
+            <a:r>
+              <a:rPr lang="en-US" sz="2600" dirty="0" err="1">
+                <a:hlinkClick r:id="rId2"/>
+              </a:rPr>
+              <a:t>Buterin</a:t>
+            </a:r>
+            <a:r>
+              <a:rPr lang="en-US" sz="2600" dirty="0">
+                <a:hlinkClick r:id="rId2"/>
+              </a:rPr>
+              <a:t> himself admitted</a:t>
+            </a:r>
+            <a:r>
+              <a:rPr lang="en-US" sz="2600" dirty="0"/>
+              <a:t>. The network has a maximum capacity of 15 transactions per second, and he warned that if the status quo remains, the industry’s infrastructure will be unable to cope.</a:t>
+            </a:r>
+          </a:p>
+          <a:p>
+            <a:pPr lvl="1"/>
+            <a:r>
+              <a:rPr lang="en-US" sz="2600" dirty="0"/>
+              <a:t>Although most people in the crypto world agree that frameworks and scalability need to be addressed, coming up with solutions takes time and a lot of effort.</a:t>
+            </a:r>
+          </a:p>
+          <a:p>
+            <a:pPr lvl="1"/>
+            <a:r>
+              <a:rPr lang="en-US" sz="2600" dirty="0"/>
+              <a:t>In part, this is because any proposal has to have the support of miners, developers, businesses and other stakeholders before it can be enforced — a process which can take months and, even then, end in disagreement.</a:t>
+            </a:r>
+          </a:p>
+          <a:p>
+            <a:r>
+              <a:rPr lang="en-US" sz="3200" dirty="0"/>
               <a:t> Security is also of paramount importance.</a:t>
             </a:r>
           </a:p>
           <a:p>
-            <a:r>
-              <a:rPr lang="en-US" sz="2400" dirty="0"/>
+            <a:pPr lvl="1"/>
+            <a:r>
+              <a:rPr lang="en-US" sz="3000" dirty="0"/>
               <a:t> Issues such as privacy and confidentiality have caused some adaptability issues, especially in the financial sector. </a:t>
             </a:r>
           </a:p>
@@ -15703,7 +18233,7 @@
 </p:sld>
 </file>
 
-<file path=ppt/slides/slide15.xml><?xml version="1.0" encoding="utf-8"?>
+<file path=ppt/slides/slide159.xml><?xml version="1.0" encoding="utf-8"?>
 <p:sld xmlns:a="http://schemas.openxmlformats.org/drawingml/2006/main" xmlns:r="http://schemas.openxmlformats.org/officeDocument/2006/relationships" xmlns:p="http://schemas.openxmlformats.org/presentationml/2006/main">
   <p:cSld>
     <p:spTree>
@@ -15722,7 +18252,13 @@
       </p:grpSpPr>
       <p:sp>
         <p:nvSpPr>
-          <p:cNvPr id="2" name="Title 1"/>
+          <p:cNvPr id="2" name="Title 1">
+            <a:extLst>
+              <a:ext uri="{FF2B5EF4-FFF2-40B4-BE49-F238E27FC236}">
+                <a16:creationId xmlns:a16="http://schemas.microsoft.com/office/drawing/2014/main" id="{550A528A-59D3-4A03-A85A-D99E6F0A69EF}"/>
+              </a:ext>
+            </a:extLst>
+          </p:cNvPr>
           <p:cNvSpPr>
             <a:spLocks noGrp="1"/>
           </p:cNvSpPr>
@@ -15736,16 +18272,21 @@
           <a:lstStyle/>
           <a:p>
             <a:r>
-              <a:rPr lang="en-US" b="1" dirty="0"/>
-              <a:t>Gas</a:t>
-            </a:r>
-            <a:endParaRPr lang="en-US" dirty="0"/>
-          </a:p>
-        </p:txBody>
-      </p:sp>
-      <p:sp>
-        <p:nvSpPr>
-          <p:cNvPr id="3" name="Content Placeholder 2"/>
+              <a:rPr lang="en-US" dirty="0"/>
+              <a:t>References </a:t>
+            </a:r>
+          </a:p>
+        </p:txBody>
+      </p:sp>
+      <p:sp>
+        <p:nvSpPr>
+          <p:cNvPr id="3" name="Content Placeholder 2">
+            <a:extLst>
+              <a:ext uri="{FF2B5EF4-FFF2-40B4-BE49-F238E27FC236}">
+                <a16:creationId xmlns:a16="http://schemas.microsoft.com/office/drawing/2014/main" id="{8DD37FBD-9D9B-487A-85B9-770F0B179635}"/>
+              </a:ext>
+            </a:extLst>
+          </p:cNvPr>
           <p:cNvSpPr>
             <a:spLocks noGrp="1"/>
           </p:cNvSpPr>
@@ -15753,109 +18294,43 @@
             <p:ph idx="1"/>
           </p:nvPr>
         </p:nvSpPr>
-        <p:spPr>
-          <a:xfrm>
-            <a:off x="2170254" y="1662120"/>
-            <a:ext cx="8915400" cy="3777622"/>
-          </a:xfrm>
-        </p:spPr>
+        <p:spPr/>
         <p:txBody>
           <a:bodyPr>
-            <a:noAutofit/>
+            <a:normAutofit/>
           </a:bodyPr>
           <a:lstStyle/>
           <a:p>
             <a:r>
-              <a:rPr lang="en-US" sz="2800" dirty="0"/>
-              <a:t>Another key concept in </a:t>
-            </a:r>
-            <a:r>
-              <a:rPr lang="en-US" sz="2800" dirty="0" err="1"/>
-              <a:t>Ethereum</a:t>
-            </a:r>
-            <a:r>
-              <a:rPr lang="en-US" sz="2800" dirty="0"/>
-              <a:t> is that of gas. </a:t>
-            </a:r>
-          </a:p>
-          <a:p>
-            <a:r>
-              <a:rPr lang="en-US" sz="2800" dirty="0"/>
-              <a:t>All transactions on the </a:t>
-            </a:r>
-            <a:r>
-              <a:rPr lang="en-US" sz="2800" dirty="0" err="1"/>
-              <a:t>Ethereum</a:t>
-            </a:r>
-            <a:r>
-              <a:rPr lang="en-US" sz="2800" dirty="0"/>
+              <a:rPr lang="en-US" sz="3200" dirty="0"/>
+              <a:t>Imran Bashir. “</a:t>
+            </a:r>
+            <a:r>
+              <a:rPr lang="en-US" sz="3200" dirty="0" err="1"/>
+              <a:t>Mastring</a:t>
+            </a:r>
+            <a:r>
+              <a:rPr lang="en-US" sz="3200" dirty="0"/>
               <a:t> </a:t>
             </a:r>
             <a:r>
-              <a:rPr lang="en-US" sz="2800" dirty="0" err="1"/>
-              <a:t>blockchain</a:t>
-            </a:r>
-            <a:r>
-              <a:rPr lang="en-US" sz="2800" dirty="0"/>
-              <a:t> are required to cover the </a:t>
-            </a:r>
-            <a:r>
-              <a:rPr lang="en-US" sz="2800" b="1" dirty="0"/>
-              <a:t>cost of computation </a:t>
-            </a:r>
-            <a:r>
-              <a:rPr lang="en-US" sz="2800" dirty="0"/>
-              <a:t>they are performing. </a:t>
-            </a:r>
-          </a:p>
-          <a:p>
-            <a:r>
-              <a:rPr lang="en-US" sz="2800" dirty="0"/>
-              <a:t>Cost is covered by something called </a:t>
-            </a:r>
-            <a:r>
-              <a:rPr lang="en-US" sz="2800" b="1" i="1" dirty="0"/>
-              <a:t>gas</a:t>
-            </a:r>
-            <a:r>
-              <a:rPr lang="en-US" sz="2800" i="1" dirty="0"/>
-              <a:t> </a:t>
-            </a:r>
-            <a:r>
-              <a:rPr lang="en-US" sz="2800" dirty="0"/>
-              <a:t>or </a:t>
-            </a:r>
-            <a:r>
-              <a:rPr lang="en-US" sz="2800" b="1" i="1" dirty="0"/>
-              <a:t>crypto fuel</a:t>
-            </a:r>
-            <a:r>
-              <a:rPr lang="en-US" sz="2800" dirty="0"/>
-              <a:t>,</a:t>
-            </a:r>
-          </a:p>
-          <a:p>
-            <a:r>
-              <a:rPr lang="en-US" sz="2800" dirty="0"/>
-              <a:t>Gas as </a:t>
-            </a:r>
-            <a:r>
-              <a:rPr lang="en-US" sz="2800" b="1" i="1" dirty="0"/>
-              <a:t>execution fee </a:t>
-            </a:r>
-            <a:r>
-              <a:rPr lang="en-US" sz="2800" dirty="0"/>
-              <a:t>is paid upfront by the transaction originators. </a:t>
-            </a:r>
-          </a:p>
-          <a:p>
-            <a:r>
-              <a:rPr lang="en-US" sz="2800" b="1" i="1" dirty="0"/>
-              <a:t>fuel </a:t>
-            </a:r>
-            <a:r>
-              <a:rPr lang="en-US" sz="2800" dirty="0"/>
-              <a:t>is consumed with each operation. </a:t>
+              <a:rPr lang="en-US" sz="3200" dirty="0" err="1"/>
+              <a:t>BlockChain</a:t>
+            </a:r>
+            <a:r>
+              <a:rPr lang="en-US" sz="3200" dirty="0"/>
+              <a:t>”, </a:t>
+            </a:r>
+            <a:r>
+              <a:rPr lang="en-US" sz="3200" dirty="0" err="1"/>
+              <a:t>Packt</a:t>
+            </a:r>
+            <a:endParaRPr lang="en-US" sz="3200" dirty="0"/>
+          </a:p>
+          <a:p>
+            <a:r>
+              <a:rPr lang="en-US" sz="3200" dirty="0"/>
+              <a:t>Web Materials</a:t>
             </a:r>
           </a:p>
         </p:txBody>
@@ -15863,7 +18338,7 @@
     </p:spTree>
     <p:extLst>
       <p:ext uri="{BB962C8B-B14F-4D97-AF65-F5344CB8AC3E}">
-        <p14:creationId xmlns:p14="http://schemas.microsoft.com/office/powerpoint/2010/main" val="188790350"/>
+        <p14:creationId xmlns:p14="http://schemas.microsoft.com/office/powerpoint/2010/main" val="2425416060"/>
       </p:ext>
     </p:extLst>
   </p:cSld>
@@ -29462,53 +31937,64 @@
             <p:ph idx="1"/>
           </p:nvPr>
         </p:nvSpPr>
-        <p:spPr/>
-        <p:txBody>
-          <a:bodyPr/>
-          <a:lstStyle/>
-          <a:p>
-            <a:r>
-              <a:rPr lang="en-US" dirty="0"/>
+        <p:spPr>
+          <a:xfrm>
+            <a:off x="1501372" y="1533098"/>
+            <a:ext cx="10003240" cy="4130722"/>
+          </a:xfrm>
+        </p:spPr>
+        <p:txBody>
+          <a:bodyPr>
+            <a:normAutofit/>
+          </a:bodyPr>
+          <a:lstStyle/>
+          <a:p>
+            <a:r>
+              <a:rPr lang="en-US" sz="2400" dirty="0"/>
               <a:t>Transaction receipts are used as a mechanism to store the state after a transaction has been executed. </a:t>
             </a:r>
           </a:p>
           <a:p>
             <a:r>
-              <a:rPr lang="en-US" dirty="0"/>
+              <a:rPr lang="en-US" sz="2400" dirty="0"/>
               <a:t>These structures are used to record the outcome of the transaction execution. </a:t>
             </a:r>
           </a:p>
           <a:p>
             <a:r>
-              <a:rPr lang="en-US" dirty="0"/>
+              <a:rPr lang="en-US" sz="2400" dirty="0"/>
               <a:t>It is produced after the execution of each transaction. </a:t>
             </a:r>
           </a:p>
           <a:p>
             <a:r>
-              <a:rPr lang="en-US" dirty="0"/>
+              <a:rPr lang="en-US" sz="2400" b="1" dirty="0"/>
               <a:t>All receipts are stored in an index-keyed </a:t>
             </a:r>
             <a:r>
-              <a:rPr lang="en-US" dirty="0" err="1"/>
+              <a:rPr lang="en-US" sz="2400" b="1" dirty="0" err="1"/>
               <a:t>trie</a:t>
             </a:r>
             <a:r>
-              <a:rPr lang="en-US" dirty="0"/>
-              <a:t>. Hash (Keccak 256-bit) of the root of this </a:t>
-            </a:r>
-            <a:r>
-              <a:rPr lang="en-US" dirty="0" err="1"/>
+              <a:rPr lang="en-US" sz="2400" dirty="0"/>
+              <a:t>. </a:t>
+            </a:r>
+            <a:r>
+              <a:rPr lang="en-US" sz="2400" b="1" dirty="0"/>
+              <a:t>Hash (Keccak 256-bit) of the root of this </a:t>
+            </a:r>
+            <a:r>
+              <a:rPr lang="en-US" sz="2400" b="1" dirty="0" err="1"/>
               <a:t>trie</a:t>
             </a:r>
             <a:r>
-              <a:rPr lang="en-US" dirty="0"/>
+              <a:rPr lang="en-US" sz="2400" b="1" dirty="0"/>
               <a:t> is placed in the block header as the receipts root. </a:t>
             </a:r>
           </a:p>
           <a:p>
             <a:r>
-              <a:rPr lang="en-US" dirty="0"/>
+              <a:rPr lang="en-US" sz="2400" dirty="0"/>
               <a:t>It is composed of four elements</a:t>
             </a:r>
           </a:p>
@@ -29566,9 +32052,12 @@
           <a:p>
             <a:r>
               <a:rPr lang="en-US" b="1" dirty="0"/>
-              <a:t>Transaction receipts</a:t>
-            </a:r>
-            <a:endParaRPr lang="en-US" dirty="0"/>
+              <a:t>Transaction receipts- </a:t>
+            </a:r>
+            <a:r>
+              <a:rPr lang="en-US" dirty="0"/>
+              <a:t>four elements</a:t>
+            </a:r>
           </a:p>
         </p:txBody>
       </p:sp>
@@ -29596,7 +32085,7 @@
           <a:p>
             <a:r>
               <a:rPr lang="en-US" sz="2000" b="1" dirty="0"/>
-              <a:t>The post-transaction state</a:t>
+              <a:t>Post-transaction state</a:t>
             </a:r>
           </a:p>
           <a:p>
@@ -29717,9 +32206,12 @@
           <a:p>
             <a:r>
               <a:rPr lang="en-US" b="1" dirty="0"/>
-              <a:t>Transaction receipts</a:t>
-            </a:r>
-            <a:endParaRPr lang="en-US" dirty="0"/>
+              <a:t>Transaction receipts- </a:t>
+            </a:r>
+            <a:r>
+              <a:rPr lang="en-US" dirty="0"/>
+              <a:t>four elements</a:t>
+            </a:r>
           </a:p>
         </p:txBody>
       </p:sp>
@@ -29733,50 +32225,55 @@
             <p:ph idx="1"/>
           </p:nvPr>
         </p:nvSpPr>
-        <p:spPr/>
+        <p:spPr>
+          <a:xfrm>
+            <a:off x="1988709" y="1540189"/>
+            <a:ext cx="9161511" cy="4137280"/>
+          </a:xfrm>
+        </p:spPr>
         <p:txBody>
           <a:bodyPr>
-            <a:normAutofit/>
+            <a:normAutofit fontScale="92500" lnSpcReduction="10000"/>
           </a:bodyPr>
           <a:lstStyle/>
           <a:p>
             <a:r>
-              <a:rPr lang="en-US" sz="2400" b="1" dirty="0"/>
+              <a:rPr lang="en-US" sz="2800" b="1" dirty="0"/>
               <a:t>The bloom filter</a:t>
             </a:r>
           </a:p>
           <a:p>
             <a:pPr lvl="1"/>
             <a:r>
-              <a:rPr lang="en-US" sz="2000" dirty="0"/>
-              <a:t>A bloom filter is created from the information contained in the set of logs </a:t>
+              <a:rPr lang="en-US" sz="2400" dirty="0"/>
+              <a:t>Bloom filter is created from the information contained in the set of logs </a:t>
             </a:r>
           </a:p>
           <a:p>
             <a:pPr lvl="1"/>
             <a:r>
-              <a:rPr lang="en-US" sz="2000" dirty="0"/>
+              <a:rPr lang="en-US" sz="2400" dirty="0"/>
               <a:t>A log entry is reduced to a hash of 256 bytes, which is then embedded in the header of the block as the logs bloom. </a:t>
             </a:r>
           </a:p>
           <a:p>
             <a:pPr lvl="1"/>
             <a:r>
-              <a:rPr lang="en-US" sz="2000" dirty="0"/>
+              <a:rPr lang="en-US" sz="2400" dirty="0"/>
               <a:t>Log entry is composed of the logger's address and log topics and log data.</a:t>
             </a:r>
           </a:p>
           <a:p>
             <a:pPr lvl="1"/>
             <a:r>
-              <a:rPr lang="en-US" sz="2000" dirty="0"/>
+              <a:rPr lang="en-US" sz="2400" dirty="0"/>
               <a:t> Log topics are encoded as a series of 32 byte data structures. </a:t>
             </a:r>
           </a:p>
           <a:p>
             <a:pPr lvl="1"/>
             <a:r>
-              <a:rPr lang="en-US" sz="2000" dirty="0"/>
+              <a:rPr lang="en-US" sz="2400" dirty="0"/>
               <a:t>Log data is made up of a few bytes of data.</a:t>
             </a:r>
           </a:p>
